--- a/ScratchingKipris/사용매뉴얼.pptx
+++ b/ScratchingKipris/사용매뉴얼.pptx
@@ -12,6 +12,10 @@
     <p:sldId id="271" r:id="rId6"/>
     <p:sldId id="272" r:id="rId7"/>
     <p:sldId id="273" r:id="rId8"/>
+    <p:sldId id="277" r:id="rId9"/>
+    <p:sldId id="279" r:id="rId10"/>
+    <p:sldId id="280" r:id="rId11"/>
+    <p:sldId id="278" r:id="rId12"/>
   </p:sldIdLst>
   <p:sldSz cx="12192000" cy="6858000"/>
   <p:notesSz cx="6858000" cy="9144000"/>
@@ -265,7 +269,7 @@
           <a:p>
             <a:fld id="{2019EA92-DCA8-4E93-8FB4-81C6C817D5E7}" type="datetimeFigureOut">
               <a:rPr lang="ko-KR" altLang="en-US" smtClean="0"/>
-              <a:t>2024-01-13</a:t>
+              <a:t>2024-01-14</a:t>
             </a:fld>
             <a:endParaRPr lang="ko-KR" altLang="en-US"/>
           </a:p>
@@ -463,7 +467,7 @@
           <a:p>
             <a:fld id="{2019EA92-DCA8-4E93-8FB4-81C6C817D5E7}" type="datetimeFigureOut">
               <a:rPr lang="ko-KR" altLang="en-US" smtClean="0"/>
-              <a:t>2024-01-13</a:t>
+              <a:t>2024-01-14</a:t>
             </a:fld>
             <a:endParaRPr lang="ko-KR" altLang="en-US"/>
           </a:p>
@@ -671,7 +675,7 @@
           <a:p>
             <a:fld id="{2019EA92-DCA8-4E93-8FB4-81C6C817D5E7}" type="datetimeFigureOut">
               <a:rPr lang="ko-KR" altLang="en-US" smtClean="0"/>
-              <a:t>2024-01-13</a:t>
+              <a:t>2024-01-14</a:t>
             </a:fld>
             <a:endParaRPr lang="ko-KR" altLang="en-US"/>
           </a:p>
@@ -869,7 +873,7 @@
           <a:p>
             <a:fld id="{2019EA92-DCA8-4E93-8FB4-81C6C817D5E7}" type="datetimeFigureOut">
               <a:rPr lang="ko-KR" altLang="en-US" smtClean="0"/>
-              <a:t>2024-01-13</a:t>
+              <a:t>2024-01-14</a:t>
             </a:fld>
             <a:endParaRPr lang="ko-KR" altLang="en-US"/>
           </a:p>
@@ -1144,7 +1148,7 @@
           <a:p>
             <a:fld id="{2019EA92-DCA8-4E93-8FB4-81C6C817D5E7}" type="datetimeFigureOut">
               <a:rPr lang="ko-KR" altLang="en-US" smtClean="0"/>
-              <a:t>2024-01-13</a:t>
+              <a:t>2024-01-14</a:t>
             </a:fld>
             <a:endParaRPr lang="ko-KR" altLang="en-US"/>
           </a:p>
@@ -1409,7 +1413,7 @@
           <a:p>
             <a:fld id="{2019EA92-DCA8-4E93-8FB4-81C6C817D5E7}" type="datetimeFigureOut">
               <a:rPr lang="ko-KR" altLang="en-US" smtClean="0"/>
-              <a:t>2024-01-13</a:t>
+              <a:t>2024-01-14</a:t>
             </a:fld>
             <a:endParaRPr lang="ko-KR" altLang="en-US"/>
           </a:p>
@@ -1821,7 +1825,7 @@
           <a:p>
             <a:fld id="{2019EA92-DCA8-4E93-8FB4-81C6C817D5E7}" type="datetimeFigureOut">
               <a:rPr lang="ko-KR" altLang="en-US" smtClean="0"/>
-              <a:t>2024-01-13</a:t>
+              <a:t>2024-01-14</a:t>
             </a:fld>
             <a:endParaRPr lang="ko-KR" altLang="en-US"/>
           </a:p>
@@ -1962,7 +1966,7 @@
           <a:p>
             <a:fld id="{2019EA92-DCA8-4E93-8FB4-81C6C817D5E7}" type="datetimeFigureOut">
               <a:rPr lang="ko-KR" altLang="en-US" smtClean="0"/>
-              <a:t>2024-01-13</a:t>
+              <a:t>2024-01-14</a:t>
             </a:fld>
             <a:endParaRPr lang="ko-KR" altLang="en-US"/>
           </a:p>
@@ -2075,7 +2079,7 @@
           <a:p>
             <a:fld id="{2019EA92-DCA8-4E93-8FB4-81C6C817D5E7}" type="datetimeFigureOut">
               <a:rPr lang="ko-KR" altLang="en-US" smtClean="0"/>
-              <a:t>2024-01-13</a:t>
+              <a:t>2024-01-14</a:t>
             </a:fld>
             <a:endParaRPr lang="ko-KR" altLang="en-US"/>
           </a:p>
@@ -2386,7 +2390,7 @@
           <a:p>
             <a:fld id="{2019EA92-DCA8-4E93-8FB4-81C6C817D5E7}" type="datetimeFigureOut">
               <a:rPr lang="ko-KR" altLang="en-US" smtClean="0"/>
-              <a:t>2024-01-13</a:t>
+              <a:t>2024-01-14</a:t>
             </a:fld>
             <a:endParaRPr lang="ko-KR" altLang="en-US"/>
           </a:p>
@@ -2674,7 +2678,7 @@
           <a:p>
             <a:fld id="{2019EA92-DCA8-4E93-8FB4-81C6C817D5E7}" type="datetimeFigureOut">
               <a:rPr lang="ko-KR" altLang="en-US" smtClean="0"/>
-              <a:t>2024-01-13</a:t>
+              <a:t>2024-01-14</a:t>
             </a:fld>
             <a:endParaRPr lang="ko-KR" altLang="en-US"/>
           </a:p>
@@ -2915,7 +2919,7 @@
           <a:p>
             <a:fld id="{2019EA92-DCA8-4E93-8FB4-81C6C817D5E7}" type="datetimeFigureOut">
               <a:rPr lang="ko-KR" altLang="en-US" smtClean="0"/>
-              <a:t>2024-01-13</a:t>
+              <a:t>2024-01-14</a:t>
             </a:fld>
             <a:endParaRPr lang="ko-KR" altLang="en-US"/>
           </a:p>
@@ -3332,6 +3336,36 @@
           <a:chExt cx="0" cy="0"/>
         </a:xfrm>
       </p:grpSpPr>
+      <p:pic>
+        <p:nvPicPr>
+          <p:cNvPr id="46" name="그림 45">
+            <a:extLst>
+              <a:ext uri="{FF2B5EF4-FFF2-40B4-BE49-F238E27FC236}">
+                <a16:creationId xmlns:a16="http://schemas.microsoft.com/office/drawing/2014/main" id="{B15FA62A-F6DB-71CD-D998-1F8C7F25E8F6}"/>
+              </a:ext>
+            </a:extLst>
+          </p:cNvPr>
+          <p:cNvPicPr>
+            <a:picLocks noChangeAspect="1"/>
+          </p:cNvPicPr>
+          <p:nvPr/>
+        </p:nvPicPr>
+        <p:blipFill>
+          <a:blip r:embed="rId2"/>
+          <a:stretch>
+            <a:fillRect/>
+          </a:stretch>
+        </p:blipFill>
+        <p:spPr>
+          <a:xfrm>
+            <a:off x="4039823" y="1813470"/>
+            <a:ext cx="3624745" cy="4256403"/>
+          </a:xfrm>
+          <a:prstGeom prst="rect">
+            <a:avLst/>
+          </a:prstGeom>
+        </p:spPr>
+      </p:pic>
       <p:sp>
         <p:nvSpPr>
           <p:cNvPr id="4" name="TextBox 3">
@@ -3430,654 +3464,2048 @@
           </a:p>
         </p:txBody>
       </p:sp>
-      <p:grpSp>
-        <p:nvGrpSpPr>
-          <p:cNvPr id="45" name="그룹 44">
-            <a:extLst>
-              <a:ext uri="{FF2B5EF4-FFF2-40B4-BE49-F238E27FC236}">
-                <a16:creationId xmlns:a16="http://schemas.microsoft.com/office/drawing/2014/main" id="{88BEE9EC-348A-C26D-59C2-33F0887100B5}"/>
-              </a:ext>
-            </a:extLst>
-          </p:cNvPr>
-          <p:cNvGrpSpPr/>
-          <p:nvPr/>
-        </p:nvGrpSpPr>
-        <p:grpSpPr>
-          <a:xfrm>
-            <a:off x="937787" y="1823618"/>
-            <a:ext cx="10316426" cy="4170242"/>
-            <a:chOff x="273197" y="1396898"/>
-            <a:chExt cx="10316426" cy="4170242"/>
-          </a:xfrm>
-        </p:grpSpPr>
-        <p:pic>
-          <p:nvPicPr>
-            <p:cNvPr id="3" name="그림 2">
-              <a:extLst>
-                <a:ext uri="{FF2B5EF4-FFF2-40B4-BE49-F238E27FC236}">
-                  <a16:creationId xmlns:a16="http://schemas.microsoft.com/office/drawing/2014/main" id="{FB66A2ED-D154-121A-3C7D-7AE014912136}"/>
-                </a:ext>
-              </a:extLst>
-            </p:cNvPr>
-            <p:cNvPicPr>
-              <a:picLocks noChangeAspect="1"/>
-            </p:cNvPicPr>
-            <p:nvPr/>
-          </p:nvPicPr>
-          <p:blipFill>
-            <a:blip r:embed="rId2"/>
-            <a:stretch>
-              <a:fillRect/>
-            </a:stretch>
-          </p:blipFill>
-          <p:spPr>
-            <a:xfrm>
-              <a:off x="3389520" y="1396898"/>
-              <a:ext cx="3568996" cy="4170242"/>
-            </a:xfrm>
-            <a:prstGeom prst="rect">
-              <a:avLst/>
-            </a:prstGeom>
-          </p:spPr>
-        </p:pic>
-        <p:sp>
-          <p:nvSpPr>
-            <p:cNvPr id="11" name="직사각형 10">
-              <a:extLst>
-                <a:ext uri="{FF2B5EF4-FFF2-40B4-BE49-F238E27FC236}">
-                  <a16:creationId xmlns:a16="http://schemas.microsoft.com/office/drawing/2014/main" id="{2EB50D4D-FB89-A2E1-F524-52C38DEA7C3D}"/>
-                </a:ext>
-              </a:extLst>
-            </p:cNvPr>
-            <p:cNvSpPr/>
-            <p:nvPr/>
-          </p:nvSpPr>
-          <p:spPr>
-            <a:xfrm>
-              <a:off x="3417837" y="1952853"/>
-              <a:ext cx="1944305" cy="205047"/>
-            </a:xfrm>
-            <a:prstGeom prst="rect">
-              <a:avLst/>
-            </a:prstGeom>
-            <a:noFill/>
-            <a:ln w="28575">
+      <p:sp>
+        <p:nvSpPr>
+          <p:cNvPr id="11" name="직사각형 10">
+            <a:extLst>
+              <a:ext uri="{FF2B5EF4-FFF2-40B4-BE49-F238E27FC236}">
+                <a16:creationId xmlns:a16="http://schemas.microsoft.com/office/drawing/2014/main" id="{2EB50D4D-FB89-A2E1-F524-52C38DEA7C3D}"/>
+              </a:ext>
+            </a:extLst>
+          </p:cNvPr>
+          <p:cNvSpPr/>
+          <p:nvPr/>
+        </p:nvSpPr>
+        <p:spPr>
+          <a:xfrm>
+            <a:off x="4082427" y="2379573"/>
+            <a:ext cx="1944305" cy="205047"/>
+          </a:xfrm>
+          <a:prstGeom prst="rect">
+            <a:avLst/>
+          </a:prstGeom>
+          <a:noFill/>
+          <a:ln w="28575">
+            <a:solidFill>
+              <a:srgbClr val="FF0000"/>
+            </a:solidFill>
+          </a:ln>
+        </p:spPr>
+        <p:style>
+          <a:lnRef idx="2">
+            <a:schemeClr val="accent1">
+              <a:shade val="15000"/>
+            </a:schemeClr>
+          </a:lnRef>
+          <a:fillRef idx="1">
+            <a:schemeClr val="accent1"/>
+          </a:fillRef>
+          <a:effectRef idx="0">
+            <a:schemeClr val="accent1"/>
+          </a:effectRef>
+          <a:fontRef idx="minor">
+            <a:schemeClr val="lt1"/>
+          </a:fontRef>
+        </p:style>
+        <p:txBody>
+          <a:bodyPr rtlCol="0" anchor="ctr"/>
+          <a:lstStyle/>
+          <a:p>
+            <a:pPr algn="ctr"/>
+            <a:endParaRPr lang="ko-KR" altLang="en-US"/>
+          </a:p>
+        </p:txBody>
+      </p:sp>
+      <p:cxnSp>
+        <p:nvCxnSpPr>
+          <p:cNvPr id="13" name="직선 화살표 연결선 12">
+            <a:extLst>
+              <a:ext uri="{FF2B5EF4-FFF2-40B4-BE49-F238E27FC236}">
+                <a16:creationId xmlns:a16="http://schemas.microsoft.com/office/drawing/2014/main" id="{C473492A-F78E-66F1-906F-3970408C4AEC}"/>
+              </a:ext>
+            </a:extLst>
+          </p:cNvPr>
+          <p:cNvCxnSpPr>
+            <a:cxnSpLocks/>
+            <a:stCxn id="11" idx="1"/>
+          </p:cNvCxnSpPr>
+          <p:nvPr/>
+        </p:nvCxnSpPr>
+        <p:spPr>
+          <a:xfrm flipH="1" flipV="1">
+            <a:off x="2975650" y="2180705"/>
+            <a:ext cx="1106777" cy="301392"/>
+          </a:xfrm>
+          <a:prstGeom prst="straightConnector1">
+            <a:avLst/>
+          </a:prstGeom>
+          <a:ln>
+            <a:solidFill>
+              <a:schemeClr val="tx1"/>
+            </a:solidFill>
+            <a:tailEnd type="triangle"/>
+          </a:ln>
+        </p:spPr>
+        <p:style>
+          <a:lnRef idx="1">
+            <a:schemeClr val="accent1"/>
+          </a:lnRef>
+          <a:fillRef idx="0">
+            <a:schemeClr val="accent1"/>
+          </a:fillRef>
+          <a:effectRef idx="0">
+            <a:schemeClr val="accent1"/>
+          </a:effectRef>
+          <a:fontRef idx="minor">
+            <a:schemeClr val="tx1"/>
+          </a:fontRef>
+        </p:style>
+      </p:cxnSp>
+      <p:sp>
+        <p:nvSpPr>
+          <p:cNvPr id="14" name="TextBox 13">
+            <a:extLst>
+              <a:ext uri="{FF2B5EF4-FFF2-40B4-BE49-F238E27FC236}">
+                <a16:creationId xmlns:a16="http://schemas.microsoft.com/office/drawing/2014/main" id="{65A55034-8031-4537-B548-17B11D0326F4}"/>
+              </a:ext>
+            </a:extLst>
+          </p:cNvPr>
+          <p:cNvSpPr txBox="1"/>
+          <p:nvPr/>
+        </p:nvSpPr>
+        <p:spPr>
+          <a:xfrm>
+            <a:off x="937787" y="2057663"/>
+            <a:ext cx="2111432" cy="246221"/>
+          </a:xfrm>
+          <a:prstGeom prst="rect">
+            <a:avLst/>
+          </a:prstGeom>
+          <a:noFill/>
+        </p:spPr>
+        <p:txBody>
+          <a:bodyPr wrap="square" rtlCol="0">
+            <a:spAutoFit/>
+          </a:bodyPr>
+          <a:lstStyle/>
+          <a:p>
+            <a:pPr algn="ctr"/>
+            <a:r>
+              <a:rPr lang="ko-KR" altLang="en-US" sz="1000" dirty="0"/>
+              <a:t>상표명칭 입력란</a:t>
+            </a:r>
+          </a:p>
+        </p:txBody>
+      </p:sp>
+      <p:cxnSp>
+        <p:nvCxnSpPr>
+          <p:cNvPr id="15" name="직선 화살표 연결선 14">
+            <a:extLst>
+              <a:ext uri="{FF2B5EF4-FFF2-40B4-BE49-F238E27FC236}">
+                <a16:creationId xmlns:a16="http://schemas.microsoft.com/office/drawing/2014/main" id="{A27952CB-1C0D-8D1F-28FD-DC1C1BBECB7E}"/>
+              </a:ext>
+            </a:extLst>
+          </p:cNvPr>
+          <p:cNvCxnSpPr>
+            <a:cxnSpLocks/>
+          </p:cNvCxnSpPr>
+          <p:nvPr/>
+        </p:nvCxnSpPr>
+        <p:spPr>
+          <a:xfrm flipH="1" flipV="1">
+            <a:off x="2954502" y="2673047"/>
+            <a:ext cx="1099607" cy="19453"/>
+          </a:xfrm>
+          <a:prstGeom prst="straightConnector1">
+            <a:avLst/>
+          </a:prstGeom>
+          <a:ln>
+            <a:solidFill>
+              <a:schemeClr val="tx1"/>
+            </a:solidFill>
+            <a:tailEnd type="triangle"/>
+          </a:ln>
+        </p:spPr>
+        <p:style>
+          <a:lnRef idx="1">
+            <a:schemeClr val="accent1"/>
+          </a:lnRef>
+          <a:fillRef idx="0">
+            <a:schemeClr val="accent1"/>
+          </a:fillRef>
+          <a:effectRef idx="0">
+            <a:schemeClr val="accent1"/>
+          </a:effectRef>
+          <a:fontRef idx="minor">
+            <a:schemeClr val="tx1"/>
+          </a:fontRef>
+        </p:style>
+      </p:cxnSp>
+      <p:cxnSp>
+        <p:nvCxnSpPr>
+          <p:cNvPr id="18" name="직선 화살표 연결선 17">
+            <a:extLst>
+              <a:ext uri="{FF2B5EF4-FFF2-40B4-BE49-F238E27FC236}">
+                <a16:creationId xmlns:a16="http://schemas.microsoft.com/office/drawing/2014/main" id="{8C0C2FAB-7B33-9FE7-5ECF-81148E5006C4}"/>
+              </a:ext>
+            </a:extLst>
+          </p:cNvPr>
+          <p:cNvCxnSpPr>
+            <a:cxnSpLocks/>
+          </p:cNvCxnSpPr>
+          <p:nvPr/>
+        </p:nvCxnSpPr>
+        <p:spPr>
+          <a:xfrm flipH="1">
+            <a:off x="2954502" y="2896902"/>
+            <a:ext cx="1327933" cy="604450"/>
+          </a:xfrm>
+          <a:prstGeom prst="straightConnector1">
+            <a:avLst/>
+          </a:prstGeom>
+          <a:ln>
+            <a:solidFill>
+              <a:schemeClr val="tx1"/>
+            </a:solidFill>
+            <a:tailEnd type="triangle"/>
+          </a:ln>
+        </p:spPr>
+        <p:style>
+          <a:lnRef idx="1">
+            <a:schemeClr val="accent1"/>
+          </a:lnRef>
+          <a:fillRef idx="0">
+            <a:schemeClr val="accent1"/>
+          </a:fillRef>
+          <a:effectRef idx="0">
+            <a:schemeClr val="accent1"/>
+          </a:effectRef>
+          <a:fontRef idx="minor">
+            <a:schemeClr val="tx1"/>
+          </a:fontRef>
+        </p:style>
+      </p:cxnSp>
+      <p:sp>
+        <p:nvSpPr>
+          <p:cNvPr id="8" name="직사각형 7">
+            <a:extLst>
+              <a:ext uri="{FF2B5EF4-FFF2-40B4-BE49-F238E27FC236}">
+                <a16:creationId xmlns:a16="http://schemas.microsoft.com/office/drawing/2014/main" id="{25BEEBB3-FFBD-9A01-CC35-830927511AD0}"/>
+              </a:ext>
+            </a:extLst>
+          </p:cNvPr>
+          <p:cNvSpPr/>
+          <p:nvPr/>
+        </p:nvSpPr>
+        <p:spPr>
+          <a:xfrm>
+            <a:off x="4087795" y="2575195"/>
+            <a:ext cx="1944305" cy="205047"/>
+          </a:xfrm>
+          <a:prstGeom prst="rect">
+            <a:avLst/>
+          </a:prstGeom>
+          <a:noFill/>
+          <a:ln w="28575">
+            <a:solidFill>
+              <a:srgbClr val="FF0000"/>
+            </a:solidFill>
+          </a:ln>
+        </p:spPr>
+        <p:style>
+          <a:lnRef idx="2">
+            <a:schemeClr val="accent1">
+              <a:shade val="15000"/>
+            </a:schemeClr>
+          </a:lnRef>
+          <a:fillRef idx="1">
+            <a:schemeClr val="accent1"/>
+          </a:fillRef>
+          <a:effectRef idx="0">
+            <a:schemeClr val="accent1"/>
+          </a:effectRef>
+          <a:fontRef idx="minor">
+            <a:schemeClr val="lt1"/>
+          </a:fontRef>
+        </p:style>
+        <p:txBody>
+          <a:bodyPr rtlCol="0" anchor="ctr"/>
+          <a:lstStyle/>
+          <a:p>
+            <a:pPr algn="ctr"/>
+            <a:endParaRPr lang="ko-KR" altLang="en-US"/>
+          </a:p>
+        </p:txBody>
+      </p:sp>
+      <p:sp>
+        <p:nvSpPr>
+          <p:cNvPr id="21" name="TextBox 20">
+            <a:extLst>
+              <a:ext uri="{FF2B5EF4-FFF2-40B4-BE49-F238E27FC236}">
+                <a16:creationId xmlns:a16="http://schemas.microsoft.com/office/drawing/2014/main" id="{D2DCF5B9-B4C3-0057-F15D-0752021805D4}"/>
+              </a:ext>
+            </a:extLst>
+          </p:cNvPr>
+          <p:cNvSpPr txBox="1"/>
+          <p:nvPr/>
+        </p:nvSpPr>
+        <p:spPr>
+          <a:xfrm>
+            <a:off x="938363" y="2559662"/>
+            <a:ext cx="2111432" cy="246221"/>
+          </a:xfrm>
+          <a:prstGeom prst="rect">
+            <a:avLst/>
+          </a:prstGeom>
+          <a:noFill/>
+        </p:spPr>
+        <p:txBody>
+          <a:bodyPr wrap="square" rtlCol="0">
+            <a:spAutoFit/>
+          </a:bodyPr>
+          <a:lstStyle/>
+          <a:p>
+            <a:pPr algn="ctr"/>
+            <a:r>
+              <a:rPr lang="ko-KR" altLang="en-US" sz="1000" dirty="0"/>
+              <a:t>지정상품 입력란</a:t>
+            </a:r>
+          </a:p>
+        </p:txBody>
+      </p:sp>
+      <p:sp>
+        <p:nvSpPr>
+          <p:cNvPr id="28" name="직사각형 27">
+            <a:extLst>
+              <a:ext uri="{FF2B5EF4-FFF2-40B4-BE49-F238E27FC236}">
+                <a16:creationId xmlns:a16="http://schemas.microsoft.com/office/drawing/2014/main" id="{17902141-7DAE-6889-1E02-B64EC7AC19B7}"/>
+              </a:ext>
+            </a:extLst>
+          </p:cNvPr>
+          <p:cNvSpPr/>
+          <p:nvPr/>
+        </p:nvSpPr>
+        <p:spPr>
+          <a:xfrm>
+            <a:off x="4300850" y="2775673"/>
+            <a:ext cx="1553744" cy="223148"/>
+          </a:xfrm>
+          <a:prstGeom prst="rect">
+            <a:avLst/>
+          </a:prstGeom>
+          <a:noFill/>
+          <a:ln w="28575">
+            <a:solidFill>
+              <a:srgbClr val="FF0000"/>
+            </a:solidFill>
+          </a:ln>
+        </p:spPr>
+        <p:style>
+          <a:lnRef idx="2">
+            <a:schemeClr val="accent1">
+              <a:shade val="15000"/>
+            </a:schemeClr>
+          </a:lnRef>
+          <a:fillRef idx="1">
+            <a:schemeClr val="accent1"/>
+          </a:fillRef>
+          <a:effectRef idx="0">
+            <a:schemeClr val="accent1"/>
+          </a:effectRef>
+          <a:fontRef idx="minor">
+            <a:schemeClr val="lt1"/>
+          </a:fontRef>
+        </p:style>
+        <p:txBody>
+          <a:bodyPr rtlCol="0" anchor="ctr"/>
+          <a:lstStyle/>
+          <a:p>
+            <a:pPr algn="ctr"/>
+            <a:endParaRPr lang="ko-KR" altLang="en-US"/>
+          </a:p>
+        </p:txBody>
+      </p:sp>
+      <p:sp>
+        <p:nvSpPr>
+          <p:cNvPr id="32" name="TextBox 31">
+            <a:extLst>
+              <a:ext uri="{FF2B5EF4-FFF2-40B4-BE49-F238E27FC236}">
+                <a16:creationId xmlns:a16="http://schemas.microsoft.com/office/drawing/2014/main" id="{AEBA4B40-D68B-4CFE-344B-DB91C286B4BB}"/>
+              </a:ext>
+            </a:extLst>
+          </p:cNvPr>
+          <p:cNvSpPr txBox="1"/>
+          <p:nvPr/>
+        </p:nvSpPr>
+        <p:spPr>
+          <a:xfrm>
+            <a:off x="937787" y="3346150"/>
+            <a:ext cx="2111432" cy="553998"/>
+          </a:xfrm>
+          <a:prstGeom prst="rect">
+            <a:avLst/>
+          </a:prstGeom>
+          <a:noFill/>
+        </p:spPr>
+        <p:txBody>
+          <a:bodyPr wrap="square" rtlCol="0">
+            <a:spAutoFit/>
+          </a:bodyPr>
+          <a:lstStyle/>
+          <a:p>
+            <a:pPr algn="ctr"/>
+            <a:r>
+              <a:rPr lang="ko-KR" altLang="en-US" sz="1000" dirty="0"/>
+              <a:t>다중 검색 활성화 버튼</a:t>
+            </a:r>
+            <a:endParaRPr lang="en-US" altLang="ko-KR" sz="1000" dirty="0"/>
+          </a:p>
+          <a:p>
+            <a:pPr algn="ctr"/>
+            <a:r>
+              <a:rPr lang="en-US" altLang="ko-KR" sz="1000" dirty="0"/>
+              <a:t>: driver </a:t>
+            </a:r>
+            <a:r>
+              <a:rPr lang="ko-KR" altLang="en-US" sz="1000" dirty="0"/>
+              <a:t>폴더 내 </a:t>
+            </a:r>
+            <a:r>
+              <a:rPr lang="en-US" altLang="ko-KR" sz="1000" b="1" dirty="0">
+                <a:solidFill>
+                  <a:srgbClr val="FF0000"/>
+                </a:solidFill>
+              </a:rPr>
+              <a:t>SearchList.xlsx</a:t>
+            </a:r>
+            <a:br>
+              <a:rPr lang="en-US" altLang="ko-KR" sz="1000" dirty="0"/>
+            </a:br>
+            <a:r>
+              <a:rPr lang="ko-KR" altLang="en-US" sz="1000" dirty="0"/>
+              <a:t>업데이트 필수</a:t>
+            </a:r>
+          </a:p>
+        </p:txBody>
+      </p:sp>
+      <p:sp>
+        <p:nvSpPr>
+          <p:cNvPr id="33" name="직사각형 32">
+            <a:extLst>
+              <a:ext uri="{FF2B5EF4-FFF2-40B4-BE49-F238E27FC236}">
+                <a16:creationId xmlns:a16="http://schemas.microsoft.com/office/drawing/2014/main" id="{64B0E218-1FC8-2CD6-C288-58C3D92EA416}"/>
+              </a:ext>
+            </a:extLst>
+          </p:cNvPr>
+          <p:cNvSpPr/>
+          <p:nvPr/>
+        </p:nvSpPr>
+        <p:spPr>
+          <a:xfrm>
+            <a:off x="6024394" y="2370148"/>
+            <a:ext cx="1553745" cy="628673"/>
+          </a:xfrm>
+          <a:prstGeom prst="rect">
+            <a:avLst/>
+          </a:prstGeom>
+          <a:noFill/>
+          <a:ln w="28575">
+            <a:solidFill>
+              <a:srgbClr val="FF0000"/>
+            </a:solidFill>
+          </a:ln>
+        </p:spPr>
+        <p:style>
+          <a:lnRef idx="2">
+            <a:schemeClr val="accent1">
+              <a:shade val="15000"/>
+            </a:schemeClr>
+          </a:lnRef>
+          <a:fillRef idx="1">
+            <a:schemeClr val="accent1"/>
+          </a:fillRef>
+          <a:effectRef idx="0">
+            <a:schemeClr val="accent1"/>
+          </a:effectRef>
+          <a:fontRef idx="minor">
+            <a:schemeClr val="lt1"/>
+          </a:fontRef>
+        </p:style>
+        <p:txBody>
+          <a:bodyPr rtlCol="0" anchor="ctr"/>
+          <a:lstStyle/>
+          <a:p>
+            <a:pPr algn="ctr"/>
+            <a:endParaRPr lang="ko-KR" altLang="en-US"/>
+          </a:p>
+        </p:txBody>
+      </p:sp>
+      <p:cxnSp>
+        <p:nvCxnSpPr>
+          <p:cNvPr id="34" name="직선 화살표 연결선 33">
+            <a:extLst>
+              <a:ext uri="{FF2B5EF4-FFF2-40B4-BE49-F238E27FC236}">
+                <a16:creationId xmlns:a16="http://schemas.microsoft.com/office/drawing/2014/main" id="{FE50D805-8017-04A4-632E-97E9150237D1}"/>
+              </a:ext>
+            </a:extLst>
+          </p:cNvPr>
+          <p:cNvCxnSpPr>
+            <a:cxnSpLocks/>
+            <a:stCxn id="33" idx="3"/>
+          </p:cNvCxnSpPr>
+          <p:nvPr/>
+        </p:nvCxnSpPr>
+        <p:spPr>
+          <a:xfrm>
+            <a:off x="7578139" y="2684485"/>
+            <a:ext cx="749994" cy="8015"/>
+          </a:xfrm>
+          <a:prstGeom prst="straightConnector1">
+            <a:avLst/>
+          </a:prstGeom>
+          <a:ln>
+            <a:solidFill>
+              <a:schemeClr val="tx1"/>
+            </a:solidFill>
+            <a:tailEnd type="triangle"/>
+          </a:ln>
+        </p:spPr>
+        <p:style>
+          <a:lnRef idx="1">
+            <a:schemeClr val="accent1"/>
+          </a:lnRef>
+          <a:fillRef idx="0">
+            <a:schemeClr val="accent1"/>
+          </a:fillRef>
+          <a:effectRef idx="0">
+            <a:schemeClr val="accent1"/>
+          </a:effectRef>
+          <a:fontRef idx="minor">
+            <a:schemeClr val="tx1"/>
+          </a:fontRef>
+        </p:style>
+      </p:cxnSp>
+      <p:sp>
+        <p:nvSpPr>
+          <p:cNvPr id="44" name="TextBox 43">
+            <a:extLst>
+              <a:ext uri="{FF2B5EF4-FFF2-40B4-BE49-F238E27FC236}">
+                <a16:creationId xmlns:a16="http://schemas.microsoft.com/office/drawing/2014/main" id="{E00332F6-D107-95B2-9638-BF87EE50C0D8}"/>
+              </a:ext>
+            </a:extLst>
+          </p:cNvPr>
+          <p:cNvSpPr txBox="1"/>
+          <p:nvPr/>
+        </p:nvSpPr>
+        <p:spPr>
+          <a:xfrm>
+            <a:off x="8113429" y="2504843"/>
+            <a:ext cx="3140784" cy="400110"/>
+          </a:xfrm>
+          <a:prstGeom prst="rect">
+            <a:avLst/>
+          </a:prstGeom>
+          <a:noFill/>
+        </p:spPr>
+        <p:txBody>
+          <a:bodyPr wrap="square" rtlCol="0">
+            <a:spAutoFit/>
+          </a:bodyPr>
+          <a:lstStyle/>
+          <a:p>
+            <a:pPr algn="ctr"/>
+            <a:r>
+              <a:rPr lang="ko-KR" altLang="en-US" sz="1000" dirty="0"/>
+              <a:t>상표 행정 상태 체크박스</a:t>
+            </a:r>
+            <a:endParaRPr lang="en-US" altLang="ko-KR" sz="1000" dirty="0"/>
+          </a:p>
+          <a:p>
+            <a:pPr algn="ctr"/>
+            <a:r>
+              <a:rPr lang="en-US" altLang="ko-KR" sz="1000" dirty="0"/>
+              <a:t>: default</a:t>
+            </a:r>
+            <a:r>
+              <a:rPr lang="ko-KR" altLang="en-US" sz="1000" dirty="0"/>
+              <a:t>로 </a:t>
+            </a:r>
+            <a:r>
+              <a:rPr lang="ko-KR" altLang="en-US" sz="1000" b="1" dirty="0"/>
+              <a:t>출원</a:t>
+            </a:r>
+            <a:r>
+              <a:rPr lang="en-US" altLang="ko-KR" sz="1000" dirty="0"/>
+              <a:t>/</a:t>
+            </a:r>
+            <a:r>
+              <a:rPr lang="ko-KR" altLang="en-US" sz="1000" b="1" dirty="0"/>
+              <a:t>공고</a:t>
+            </a:r>
+            <a:r>
+              <a:rPr lang="en-US" altLang="ko-KR" sz="1000" dirty="0"/>
+              <a:t>/</a:t>
+            </a:r>
+            <a:r>
+              <a:rPr lang="ko-KR" altLang="en-US" sz="1000" b="1" dirty="0"/>
+              <a:t>등록</a:t>
+            </a:r>
+            <a:r>
+              <a:rPr lang="ko-KR" altLang="en-US" sz="1000" dirty="0"/>
+              <a:t> 체크되어 있음</a:t>
+            </a:r>
+          </a:p>
+        </p:txBody>
+      </p:sp>
+      <p:sp>
+        <p:nvSpPr>
+          <p:cNvPr id="9" name="직사각형 8">
+            <a:extLst>
+              <a:ext uri="{FF2B5EF4-FFF2-40B4-BE49-F238E27FC236}">
+                <a16:creationId xmlns:a16="http://schemas.microsoft.com/office/drawing/2014/main" id="{5024BB9B-C528-418B-F401-A8FEAABB5B8C}"/>
+              </a:ext>
+            </a:extLst>
+          </p:cNvPr>
+          <p:cNvSpPr/>
+          <p:nvPr/>
+        </p:nvSpPr>
+        <p:spPr>
+          <a:xfrm>
+            <a:off x="4026113" y="3189874"/>
+            <a:ext cx="685224" cy="205047"/>
+          </a:xfrm>
+          <a:prstGeom prst="rect">
+            <a:avLst/>
+          </a:prstGeom>
+          <a:noFill/>
+          <a:ln w="28575">
+            <a:solidFill>
+              <a:srgbClr val="FF0000"/>
+            </a:solidFill>
+          </a:ln>
+        </p:spPr>
+        <p:style>
+          <a:lnRef idx="2">
+            <a:schemeClr val="accent1">
+              <a:shade val="15000"/>
+            </a:schemeClr>
+          </a:lnRef>
+          <a:fillRef idx="1">
+            <a:schemeClr val="accent1"/>
+          </a:fillRef>
+          <a:effectRef idx="0">
+            <a:schemeClr val="accent1"/>
+          </a:effectRef>
+          <a:fontRef idx="minor">
+            <a:schemeClr val="lt1"/>
+          </a:fontRef>
+        </p:style>
+        <p:txBody>
+          <a:bodyPr rtlCol="0" anchor="ctr"/>
+          <a:lstStyle/>
+          <a:p>
+            <a:pPr algn="ctr"/>
+            <a:endParaRPr lang="ko-KR" altLang="en-US"/>
+          </a:p>
+        </p:txBody>
+      </p:sp>
+      <p:cxnSp>
+        <p:nvCxnSpPr>
+          <p:cNvPr id="10" name="직선 화살표 연결선 9">
+            <a:extLst>
+              <a:ext uri="{FF2B5EF4-FFF2-40B4-BE49-F238E27FC236}">
+                <a16:creationId xmlns:a16="http://schemas.microsoft.com/office/drawing/2014/main" id="{D43386B0-7B73-9EA6-FE30-2D62321B9BB0}"/>
+              </a:ext>
+            </a:extLst>
+          </p:cNvPr>
+          <p:cNvCxnSpPr>
+            <a:cxnSpLocks/>
+            <a:stCxn id="9" idx="1"/>
+          </p:cNvCxnSpPr>
+          <p:nvPr/>
+        </p:nvCxnSpPr>
+        <p:spPr>
+          <a:xfrm flipH="1">
+            <a:off x="2975650" y="3292398"/>
+            <a:ext cx="1050463" cy="913842"/>
+          </a:xfrm>
+          <a:prstGeom prst="straightConnector1">
+            <a:avLst/>
+          </a:prstGeom>
+          <a:ln>
+            <a:solidFill>
+              <a:schemeClr val="tx1"/>
+            </a:solidFill>
+            <a:tailEnd type="triangle"/>
+          </a:ln>
+        </p:spPr>
+        <p:style>
+          <a:lnRef idx="1">
+            <a:schemeClr val="accent1"/>
+          </a:lnRef>
+          <a:fillRef idx="0">
+            <a:schemeClr val="accent1"/>
+          </a:fillRef>
+          <a:effectRef idx="0">
+            <a:schemeClr val="accent1"/>
+          </a:effectRef>
+          <a:fontRef idx="minor">
+            <a:schemeClr val="tx1"/>
+          </a:fontRef>
+        </p:style>
+      </p:cxnSp>
+      <p:sp>
+        <p:nvSpPr>
+          <p:cNvPr id="17" name="TextBox 16">
+            <a:extLst>
+              <a:ext uri="{FF2B5EF4-FFF2-40B4-BE49-F238E27FC236}">
+                <a16:creationId xmlns:a16="http://schemas.microsoft.com/office/drawing/2014/main" id="{4087A123-4255-F780-C09A-1E81FB82DCF2}"/>
+              </a:ext>
+            </a:extLst>
+          </p:cNvPr>
+          <p:cNvSpPr txBox="1"/>
+          <p:nvPr/>
+        </p:nvSpPr>
+        <p:spPr>
+          <a:xfrm>
+            <a:off x="937787" y="4118162"/>
+            <a:ext cx="2111432" cy="400110"/>
+          </a:xfrm>
+          <a:prstGeom prst="rect">
+            <a:avLst/>
+          </a:prstGeom>
+          <a:noFill/>
+        </p:spPr>
+        <p:txBody>
+          <a:bodyPr wrap="square" rtlCol="0">
+            <a:spAutoFit/>
+          </a:bodyPr>
+          <a:lstStyle/>
+          <a:p>
+            <a:pPr algn="ctr"/>
+            <a:r>
+              <a:rPr lang="ko-KR" altLang="en-US" sz="1000" dirty="0"/>
+              <a:t>원하는 상품명 비율 분석 파일</a:t>
+            </a:r>
+            <a:br>
+              <a:rPr lang="en-US" altLang="ko-KR" sz="1000" dirty="0"/>
+            </a:br>
+            <a:r>
+              <a:rPr lang="ko-KR" altLang="en-US" sz="1000" dirty="0"/>
+              <a:t>선택 버튼</a:t>
+            </a:r>
+            <a:endParaRPr lang="en-US" altLang="ko-KR" sz="1000" dirty="0"/>
+          </a:p>
+        </p:txBody>
+      </p:sp>
+      <p:sp>
+        <p:nvSpPr>
+          <p:cNvPr id="19" name="직사각형 18">
+            <a:extLst>
+              <a:ext uri="{FF2B5EF4-FFF2-40B4-BE49-F238E27FC236}">
+                <a16:creationId xmlns:a16="http://schemas.microsoft.com/office/drawing/2014/main" id="{BB981FE1-E21F-04DA-3842-B020EA709C36}"/>
+              </a:ext>
+            </a:extLst>
+          </p:cNvPr>
+          <p:cNvSpPr/>
+          <p:nvPr/>
+        </p:nvSpPr>
+        <p:spPr>
+          <a:xfrm>
+            <a:off x="4039247" y="3830256"/>
+            <a:ext cx="2209224" cy="239126"/>
+          </a:xfrm>
+          <a:prstGeom prst="rect">
+            <a:avLst/>
+          </a:prstGeom>
+          <a:noFill/>
+          <a:ln w="28575">
+            <a:solidFill>
+              <a:srgbClr val="FF0000"/>
+            </a:solidFill>
+          </a:ln>
+        </p:spPr>
+        <p:style>
+          <a:lnRef idx="2">
+            <a:schemeClr val="accent1">
+              <a:shade val="15000"/>
+            </a:schemeClr>
+          </a:lnRef>
+          <a:fillRef idx="1">
+            <a:schemeClr val="accent1"/>
+          </a:fillRef>
+          <a:effectRef idx="0">
+            <a:schemeClr val="accent1"/>
+          </a:effectRef>
+          <a:fontRef idx="minor">
+            <a:schemeClr val="lt1"/>
+          </a:fontRef>
+        </p:style>
+        <p:txBody>
+          <a:bodyPr rtlCol="0" anchor="ctr"/>
+          <a:lstStyle/>
+          <a:p>
+            <a:pPr algn="ctr"/>
+            <a:endParaRPr lang="ko-KR" altLang="en-US"/>
+          </a:p>
+        </p:txBody>
+      </p:sp>
+      <p:cxnSp>
+        <p:nvCxnSpPr>
+          <p:cNvPr id="22" name="직선 화살표 연결선 21">
+            <a:extLst>
+              <a:ext uri="{FF2B5EF4-FFF2-40B4-BE49-F238E27FC236}">
+                <a16:creationId xmlns:a16="http://schemas.microsoft.com/office/drawing/2014/main" id="{BAF1F28F-2848-4215-C468-F5D7E56C0589}"/>
+              </a:ext>
+            </a:extLst>
+          </p:cNvPr>
+          <p:cNvCxnSpPr>
+            <a:cxnSpLocks/>
+            <a:stCxn id="19" idx="1"/>
+            <a:endCxn id="25" idx="3"/>
+          </p:cNvCxnSpPr>
+          <p:nvPr/>
+        </p:nvCxnSpPr>
+        <p:spPr>
+          <a:xfrm flipH="1">
+            <a:off x="3087854" y="3949819"/>
+            <a:ext cx="951393" cy="1969042"/>
+          </a:xfrm>
+          <a:prstGeom prst="straightConnector1">
+            <a:avLst/>
+          </a:prstGeom>
+          <a:ln>
+            <a:solidFill>
+              <a:schemeClr val="tx1"/>
+            </a:solidFill>
+            <a:tailEnd type="triangle"/>
+          </a:ln>
+        </p:spPr>
+        <p:style>
+          <a:lnRef idx="1">
+            <a:schemeClr val="accent1"/>
+          </a:lnRef>
+          <a:fillRef idx="0">
+            <a:schemeClr val="accent1"/>
+          </a:fillRef>
+          <a:effectRef idx="0">
+            <a:schemeClr val="accent1"/>
+          </a:effectRef>
+          <a:fontRef idx="minor">
+            <a:schemeClr val="tx1"/>
+          </a:fontRef>
+        </p:style>
+      </p:cxnSp>
+      <p:sp>
+        <p:nvSpPr>
+          <p:cNvPr id="25" name="TextBox 24">
+            <a:extLst>
+              <a:ext uri="{FF2B5EF4-FFF2-40B4-BE49-F238E27FC236}">
+                <a16:creationId xmlns:a16="http://schemas.microsoft.com/office/drawing/2014/main" id="{AF28011A-C72E-378D-4869-1F686FFC414E}"/>
+              </a:ext>
+            </a:extLst>
+          </p:cNvPr>
+          <p:cNvSpPr txBox="1"/>
+          <p:nvPr/>
+        </p:nvSpPr>
+        <p:spPr>
+          <a:xfrm>
+            <a:off x="726612" y="5641862"/>
+            <a:ext cx="2361242" cy="553998"/>
+          </a:xfrm>
+          <a:prstGeom prst="rect">
+            <a:avLst/>
+          </a:prstGeom>
+          <a:noFill/>
+        </p:spPr>
+        <p:txBody>
+          <a:bodyPr wrap="square" rtlCol="0">
+            <a:spAutoFit/>
+          </a:bodyPr>
+          <a:lstStyle/>
+          <a:p>
+            <a:pPr algn="ctr"/>
+            <a:r>
+              <a:rPr lang="ko-KR" altLang="en-US" sz="1000" dirty="0"/>
+              <a:t>상품명 비율 분석을 연동하여</a:t>
+            </a:r>
+            <a:br>
+              <a:rPr lang="en-US" altLang="ko-KR" sz="1000" dirty="0"/>
+            </a:br>
+            <a:r>
+              <a:rPr lang="ko-KR" altLang="en-US" sz="1000" dirty="0"/>
+              <a:t>상표권 검색을 하기 위한</a:t>
+            </a:r>
+            <a:br>
+              <a:rPr lang="en-US" altLang="ko-KR" sz="1000" dirty="0"/>
+            </a:br>
+            <a:r>
+              <a:rPr lang="ko-KR" altLang="en-US" sz="1000" dirty="0"/>
+              <a:t>상품명 비율 범위 </a:t>
+            </a:r>
+            <a:r>
+              <a:rPr lang="ko-KR" altLang="en-US" sz="1000" dirty="0" err="1"/>
+              <a:t>설정란</a:t>
+            </a:r>
+            <a:endParaRPr lang="en-US" altLang="ko-KR" sz="1000" dirty="0"/>
+          </a:p>
+        </p:txBody>
+      </p:sp>
+      <p:sp>
+        <p:nvSpPr>
+          <p:cNvPr id="26" name="직사각형 25">
+            <a:extLst>
+              <a:ext uri="{FF2B5EF4-FFF2-40B4-BE49-F238E27FC236}">
+                <a16:creationId xmlns:a16="http://schemas.microsoft.com/office/drawing/2014/main" id="{351BE06D-3C7D-257B-220B-A8159640C0D0}"/>
+              </a:ext>
+            </a:extLst>
+          </p:cNvPr>
+          <p:cNvSpPr/>
+          <p:nvPr/>
+        </p:nvSpPr>
+        <p:spPr>
+          <a:xfrm>
+            <a:off x="6237013" y="3833532"/>
+            <a:ext cx="1327933" cy="234982"/>
+          </a:xfrm>
+          <a:prstGeom prst="rect">
+            <a:avLst/>
+          </a:prstGeom>
+          <a:noFill/>
+          <a:ln w="28575">
+            <a:solidFill>
+              <a:srgbClr val="FF0000"/>
+            </a:solidFill>
+          </a:ln>
+        </p:spPr>
+        <p:style>
+          <a:lnRef idx="2">
+            <a:schemeClr val="accent1">
+              <a:shade val="15000"/>
+            </a:schemeClr>
+          </a:lnRef>
+          <a:fillRef idx="1">
+            <a:schemeClr val="accent1"/>
+          </a:fillRef>
+          <a:effectRef idx="0">
+            <a:schemeClr val="accent1"/>
+          </a:effectRef>
+          <a:fontRef idx="minor">
+            <a:schemeClr val="lt1"/>
+          </a:fontRef>
+        </p:style>
+        <p:txBody>
+          <a:bodyPr rtlCol="0" anchor="ctr"/>
+          <a:lstStyle/>
+          <a:p>
+            <a:pPr algn="ctr"/>
+            <a:endParaRPr lang="ko-KR" altLang="en-US"/>
+          </a:p>
+        </p:txBody>
+      </p:sp>
+      <p:cxnSp>
+        <p:nvCxnSpPr>
+          <p:cNvPr id="29" name="직선 화살표 연결선 28">
+            <a:extLst>
+              <a:ext uri="{FF2B5EF4-FFF2-40B4-BE49-F238E27FC236}">
+                <a16:creationId xmlns:a16="http://schemas.microsoft.com/office/drawing/2014/main" id="{7D162E5E-5011-DF0D-4EE7-419D384F19C4}"/>
+              </a:ext>
+            </a:extLst>
+          </p:cNvPr>
+          <p:cNvCxnSpPr>
+            <a:cxnSpLocks/>
+            <a:stCxn id="26" idx="3"/>
+          </p:cNvCxnSpPr>
+          <p:nvPr/>
+        </p:nvCxnSpPr>
+        <p:spPr>
+          <a:xfrm>
+            <a:off x="7564946" y="3951023"/>
+            <a:ext cx="740182" cy="792482"/>
+          </a:xfrm>
+          <a:prstGeom prst="straightConnector1">
+            <a:avLst/>
+          </a:prstGeom>
+          <a:ln>
+            <a:solidFill>
+              <a:schemeClr val="tx1"/>
+            </a:solidFill>
+            <a:tailEnd type="triangle"/>
+          </a:ln>
+        </p:spPr>
+        <p:style>
+          <a:lnRef idx="1">
+            <a:schemeClr val="accent1"/>
+          </a:lnRef>
+          <a:fillRef idx="0">
+            <a:schemeClr val="accent1"/>
+          </a:fillRef>
+          <a:effectRef idx="0">
+            <a:schemeClr val="accent1"/>
+          </a:effectRef>
+          <a:fontRef idx="minor">
+            <a:schemeClr val="tx1"/>
+          </a:fontRef>
+        </p:style>
+      </p:cxnSp>
+      <p:sp>
+        <p:nvSpPr>
+          <p:cNvPr id="36" name="TextBox 35">
+            <a:extLst>
+              <a:ext uri="{FF2B5EF4-FFF2-40B4-BE49-F238E27FC236}">
+                <a16:creationId xmlns:a16="http://schemas.microsoft.com/office/drawing/2014/main" id="{C9B4755B-9102-D6C6-C6EF-C8FB791AA616}"/>
+              </a:ext>
+            </a:extLst>
+          </p:cNvPr>
+          <p:cNvSpPr txBox="1"/>
+          <p:nvPr/>
+        </p:nvSpPr>
+        <p:spPr>
+          <a:xfrm>
+            <a:off x="8305128" y="4616032"/>
+            <a:ext cx="3140784" cy="553998"/>
+          </a:xfrm>
+          <a:prstGeom prst="rect">
+            <a:avLst/>
+          </a:prstGeom>
+          <a:noFill/>
+        </p:spPr>
+        <p:txBody>
+          <a:bodyPr wrap="square" rtlCol="0">
+            <a:spAutoFit/>
+          </a:bodyPr>
+          <a:lstStyle/>
+          <a:p>
+            <a:pPr algn="ctr"/>
+            <a:r>
+              <a:rPr lang="ko-KR" altLang="en-US" sz="1000" dirty="0"/>
+              <a:t>상품명 비율 분석 결과를 연동하여</a:t>
+            </a:r>
+            <a:endParaRPr lang="en-US" altLang="ko-KR" sz="1000" dirty="0"/>
+          </a:p>
+          <a:p>
+            <a:pPr algn="ctr"/>
+            <a:r>
+              <a:rPr lang="ko-KR" altLang="en-US" sz="1000" dirty="0"/>
+              <a:t>상표권 검색 하기 위한 버튼</a:t>
+            </a:r>
+            <a:endParaRPr lang="en-US" altLang="ko-KR" sz="1000" dirty="0"/>
+          </a:p>
+          <a:p>
+            <a:pPr algn="ctr"/>
+            <a:r>
+              <a:rPr lang="en-US" altLang="ko-KR" sz="1000" dirty="0"/>
+              <a:t>: </a:t>
+            </a:r>
+            <a:r>
+              <a:rPr lang="ko-KR" altLang="en-US" sz="1000" dirty="0"/>
+              <a:t>버튼 활성화 시</a:t>
+            </a:r>
+            <a:r>
+              <a:rPr lang="en-US" altLang="ko-KR" sz="1000" dirty="0"/>
+              <a:t>, </a:t>
+            </a:r>
+            <a:r>
+              <a:rPr lang="ko-KR" altLang="en-US" sz="1000" b="1" dirty="0">
+                <a:solidFill>
+                  <a:srgbClr val="FF0000"/>
+                </a:solidFill>
+              </a:rPr>
+              <a:t>상품명 비율 분석 파일 선택 필수</a:t>
+            </a:r>
+          </a:p>
+        </p:txBody>
+      </p:sp>
+      <p:sp>
+        <p:nvSpPr>
+          <p:cNvPr id="37" name="직사각형 36">
+            <a:extLst>
+              <a:ext uri="{FF2B5EF4-FFF2-40B4-BE49-F238E27FC236}">
+                <a16:creationId xmlns:a16="http://schemas.microsoft.com/office/drawing/2014/main" id="{5F981C54-8228-D9C6-555F-29A8C1D7173C}"/>
+              </a:ext>
+            </a:extLst>
+          </p:cNvPr>
+          <p:cNvSpPr/>
+          <p:nvPr/>
+        </p:nvSpPr>
+        <p:spPr>
+          <a:xfrm>
+            <a:off x="4411017" y="3401661"/>
+            <a:ext cx="1327933" cy="234982"/>
+          </a:xfrm>
+          <a:prstGeom prst="rect">
+            <a:avLst/>
+          </a:prstGeom>
+          <a:noFill/>
+          <a:ln w="28575">
+            <a:solidFill>
+              <a:srgbClr val="FF0000"/>
+            </a:solidFill>
+          </a:ln>
+        </p:spPr>
+        <p:style>
+          <a:lnRef idx="2">
+            <a:schemeClr val="accent1">
+              <a:shade val="15000"/>
+            </a:schemeClr>
+          </a:lnRef>
+          <a:fillRef idx="1">
+            <a:schemeClr val="accent1"/>
+          </a:fillRef>
+          <a:effectRef idx="0">
+            <a:schemeClr val="accent1"/>
+          </a:effectRef>
+          <a:fontRef idx="minor">
+            <a:schemeClr val="lt1"/>
+          </a:fontRef>
+        </p:style>
+        <p:txBody>
+          <a:bodyPr rtlCol="0" anchor="ctr"/>
+          <a:lstStyle/>
+          <a:p>
+            <a:pPr algn="ctr"/>
+            <a:endParaRPr lang="ko-KR" altLang="en-US"/>
+          </a:p>
+        </p:txBody>
+      </p:sp>
+      <p:cxnSp>
+        <p:nvCxnSpPr>
+          <p:cNvPr id="38" name="직선 화살표 연결선 37">
+            <a:extLst>
+              <a:ext uri="{FF2B5EF4-FFF2-40B4-BE49-F238E27FC236}">
+                <a16:creationId xmlns:a16="http://schemas.microsoft.com/office/drawing/2014/main" id="{C11298BB-4CC5-7537-BFD6-47BF275FBD68}"/>
+              </a:ext>
+            </a:extLst>
+          </p:cNvPr>
+          <p:cNvCxnSpPr>
+            <a:cxnSpLocks/>
+            <a:stCxn id="37" idx="1"/>
+          </p:cNvCxnSpPr>
+          <p:nvPr/>
+        </p:nvCxnSpPr>
+        <p:spPr>
+          <a:xfrm flipH="1">
+            <a:off x="3060730" y="3519152"/>
+            <a:ext cx="1350287" cy="1415188"/>
+          </a:xfrm>
+          <a:prstGeom prst="straightConnector1">
+            <a:avLst/>
+          </a:prstGeom>
+          <a:ln>
+            <a:solidFill>
+              <a:schemeClr val="tx1"/>
+            </a:solidFill>
+            <a:tailEnd type="triangle"/>
+          </a:ln>
+        </p:spPr>
+        <p:style>
+          <a:lnRef idx="1">
+            <a:schemeClr val="accent1"/>
+          </a:lnRef>
+          <a:fillRef idx="0">
+            <a:schemeClr val="accent1"/>
+          </a:fillRef>
+          <a:effectRef idx="0">
+            <a:schemeClr val="accent1"/>
+          </a:effectRef>
+          <a:fontRef idx="minor">
+            <a:schemeClr val="tx1"/>
+          </a:fontRef>
+        </p:style>
+      </p:cxnSp>
+      <p:sp>
+        <p:nvSpPr>
+          <p:cNvPr id="41" name="TextBox 40">
+            <a:extLst>
+              <a:ext uri="{FF2B5EF4-FFF2-40B4-BE49-F238E27FC236}">
+                <a16:creationId xmlns:a16="http://schemas.microsoft.com/office/drawing/2014/main" id="{9079973A-496F-CA9A-CD70-1A15ABCD6912}"/>
+              </a:ext>
+            </a:extLst>
+          </p:cNvPr>
+          <p:cNvSpPr txBox="1"/>
+          <p:nvPr/>
+        </p:nvSpPr>
+        <p:spPr>
+          <a:xfrm>
+            <a:off x="8305128" y="3433273"/>
+            <a:ext cx="3477680" cy="1015663"/>
+          </a:xfrm>
+          <a:prstGeom prst="rect">
+            <a:avLst/>
+          </a:prstGeom>
+          <a:noFill/>
+        </p:spPr>
+        <p:txBody>
+          <a:bodyPr wrap="square" rtlCol="0">
+            <a:spAutoFit/>
+          </a:bodyPr>
+          <a:lstStyle/>
+          <a:p>
+            <a:pPr algn="ctr"/>
+            <a:r>
+              <a:rPr lang="ko-KR" altLang="en-US" sz="1000" dirty="0"/>
+              <a:t>지정상품 분류 방법 선택</a:t>
+            </a:r>
+            <a:endParaRPr lang="en-US" altLang="ko-KR" sz="1000" dirty="0"/>
+          </a:p>
+          <a:p>
+            <a:pPr algn="ctr"/>
+            <a:endParaRPr lang="en-US" altLang="ko-KR" sz="1000" dirty="0"/>
+          </a:p>
+          <a:p>
+            <a:pPr marL="228600" indent="-228600">
+              <a:buAutoNum type="arabicParenR"/>
+            </a:pPr>
+            <a:r>
+              <a:rPr lang="ko-KR" altLang="en-US" sz="1000" b="1" dirty="0"/>
+              <a:t>네이버 </a:t>
+            </a:r>
+            <a:r>
+              <a:rPr lang="en-US" altLang="ko-KR" sz="1000" b="1" dirty="0"/>
+              <a:t>API</a:t>
+            </a:r>
+            <a:r>
+              <a:rPr lang="en-US" altLang="ko-KR" sz="1000" dirty="0"/>
+              <a:t> : </a:t>
+            </a:r>
+            <a:r>
+              <a:rPr lang="ko-KR" altLang="en-US" sz="1000" dirty="0"/>
+              <a:t>하루 최대 </a:t>
+            </a:r>
+            <a:r>
+              <a:rPr lang="en-US" altLang="ko-KR" sz="1000" dirty="0"/>
+              <a:t>25,000</a:t>
+            </a:r>
+            <a:r>
+              <a:rPr lang="ko-KR" altLang="en-US" sz="1000" dirty="0"/>
+              <a:t>개의 키워드만 </a:t>
+            </a:r>
+            <a:br>
+              <a:rPr lang="en-US" altLang="ko-KR" sz="1000" dirty="0"/>
+            </a:br>
+            <a:r>
+              <a:rPr lang="en-US" altLang="ko-KR" sz="1000" dirty="0"/>
+              <a:t>                </a:t>
+            </a:r>
+            <a:r>
+              <a:rPr lang="ko-KR" altLang="en-US" sz="1000" dirty="0"/>
+              <a:t>분석 가능</a:t>
+            </a:r>
+            <a:r>
+              <a:rPr lang="en-US" altLang="ko-KR" sz="1000" dirty="0"/>
+              <a:t>, </a:t>
+            </a:r>
+            <a:r>
+              <a:rPr lang="ko-KR" altLang="en-US" sz="1000" dirty="0"/>
+              <a:t>약 </a:t>
+            </a:r>
+            <a:r>
+              <a:rPr lang="en-US" altLang="ko-KR" sz="1000" dirty="0"/>
+              <a:t>3~5</a:t>
+            </a:r>
+            <a:r>
+              <a:rPr lang="ko-KR" altLang="en-US" sz="1000" dirty="0"/>
+              <a:t>천개 사이의 상품명</a:t>
+            </a:r>
+            <a:endParaRPr lang="en-US" altLang="ko-KR" sz="1000" dirty="0"/>
+          </a:p>
+          <a:p>
+            <a:pPr marL="228600" indent="-228600">
+              <a:buAutoNum type="arabicParenR"/>
+            </a:pPr>
+            <a:r>
+              <a:rPr lang="ko-KR" altLang="en-US" sz="1000" b="1" dirty="0"/>
+              <a:t>파일 </a:t>
+            </a:r>
+            <a:r>
+              <a:rPr lang="en-US" altLang="ko-KR" sz="1000" b="1" dirty="0"/>
+              <a:t>A</a:t>
+            </a:r>
+            <a:r>
+              <a:rPr lang="ko-KR" altLang="en-US" sz="1000" b="1" dirty="0"/>
+              <a:t>열</a:t>
+            </a:r>
+            <a:r>
+              <a:rPr lang="ko-KR" altLang="en-US" sz="1000" dirty="0"/>
+              <a:t> </a:t>
+            </a:r>
+            <a:r>
+              <a:rPr lang="en-US" altLang="ko-KR" sz="1000" dirty="0"/>
+              <a:t>: </a:t>
+            </a:r>
+            <a:r>
+              <a:rPr lang="ko-KR" altLang="en-US" sz="1000" dirty="0" err="1"/>
+              <a:t>알리익스프레스</a:t>
+            </a:r>
+            <a:r>
+              <a:rPr lang="ko-KR" altLang="en-US" sz="1000" dirty="0"/>
+              <a:t> 수집 데이터의 </a:t>
+            </a:r>
+            <a:r>
+              <a:rPr lang="en-US" altLang="ko-KR" sz="1000" dirty="0"/>
+              <a:t>A</a:t>
+            </a:r>
+            <a:r>
+              <a:rPr lang="ko-KR" altLang="en-US" sz="1000" dirty="0"/>
+              <a:t>열을 </a:t>
+            </a:r>
+            <a:br>
+              <a:rPr lang="en-US" altLang="ko-KR" sz="1000" dirty="0"/>
+            </a:br>
+            <a:r>
+              <a:rPr lang="en-US" altLang="ko-KR" sz="1000" dirty="0"/>
+              <a:t>              </a:t>
+            </a:r>
+            <a:r>
+              <a:rPr lang="ko-KR" altLang="en-US" sz="1000" dirty="0" err="1"/>
+              <a:t>파싱하여</a:t>
+            </a:r>
+            <a:r>
+              <a:rPr lang="ko-KR" altLang="en-US" sz="1000" dirty="0"/>
+              <a:t> 지정상품으로 지정</a:t>
+            </a:r>
+          </a:p>
+        </p:txBody>
+      </p:sp>
+      <p:sp>
+        <p:nvSpPr>
+          <p:cNvPr id="49" name="직사각형 48">
+            <a:extLst>
+              <a:ext uri="{FF2B5EF4-FFF2-40B4-BE49-F238E27FC236}">
+                <a16:creationId xmlns:a16="http://schemas.microsoft.com/office/drawing/2014/main" id="{0724869A-D0F8-17AB-8F0C-30E434EEA968}"/>
+              </a:ext>
+            </a:extLst>
+          </p:cNvPr>
+          <p:cNvSpPr/>
+          <p:nvPr/>
+        </p:nvSpPr>
+        <p:spPr>
+          <a:xfrm>
+            <a:off x="6024394" y="3189875"/>
+            <a:ext cx="1640174" cy="413788"/>
+          </a:xfrm>
+          <a:prstGeom prst="rect">
+            <a:avLst/>
+          </a:prstGeom>
+          <a:noFill/>
+          <a:ln w="28575">
+            <a:solidFill>
+              <a:srgbClr val="FF0000"/>
+            </a:solidFill>
+          </a:ln>
+        </p:spPr>
+        <p:style>
+          <a:lnRef idx="2">
+            <a:schemeClr val="accent1">
+              <a:shade val="15000"/>
+            </a:schemeClr>
+          </a:lnRef>
+          <a:fillRef idx="1">
+            <a:schemeClr val="accent1"/>
+          </a:fillRef>
+          <a:effectRef idx="0">
+            <a:schemeClr val="accent1"/>
+          </a:effectRef>
+          <a:fontRef idx="minor">
+            <a:schemeClr val="lt1"/>
+          </a:fontRef>
+        </p:style>
+        <p:txBody>
+          <a:bodyPr rtlCol="0" anchor="ctr"/>
+          <a:lstStyle/>
+          <a:p>
+            <a:pPr algn="ctr"/>
+            <a:endParaRPr lang="ko-KR" altLang="en-US"/>
+          </a:p>
+        </p:txBody>
+      </p:sp>
+      <p:cxnSp>
+        <p:nvCxnSpPr>
+          <p:cNvPr id="50" name="직선 화살표 연결선 49">
+            <a:extLst>
+              <a:ext uri="{FF2B5EF4-FFF2-40B4-BE49-F238E27FC236}">
+                <a16:creationId xmlns:a16="http://schemas.microsoft.com/office/drawing/2014/main" id="{A573A666-D036-0627-E1FE-D71E153F9EB9}"/>
+              </a:ext>
+            </a:extLst>
+          </p:cNvPr>
+          <p:cNvCxnSpPr>
+            <a:cxnSpLocks/>
+            <a:stCxn id="49" idx="3"/>
+          </p:cNvCxnSpPr>
+          <p:nvPr/>
+        </p:nvCxnSpPr>
+        <p:spPr>
+          <a:xfrm>
+            <a:off x="7664568" y="3396769"/>
+            <a:ext cx="663565" cy="104583"/>
+          </a:xfrm>
+          <a:prstGeom prst="straightConnector1">
+            <a:avLst/>
+          </a:prstGeom>
+          <a:ln>
+            <a:solidFill>
+              <a:schemeClr val="tx1"/>
+            </a:solidFill>
+            <a:tailEnd type="triangle"/>
+          </a:ln>
+        </p:spPr>
+        <p:style>
+          <a:lnRef idx="1">
+            <a:schemeClr val="accent1"/>
+          </a:lnRef>
+          <a:fillRef idx="0">
+            <a:schemeClr val="accent1"/>
+          </a:fillRef>
+          <a:effectRef idx="0">
+            <a:schemeClr val="accent1"/>
+          </a:effectRef>
+          <a:fontRef idx="minor">
+            <a:schemeClr val="tx1"/>
+          </a:fontRef>
+        </p:style>
+      </p:cxnSp>
+      <p:sp>
+        <p:nvSpPr>
+          <p:cNvPr id="54" name="TextBox 53">
+            <a:extLst>
+              <a:ext uri="{FF2B5EF4-FFF2-40B4-BE49-F238E27FC236}">
+                <a16:creationId xmlns:a16="http://schemas.microsoft.com/office/drawing/2014/main" id="{4A122A42-6C4B-4FDD-8FF3-3FCB64CAD05B}"/>
+              </a:ext>
+            </a:extLst>
+          </p:cNvPr>
+          <p:cNvSpPr txBox="1"/>
+          <p:nvPr/>
+        </p:nvSpPr>
+        <p:spPr>
+          <a:xfrm>
+            <a:off x="336841" y="4886736"/>
+            <a:ext cx="3140784" cy="246221"/>
+          </a:xfrm>
+          <a:prstGeom prst="rect">
+            <a:avLst/>
+          </a:prstGeom>
+          <a:noFill/>
+        </p:spPr>
+        <p:txBody>
+          <a:bodyPr wrap="square" rtlCol="0">
+            <a:spAutoFit/>
+          </a:bodyPr>
+          <a:lstStyle/>
+          <a:p>
+            <a:pPr algn="ctr"/>
+            <a:r>
+              <a:rPr lang="ko-KR" altLang="en-US" sz="1000" dirty="0"/>
+              <a:t>상품명 비율 분석 시작 버튼</a:t>
+            </a:r>
+            <a:endParaRPr lang="ko-KR" altLang="en-US" sz="1000" b="1" dirty="0">
               <a:solidFill>
                 <a:srgbClr val="FF0000"/>
               </a:solidFill>
-            </a:ln>
-          </p:spPr>
-          <p:style>
-            <a:lnRef idx="2">
-              <a:schemeClr val="accent1">
-                <a:shade val="15000"/>
-              </a:schemeClr>
-            </a:lnRef>
-            <a:fillRef idx="1">
-              <a:schemeClr val="accent1"/>
-            </a:fillRef>
-            <a:effectRef idx="0">
-              <a:schemeClr val="accent1"/>
-            </a:effectRef>
-            <a:fontRef idx="minor">
-              <a:schemeClr val="lt1"/>
-            </a:fontRef>
-          </p:style>
-          <p:txBody>
-            <a:bodyPr rtlCol="0" anchor="ctr"/>
-            <a:lstStyle/>
-            <a:p>
-              <a:pPr algn="ctr"/>
-              <a:endParaRPr lang="ko-KR" altLang="en-US"/>
-            </a:p>
-          </p:txBody>
-        </p:sp>
-        <p:cxnSp>
-          <p:nvCxnSpPr>
-            <p:cNvPr id="13" name="직선 화살표 연결선 12">
-              <a:extLst>
-                <a:ext uri="{FF2B5EF4-FFF2-40B4-BE49-F238E27FC236}">
-                  <a16:creationId xmlns:a16="http://schemas.microsoft.com/office/drawing/2014/main" id="{C473492A-F78E-66F1-906F-3970408C4AEC}"/>
-                </a:ext>
-              </a:extLst>
-            </p:cNvPr>
-            <p:cNvCxnSpPr>
-              <a:cxnSpLocks/>
-              <a:stCxn id="11" idx="1"/>
-            </p:cNvCxnSpPr>
-            <p:nvPr/>
-          </p:nvCxnSpPr>
-          <p:spPr>
-            <a:xfrm flipH="1" flipV="1">
-              <a:off x="2311060" y="1753985"/>
-              <a:ext cx="1106777" cy="301392"/>
-            </a:xfrm>
-            <a:prstGeom prst="straightConnector1">
-              <a:avLst/>
-            </a:prstGeom>
-            <a:ln>
-              <a:solidFill>
-                <a:schemeClr val="tx1"/>
-              </a:solidFill>
-              <a:tailEnd type="triangle"/>
-            </a:ln>
-          </p:spPr>
-          <p:style>
-            <a:lnRef idx="1">
-              <a:schemeClr val="accent1"/>
-            </a:lnRef>
-            <a:fillRef idx="0">
-              <a:schemeClr val="accent1"/>
-            </a:fillRef>
-            <a:effectRef idx="0">
-              <a:schemeClr val="accent1"/>
-            </a:effectRef>
-            <a:fontRef idx="minor">
-              <a:schemeClr val="tx1"/>
-            </a:fontRef>
-          </p:style>
-        </p:cxnSp>
-        <p:sp>
-          <p:nvSpPr>
-            <p:cNvPr id="14" name="TextBox 13">
-              <a:extLst>
-                <a:ext uri="{FF2B5EF4-FFF2-40B4-BE49-F238E27FC236}">
-                  <a16:creationId xmlns:a16="http://schemas.microsoft.com/office/drawing/2014/main" id="{65A55034-8031-4537-B548-17B11D0326F4}"/>
-                </a:ext>
-              </a:extLst>
-            </p:cNvPr>
-            <p:cNvSpPr txBox="1"/>
-            <p:nvPr/>
-          </p:nvSpPr>
-          <p:spPr>
-            <a:xfrm>
-              <a:off x="273197" y="1630943"/>
-              <a:ext cx="2111432" cy="246221"/>
-            </a:xfrm>
-            <a:prstGeom prst="rect">
-              <a:avLst/>
-            </a:prstGeom>
-            <a:noFill/>
-          </p:spPr>
-          <p:txBody>
-            <a:bodyPr wrap="square" rtlCol="0">
-              <a:spAutoFit/>
-            </a:bodyPr>
-            <a:lstStyle/>
-            <a:p>
-              <a:pPr algn="ctr"/>
-              <a:r>
-                <a:rPr lang="ko-KR" altLang="en-US" sz="1000" dirty="0"/>
-                <a:t>상표명칭 입력란</a:t>
-              </a:r>
-            </a:p>
-          </p:txBody>
-        </p:sp>
-        <p:cxnSp>
-          <p:nvCxnSpPr>
-            <p:cNvPr id="15" name="직선 화살표 연결선 14">
-              <a:extLst>
-                <a:ext uri="{FF2B5EF4-FFF2-40B4-BE49-F238E27FC236}">
-                  <a16:creationId xmlns:a16="http://schemas.microsoft.com/office/drawing/2014/main" id="{A27952CB-1C0D-8D1F-28FD-DC1C1BBECB7E}"/>
-                </a:ext>
-              </a:extLst>
-            </p:cNvPr>
-            <p:cNvCxnSpPr>
-              <a:cxnSpLocks/>
-            </p:cNvCxnSpPr>
-            <p:nvPr/>
-          </p:nvCxnSpPr>
-          <p:spPr>
-            <a:xfrm flipH="1" flipV="1">
-              <a:off x="2289912" y="2246327"/>
-              <a:ext cx="1099607" cy="19453"/>
-            </a:xfrm>
-            <a:prstGeom prst="straightConnector1">
-              <a:avLst/>
-            </a:prstGeom>
-            <a:ln>
-              <a:solidFill>
-                <a:schemeClr val="tx1"/>
-              </a:solidFill>
-              <a:tailEnd type="triangle"/>
-            </a:ln>
-          </p:spPr>
-          <p:style>
-            <a:lnRef idx="1">
-              <a:schemeClr val="accent1"/>
-            </a:lnRef>
-            <a:fillRef idx="0">
-              <a:schemeClr val="accent1"/>
-            </a:fillRef>
-            <a:effectRef idx="0">
-              <a:schemeClr val="accent1"/>
-            </a:effectRef>
-            <a:fontRef idx="minor">
-              <a:schemeClr val="tx1"/>
-            </a:fontRef>
-          </p:style>
-        </p:cxnSp>
-        <p:cxnSp>
-          <p:nvCxnSpPr>
-            <p:cNvPr id="18" name="직선 화살표 연결선 17">
-              <a:extLst>
-                <a:ext uri="{FF2B5EF4-FFF2-40B4-BE49-F238E27FC236}">
-                  <a16:creationId xmlns:a16="http://schemas.microsoft.com/office/drawing/2014/main" id="{8C0C2FAB-7B33-9FE7-5ECF-81148E5006C4}"/>
-                </a:ext>
-              </a:extLst>
-            </p:cNvPr>
-            <p:cNvCxnSpPr>
-              <a:cxnSpLocks/>
-            </p:cNvCxnSpPr>
-            <p:nvPr/>
-          </p:nvCxnSpPr>
-          <p:spPr>
-            <a:xfrm flipH="1">
-              <a:off x="2289912" y="2470182"/>
-              <a:ext cx="1327933" cy="604450"/>
-            </a:xfrm>
-            <a:prstGeom prst="straightConnector1">
-              <a:avLst/>
-            </a:prstGeom>
-            <a:ln>
-              <a:solidFill>
-                <a:schemeClr val="tx1"/>
-              </a:solidFill>
-              <a:tailEnd type="triangle"/>
-            </a:ln>
-          </p:spPr>
-          <p:style>
-            <a:lnRef idx="1">
-              <a:schemeClr val="accent1"/>
-            </a:lnRef>
-            <a:fillRef idx="0">
-              <a:schemeClr val="accent1"/>
-            </a:fillRef>
-            <a:effectRef idx="0">
-              <a:schemeClr val="accent1"/>
-            </a:effectRef>
-            <a:fontRef idx="minor">
-              <a:schemeClr val="tx1"/>
-            </a:fontRef>
-          </p:style>
-        </p:cxnSp>
-        <p:sp>
-          <p:nvSpPr>
-            <p:cNvPr id="8" name="직사각형 7">
-              <a:extLst>
-                <a:ext uri="{FF2B5EF4-FFF2-40B4-BE49-F238E27FC236}">
-                  <a16:creationId xmlns:a16="http://schemas.microsoft.com/office/drawing/2014/main" id="{25BEEBB3-FFBD-9A01-CC35-830927511AD0}"/>
-                </a:ext>
-              </a:extLst>
-            </p:cNvPr>
-            <p:cNvSpPr/>
-            <p:nvPr/>
-          </p:nvSpPr>
-          <p:spPr>
-            <a:xfrm>
-              <a:off x="3423205" y="2148475"/>
-              <a:ext cx="1944305" cy="205047"/>
-            </a:xfrm>
-            <a:prstGeom prst="rect">
-              <a:avLst/>
-            </a:prstGeom>
-            <a:noFill/>
-            <a:ln w="28575">
-              <a:solidFill>
-                <a:srgbClr val="FF0000"/>
-              </a:solidFill>
-            </a:ln>
-          </p:spPr>
-          <p:style>
-            <a:lnRef idx="2">
-              <a:schemeClr val="accent1">
-                <a:shade val="15000"/>
-              </a:schemeClr>
-            </a:lnRef>
-            <a:fillRef idx="1">
-              <a:schemeClr val="accent1"/>
-            </a:fillRef>
-            <a:effectRef idx="0">
-              <a:schemeClr val="accent1"/>
-            </a:effectRef>
-            <a:fontRef idx="minor">
-              <a:schemeClr val="lt1"/>
-            </a:fontRef>
-          </p:style>
-          <p:txBody>
-            <a:bodyPr rtlCol="0" anchor="ctr"/>
-            <a:lstStyle/>
-            <a:p>
-              <a:pPr algn="ctr"/>
-              <a:endParaRPr lang="ko-KR" altLang="en-US"/>
-            </a:p>
-          </p:txBody>
-        </p:sp>
-        <p:sp>
-          <p:nvSpPr>
-            <p:cNvPr id="21" name="TextBox 20">
-              <a:extLst>
-                <a:ext uri="{FF2B5EF4-FFF2-40B4-BE49-F238E27FC236}">
-                  <a16:creationId xmlns:a16="http://schemas.microsoft.com/office/drawing/2014/main" id="{D2DCF5B9-B4C3-0057-F15D-0752021805D4}"/>
-                </a:ext>
-              </a:extLst>
-            </p:cNvPr>
-            <p:cNvSpPr txBox="1"/>
-            <p:nvPr/>
-          </p:nvSpPr>
-          <p:spPr>
-            <a:xfrm>
-              <a:off x="273773" y="2132942"/>
-              <a:ext cx="2111432" cy="246221"/>
-            </a:xfrm>
-            <a:prstGeom prst="rect">
-              <a:avLst/>
-            </a:prstGeom>
-            <a:noFill/>
-          </p:spPr>
-          <p:txBody>
-            <a:bodyPr wrap="square" rtlCol="0">
-              <a:spAutoFit/>
-            </a:bodyPr>
-            <a:lstStyle/>
-            <a:p>
-              <a:pPr algn="ctr"/>
-              <a:r>
-                <a:rPr lang="ko-KR" altLang="en-US" sz="1000" dirty="0"/>
-                <a:t>지정상품 입력란</a:t>
-              </a:r>
-            </a:p>
-          </p:txBody>
-        </p:sp>
-        <p:sp>
-          <p:nvSpPr>
-            <p:cNvPr id="28" name="직사각형 27">
-              <a:extLst>
-                <a:ext uri="{FF2B5EF4-FFF2-40B4-BE49-F238E27FC236}">
-                  <a16:creationId xmlns:a16="http://schemas.microsoft.com/office/drawing/2014/main" id="{17902141-7DAE-6889-1E02-B64EC7AC19B7}"/>
-                </a:ext>
-              </a:extLst>
-            </p:cNvPr>
-            <p:cNvSpPr/>
-            <p:nvPr/>
-          </p:nvSpPr>
-          <p:spPr>
-            <a:xfrm>
-              <a:off x="3636260" y="2348953"/>
-              <a:ext cx="1553744" cy="223148"/>
-            </a:xfrm>
-            <a:prstGeom prst="rect">
-              <a:avLst/>
-            </a:prstGeom>
-            <a:noFill/>
-            <a:ln w="28575">
-              <a:solidFill>
-                <a:srgbClr val="FF0000"/>
-              </a:solidFill>
-            </a:ln>
-          </p:spPr>
-          <p:style>
-            <a:lnRef idx="2">
-              <a:schemeClr val="accent1">
-                <a:shade val="15000"/>
-              </a:schemeClr>
-            </a:lnRef>
-            <a:fillRef idx="1">
-              <a:schemeClr val="accent1"/>
-            </a:fillRef>
-            <a:effectRef idx="0">
-              <a:schemeClr val="accent1"/>
-            </a:effectRef>
-            <a:fontRef idx="minor">
-              <a:schemeClr val="lt1"/>
-            </a:fontRef>
-          </p:style>
-          <p:txBody>
-            <a:bodyPr rtlCol="0" anchor="ctr"/>
-            <a:lstStyle/>
-            <a:p>
-              <a:pPr algn="ctr"/>
-              <a:endParaRPr lang="ko-KR" altLang="en-US"/>
-            </a:p>
-          </p:txBody>
-        </p:sp>
-        <p:sp>
-          <p:nvSpPr>
-            <p:cNvPr id="32" name="TextBox 31">
-              <a:extLst>
-                <a:ext uri="{FF2B5EF4-FFF2-40B4-BE49-F238E27FC236}">
-                  <a16:creationId xmlns:a16="http://schemas.microsoft.com/office/drawing/2014/main" id="{AEBA4B40-D68B-4CFE-344B-DB91C286B4BB}"/>
-                </a:ext>
-              </a:extLst>
-            </p:cNvPr>
-            <p:cNvSpPr txBox="1"/>
-            <p:nvPr/>
-          </p:nvSpPr>
-          <p:spPr>
-            <a:xfrm>
-              <a:off x="273197" y="2919430"/>
-              <a:ext cx="2111432" cy="553998"/>
-            </a:xfrm>
-            <a:prstGeom prst="rect">
-              <a:avLst/>
-            </a:prstGeom>
-            <a:noFill/>
-          </p:spPr>
-          <p:txBody>
-            <a:bodyPr wrap="square" rtlCol="0">
-              <a:spAutoFit/>
-            </a:bodyPr>
-            <a:lstStyle/>
-            <a:p>
-              <a:pPr algn="ctr"/>
-              <a:r>
-                <a:rPr lang="ko-KR" altLang="en-US" sz="1000" dirty="0"/>
-                <a:t>다중 검색 활성화 버튼</a:t>
-              </a:r>
-              <a:endParaRPr lang="en-US" altLang="ko-KR" sz="1000" dirty="0"/>
-            </a:p>
-            <a:p>
-              <a:pPr algn="ctr"/>
-              <a:r>
-                <a:rPr lang="en-US" altLang="ko-KR" sz="1000" dirty="0"/>
-                <a:t>: driver </a:t>
-              </a:r>
-              <a:r>
-                <a:rPr lang="ko-KR" altLang="en-US" sz="1000" dirty="0"/>
-                <a:t>폴더 내 </a:t>
-              </a:r>
-              <a:r>
-                <a:rPr lang="en-US" altLang="ko-KR" sz="1000" b="1" dirty="0">
-                  <a:solidFill>
-                    <a:srgbClr val="FF0000"/>
-                  </a:solidFill>
-                </a:rPr>
-                <a:t>SearchList.xlsx</a:t>
-              </a:r>
-              <a:br>
-                <a:rPr lang="en-US" altLang="ko-KR" sz="1000" dirty="0"/>
-              </a:br>
-              <a:r>
-                <a:rPr lang="ko-KR" altLang="en-US" sz="1000" dirty="0"/>
-                <a:t>업데이트 필수</a:t>
-              </a:r>
-            </a:p>
-          </p:txBody>
-        </p:sp>
-        <p:sp>
-          <p:nvSpPr>
-            <p:cNvPr id="33" name="직사각형 32">
-              <a:extLst>
-                <a:ext uri="{FF2B5EF4-FFF2-40B4-BE49-F238E27FC236}">
-                  <a16:creationId xmlns:a16="http://schemas.microsoft.com/office/drawing/2014/main" id="{64B0E218-1FC8-2CD6-C288-58C3D92EA416}"/>
-                </a:ext>
-              </a:extLst>
-            </p:cNvPr>
-            <p:cNvSpPr/>
-            <p:nvPr/>
-          </p:nvSpPr>
-          <p:spPr>
-            <a:xfrm>
-              <a:off x="5359804" y="1943428"/>
-              <a:ext cx="1553745" cy="628673"/>
-            </a:xfrm>
-            <a:prstGeom prst="rect">
-              <a:avLst/>
-            </a:prstGeom>
-            <a:noFill/>
-            <a:ln w="28575">
-              <a:solidFill>
-                <a:srgbClr val="FF0000"/>
-              </a:solidFill>
-            </a:ln>
-          </p:spPr>
-          <p:style>
-            <a:lnRef idx="2">
-              <a:schemeClr val="accent1">
-                <a:shade val="15000"/>
-              </a:schemeClr>
-            </a:lnRef>
-            <a:fillRef idx="1">
-              <a:schemeClr val="accent1"/>
-            </a:fillRef>
-            <a:effectRef idx="0">
-              <a:schemeClr val="accent1"/>
-            </a:effectRef>
-            <a:fontRef idx="minor">
-              <a:schemeClr val="lt1"/>
-            </a:fontRef>
-          </p:style>
-          <p:txBody>
-            <a:bodyPr rtlCol="0" anchor="ctr"/>
-            <a:lstStyle/>
-            <a:p>
-              <a:pPr algn="ctr"/>
-              <a:endParaRPr lang="ko-KR" altLang="en-US"/>
-            </a:p>
-          </p:txBody>
-        </p:sp>
-        <p:cxnSp>
-          <p:nvCxnSpPr>
-            <p:cNvPr id="34" name="직선 화살표 연결선 33">
-              <a:extLst>
-                <a:ext uri="{FF2B5EF4-FFF2-40B4-BE49-F238E27FC236}">
-                  <a16:creationId xmlns:a16="http://schemas.microsoft.com/office/drawing/2014/main" id="{FE50D805-8017-04A4-632E-97E9150237D1}"/>
-                </a:ext>
-              </a:extLst>
-            </p:cNvPr>
-            <p:cNvCxnSpPr>
-              <a:cxnSpLocks/>
-              <a:stCxn id="33" idx="3"/>
-            </p:cNvCxnSpPr>
-            <p:nvPr/>
-          </p:nvCxnSpPr>
-          <p:spPr>
-            <a:xfrm>
-              <a:off x="6913549" y="2257765"/>
-              <a:ext cx="749994" cy="8015"/>
-            </a:xfrm>
-            <a:prstGeom prst="straightConnector1">
-              <a:avLst/>
-            </a:prstGeom>
-            <a:ln>
-              <a:solidFill>
-                <a:schemeClr val="tx1"/>
-              </a:solidFill>
-              <a:tailEnd type="triangle"/>
-            </a:ln>
-          </p:spPr>
-          <p:style>
-            <a:lnRef idx="1">
-              <a:schemeClr val="accent1"/>
-            </a:lnRef>
-            <a:fillRef idx="0">
-              <a:schemeClr val="accent1"/>
-            </a:fillRef>
-            <a:effectRef idx="0">
-              <a:schemeClr val="accent1"/>
-            </a:effectRef>
-            <a:fontRef idx="minor">
-              <a:schemeClr val="tx1"/>
-            </a:fontRef>
-          </p:style>
-        </p:cxnSp>
-        <p:sp>
-          <p:nvSpPr>
-            <p:cNvPr id="44" name="TextBox 43">
-              <a:extLst>
-                <a:ext uri="{FF2B5EF4-FFF2-40B4-BE49-F238E27FC236}">
-                  <a16:creationId xmlns:a16="http://schemas.microsoft.com/office/drawing/2014/main" id="{E00332F6-D107-95B2-9638-BF87EE50C0D8}"/>
-                </a:ext>
-              </a:extLst>
-            </p:cNvPr>
-            <p:cNvSpPr txBox="1"/>
-            <p:nvPr/>
-          </p:nvSpPr>
-          <p:spPr>
-            <a:xfrm>
-              <a:off x="7448839" y="2078123"/>
-              <a:ext cx="3140784" cy="400110"/>
-            </a:xfrm>
-            <a:prstGeom prst="rect">
-              <a:avLst/>
-            </a:prstGeom>
-            <a:noFill/>
-          </p:spPr>
-          <p:txBody>
-            <a:bodyPr wrap="square" rtlCol="0">
-              <a:spAutoFit/>
-            </a:bodyPr>
-            <a:lstStyle/>
-            <a:p>
-              <a:pPr algn="ctr"/>
-              <a:r>
-                <a:rPr lang="ko-KR" altLang="en-US" sz="1000" dirty="0"/>
-                <a:t>상표 행정 상태 체크박스</a:t>
-              </a:r>
-              <a:endParaRPr lang="en-US" altLang="ko-KR" sz="1000" dirty="0"/>
-            </a:p>
-            <a:p>
-              <a:pPr algn="ctr"/>
-              <a:r>
-                <a:rPr lang="en-US" altLang="ko-KR" sz="1000" dirty="0"/>
-                <a:t>: default</a:t>
-              </a:r>
-              <a:r>
-                <a:rPr lang="ko-KR" altLang="en-US" sz="1000" dirty="0"/>
-                <a:t>로 </a:t>
-              </a:r>
-              <a:r>
-                <a:rPr lang="ko-KR" altLang="en-US" sz="1000" b="1" dirty="0"/>
-                <a:t>출원</a:t>
-              </a:r>
-              <a:r>
-                <a:rPr lang="en-US" altLang="ko-KR" sz="1000" dirty="0"/>
-                <a:t>/</a:t>
-              </a:r>
-              <a:r>
-                <a:rPr lang="ko-KR" altLang="en-US" sz="1000" b="1" dirty="0"/>
-                <a:t>공고</a:t>
-              </a:r>
-              <a:r>
-                <a:rPr lang="en-US" altLang="ko-KR" sz="1000" dirty="0"/>
-                <a:t>/</a:t>
-              </a:r>
-              <a:r>
-                <a:rPr lang="ko-KR" altLang="en-US" sz="1000" b="1" dirty="0"/>
-                <a:t>등록</a:t>
-              </a:r>
-              <a:r>
-                <a:rPr lang="ko-KR" altLang="en-US" sz="1000" dirty="0"/>
-                <a:t> 체크되어 있음</a:t>
-              </a:r>
-            </a:p>
-          </p:txBody>
-        </p:sp>
-      </p:grpSp>
+            </a:endParaRPr>
+          </a:p>
+        </p:txBody>
+      </p:sp>
     </p:spTree>
     <p:extLst>
       <p:ext uri="{BB962C8B-B14F-4D97-AF65-F5344CB8AC3E}">
         <p14:creationId xmlns:p14="http://schemas.microsoft.com/office/powerpoint/2010/main" val="1659682120"/>
+      </p:ext>
+    </p:extLst>
+  </p:cSld>
+  <p:clrMapOvr>
+    <a:masterClrMapping/>
+  </p:clrMapOvr>
+</p:sld>
+</file>
+
+<file path=ppt/slides/slide10.xml><?xml version="1.0" encoding="utf-8"?>
+<p:sld xmlns:a="http://schemas.openxmlformats.org/drawingml/2006/main" xmlns:r="http://schemas.openxmlformats.org/officeDocument/2006/relationships" xmlns:p="http://schemas.openxmlformats.org/presentationml/2006/main">
+  <p:cSld>
+    <p:spTree>
+      <p:nvGrpSpPr>
+        <p:cNvPr id="1" name=""/>
+        <p:cNvGrpSpPr/>
+        <p:nvPr/>
+      </p:nvGrpSpPr>
+      <p:grpSpPr>
+        <a:xfrm>
+          <a:off x="0" y="0"/>
+          <a:ext cx="0" cy="0"/>
+          <a:chOff x="0" y="0"/>
+          <a:chExt cx="0" cy="0"/>
+        </a:xfrm>
+      </p:grpSpPr>
+      <p:pic>
+        <p:nvPicPr>
+          <p:cNvPr id="16" name="그림 15">
+            <a:extLst>
+              <a:ext uri="{FF2B5EF4-FFF2-40B4-BE49-F238E27FC236}">
+                <a16:creationId xmlns:a16="http://schemas.microsoft.com/office/drawing/2014/main" id="{6B406E46-6919-DDD4-9BA5-8335B8695EE8}"/>
+              </a:ext>
+            </a:extLst>
+          </p:cNvPr>
+          <p:cNvPicPr>
+            <a:picLocks noChangeAspect="1"/>
+          </p:cNvPicPr>
+          <p:nvPr/>
+        </p:nvPicPr>
+        <p:blipFill>
+          <a:blip r:embed="rId2"/>
+          <a:stretch>
+            <a:fillRect/>
+          </a:stretch>
+        </p:blipFill>
+        <p:spPr>
+          <a:xfrm>
+            <a:off x="6411835" y="1634231"/>
+            <a:ext cx="3600694" cy="4228161"/>
+          </a:xfrm>
+          <a:prstGeom prst="rect">
+            <a:avLst/>
+          </a:prstGeom>
+        </p:spPr>
+      </p:pic>
+      <p:sp>
+        <p:nvSpPr>
+          <p:cNvPr id="8" name="TextBox 7">
+            <a:extLst>
+              <a:ext uri="{FF2B5EF4-FFF2-40B4-BE49-F238E27FC236}">
+                <a16:creationId xmlns:a16="http://schemas.microsoft.com/office/drawing/2014/main" id="{7B1F6E08-A407-50EE-FE82-9E596BAF83D4}"/>
+              </a:ext>
+            </a:extLst>
+          </p:cNvPr>
+          <p:cNvSpPr txBox="1"/>
+          <p:nvPr/>
+        </p:nvSpPr>
+        <p:spPr>
+          <a:xfrm>
+            <a:off x="399010" y="1561150"/>
+            <a:ext cx="5148350" cy="2031325"/>
+          </a:xfrm>
+          <a:prstGeom prst="rect">
+            <a:avLst/>
+          </a:prstGeom>
+          <a:noFill/>
+        </p:spPr>
+        <p:txBody>
+          <a:bodyPr wrap="square" rtlCol="0">
+            <a:spAutoFit/>
+          </a:bodyPr>
+          <a:lstStyle/>
+          <a:p>
+            <a:r>
+              <a:rPr lang="en-US" altLang="ko-KR" b="1" dirty="0">
+                <a:solidFill>
+                  <a:srgbClr val="FF0000"/>
+                </a:solidFill>
+              </a:rPr>
+              <a:t>* </a:t>
+            </a:r>
+            <a:r>
+              <a:rPr lang="ko-KR" altLang="en-US" b="1" dirty="0">
+                <a:solidFill>
+                  <a:srgbClr val="FF0000"/>
+                </a:solidFill>
+              </a:rPr>
+              <a:t>상품명 분석을 끝낸 직후</a:t>
+            </a:r>
+            <a:endParaRPr lang="en-US" altLang="ko-KR" b="1" dirty="0">
+              <a:solidFill>
+                <a:srgbClr val="FF0000"/>
+              </a:solidFill>
+            </a:endParaRPr>
+          </a:p>
+          <a:p>
+            <a:endParaRPr lang="en-US" altLang="ko-KR" dirty="0"/>
+          </a:p>
+          <a:p>
+            <a:r>
+              <a:rPr lang="ko-KR" altLang="en-US" dirty="0"/>
+              <a:t> </a:t>
+            </a:r>
+            <a:r>
+              <a:rPr lang="en-US" altLang="ko-KR" dirty="0"/>
+              <a:t>1) </a:t>
+            </a:r>
+            <a:r>
+              <a:rPr lang="ko-KR" altLang="en-US" dirty="0"/>
+              <a:t>허용 분석 </a:t>
+            </a:r>
+            <a:r>
+              <a:rPr lang="ko-KR" altLang="en-US" dirty="0" err="1"/>
+              <a:t>비율란에</a:t>
+            </a:r>
+            <a:r>
+              <a:rPr lang="ko-KR" altLang="en-US" dirty="0"/>
+              <a:t> 원하는 상품명 비율 기입</a:t>
+            </a:r>
+            <a:endParaRPr lang="en-US" altLang="ko-KR" dirty="0"/>
+          </a:p>
+          <a:p>
+            <a:endParaRPr lang="en-US" altLang="ko-KR" dirty="0"/>
+          </a:p>
+          <a:p>
+            <a:r>
+              <a:rPr lang="en-US" altLang="ko-KR" dirty="0"/>
+              <a:t> 2) </a:t>
+            </a:r>
+            <a:r>
+              <a:rPr lang="ko-KR" altLang="en-US" dirty="0"/>
+              <a:t>분석 비율 연동 검색 활성화 버튼 클릭</a:t>
+            </a:r>
+            <a:endParaRPr lang="en-US" altLang="ko-KR" dirty="0"/>
+          </a:p>
+          <a:p>
+            <a:endParaRPr lang="en-US" altLang="ko-KR" dirty="0"/>
+          </a:p>
+          <a:p>
+            <a:r>
+              <a:rPr lang="en-US" altLang="ko-KR" dirty="0"/>
+              <a:t> 3) </a:t>
+            </a:r>
+            <a:r>
+              <a:rPr lang="ko-KR" altLang="en-US" dirty="0"/>
+              <a:t>시작 버튼 클릭</a:t>
+            </a:r>
+            <a:endParaRPr lang="en-US" altLang="ko-KR" dirty="0"/>
+          </a:p>
+        </p:txBody>
+      </p:sp>
+      <p:sp>
+        <p:nvSpPr>
+          <p:cNvPr id="6" name="TextBox 5">
+            <a:extLst>
+              <a:ext uri="{FF2B5EF4-FFF2-40B4-BE49-F238E27FC236}">
+                <a16:creationId xmlns:a16="http://schemas.microsoft.com/office/drawing/2014/main" id="{400036FB-1278-451F-BEEA-8CC055484AB0}"/>
+              </a:ext>
+            </a:extLst>
+          </p:cNvPr>
+          <p:cNvSpPr txBox="1"/>
+          <p:nvPr/>
+        </p:nvSpPr>
+        <p:spPr>
+          <a:xfrm>
+            <a:off x="399011" y="266007"/>
+            <a:ext cx="4630189" cy="369332"/>
+          </a:xfrm>
+          <a:prstGeom prst="rect">
+            <a:avLst/>
+          </a:prstGeom>
+          <a:noFill/>
+        </p:spPr>
+        <p:txBody>
+          <a:bodyPr wrap="square" rtlCol="0">
+            <a:spAutoFit/>
+          </a:bodyPr>
+          <a:lstStyle/>
+          <a:p>
+            <a:r>
+              <a:rPr lang="en-US" altLang="ko-KR" dirty="0" err="1"/>
+              <a:t>Kipris</a:t>
+            </a:r>
+            <a:r>
+              <a:rPr lang="en-US" altLang="ko-KR" dirty="0"/>
+              <a:t> </a:t>
+            </a:r>
+            <a:r>
+              <a:rPr lang="ko-KR" altLang="en-US" dirty="0"/>
+              <a:t>상표권 검색 프로그램 사용 매뉴얼</a:t>
+            </a:r>
+          </a:p>
+        </p:txBody>
+      </p:sp>
+      <p:sp>
+        <p:nvSpPr>
+          <p:cNvPr id="9" name="TextBox 8">
+            <a:extLst>
+              <a:ext uri="{FF2B5EF4-FFF2-40B4-BE49-F238E27FC236}">
+                <a16:creationId xmlns:a16="http://schemas.microsoft.com/office/drawing/2014/main" id="{7F1915D2-87C9-3124-275D-ACE7FB7972B1}"/>
+              </a:ext>
+            </a:extLst>
+          </p:cNvPr>
+          <p:cNvSpPr txBox="1"/>
+          <p:nvPr/>
+        </p:nvSpPr>
+        <p:spPr>
+          <a:xfrm>
+            <a:off x="399011" y="939139"/>
+            <a:ext cx="9476509" cy="369332"/>
+          </a:xfrm>
+          <a:prstGeom prst="rect">
+            <a:avLst/>
+          </a:prstGeom>
+          <a:noFill/>
+        </p:spPr>
+        <p:txBody>
+          <a:bodyPr wrap="square" rtlCol="0">
+            <a:spAutoFit/>
+          </a:bodyPr>
+          <a:lstStyle/>
+          <a:p>
+            <a:r>
+              <a:rPr lang="en-US" altLang="ko-KR" dirty="0"/>
+              <a:t>** </a:t>
+            </a:r>
+            <a:r>
+              <a:rPr lang="ko-KR" altLang="en-US" dirty="0"/>
+              <a:t>상품명 분석 기능</a:t>
+            </a:r>
+          </a:p>
+        </p:txBody>
+      </p:sp>
+    </p:spTree>
+    <p:extLst>
+      <p:ext uri="{BB962C8B-B14F-4D97-AF65-F5344CB8AC3E}">
+        <p14:creationId xmlns:p14="http://schemas.microsoft.com/office/powerpoint/2010/main" val="3807630779"/>
+      </p:ext>
+    </p:extLst>
+  </p:cSld>
+  <p:clrMapOvr>
+    <a:masterClrMapping/>
+  </p:clrMapOvr>
+</p:sld>
+</file>
+
+<file path=ppt/slides/slide11.xml><?xml version="1.0" encoding="utf-8"?>
+<p:sld xmlns:a="http://schemas.openxmlformats.org/drawingml/2006/main" xmlns:r="http://schemas.openxmlformats.org/officeDocument/2006/relationships" xmlns:p="http://schemas.openxmlformats.org/presentationml/2006/main">
+  <p:cSld>
+    <p:spTree>
+      <p:nvGrpSpPr>
+        <p:cNvPr id="1" name=""/>
+        <p:cNvGrpSpPr/>
+        <p:nvPr/>
+      </p:nvGrpSpPr>
+      <p:grpSpPr>
+        <a:xfrm>
+          <a:off x="0" y="0"/>
+          <a:ext cx="0" cy="0"/>
+          <a:chOff x="0" y="0"/>
+          <a:chExt cx="0" cy="0"/>
+        </a:xfrm>
+      </p:grpSpPr>
+      <p:pic>
+        <p:nvPicPr>
+          <p:cNvPr id="4" name="그림 3">
+            <a:extLst>
+              <a:ext uri="{FF2B5EF4-FFF2-40B4-BE49-F238E27FC236}">
+                <a16:creationId xmlns:a16="http://schemas.microsoft.com/office/drawing/2014/main" id="{9BC9EE85-B457-780F-F6D2-630129C60BC2}"/>
+              </a:ext>
+            </a:extLst>
+          </p:cNvPr>
+          <p:cNvPicPr>
+            <a:picLocks noChangeAspect="1"/>
+          </p:cNvPicPr>
+          <p:nvPr/>
+        </p:nvPicPr>
+        <p:blipFill>
+          <a:blip r:embed="rId2"/>
+          <a:stretch>
+            <a:fillRect/>
+          </a:stretch>
+        </p:blipFill>
+        <p:spPr>
+          <a:xfrm>
+            <a:off x="7005735" y="1612271"/>
+            <a:ext cx="3600693" cy="4228159"/>
+          </a:xfrm>
+          <a:prstGeom prst="rect">
+            <a:avLst/>
+          </a:prstGeom>
+        </p:spPr>
+      </p:pic>
+      <p:sp>
+        <p:nvSpPr>
+          <p:cNvPr id="8" name="TextBox 7">
+            <a:extLst>
+              <a:ext uri="{FF2B5EF4-FFF2-40B4-BE49-F238E27FC236}">
+                <a16:creationId xmlns:a16="http://schemas.microsoft.com/office/drawing/2014/main" id="{7B1F6E08-A407-50EE-FE82-9E596BAF83D4}"/>
+              </a:ext>
+            </a:extLst>
+          </p:cNvPr>
+          <p:cNvSpPr txBox="1"/>
+          <p:nvPr/>
+        </p:nvSpPr>
+        <p:spPr>
+          <a:xfrm>
+            <a:off x="881148" y="5378765"/>
+            <a:ext cx="5415148" cy="1477328"/>
+          </a:xfrm>
+          <a:prstGeom prst="rect">
+            <a:avLst/>
+          </a:prstGeom>
+          <a:noFill/>
+        </p:spPr>
+        <p:txBody>
+          <a:bodyPr wrap="square" rtlCol="0">
+            <a:spAutoFit/>
+          </a:bodyPr>
+          <a:lstStyle/>
+          <a:p>
+            <a:pPr marL="342900" indent="-342900">
+              <a:buAutoNum type="arabicParenR"/>
+            </a:pPr>
+            <a:r>
+              <a:rPr lang="ko-KR" altLang="en-US" dirty="0"/>
+              <a:t>상품명 허용 비율 설정</a:t>
+            </a:r>
+            <a:endParaRPr lang="en-US" altLang="ko-KR" dirty="0"/>
+          </a:p>
+          <a:p>
+            <a:pPr marL="342900" indent="-342900">
+              <a:buAutoNum type="arabicParenR"/>
+            </a:pPr>
+            <a:r>
+              <a:rPr lang="ko-KR" altLang="en-US" dirty="0"/>
+              <a:t>분석 비율 연동 검색 활성화 버튼 클릭</a:t>
+            </a:r>
+            <a:endParaRPr lang="en-US" altLang="ko-KR" dirty="0"/>
+          </a:p>
+          <a:p>
+            <a:pPr marL="342900" indent="-342900">
+              <a:buAutoNum type="arabicParenR"/>
+            </a:pPr>
+            <a:r>
+              <a:rPr lang="ko-KR" altLang="en-US" dirty="0"/>
+              <a:t>시작 버튼 클릭</a:t>
+            </a:r>
+            <a:endParaRPr lang="en-US" altLang="ko-KR" dirty="0"/>
+          </a:p>
+          <a:p>
+            <a:pPr marL="342900" indent="-342900">
+              <a:buAutoNum type="arabicParenR"/>
+            </a:pPr>
+            <a:r>
+              <a:rPr lang="ko-KR" altLang="en-US" dirty="0"/>
+              <a:t>연동할 분석 데이터 파일 선택</a:t>
+            </a:r>
+            <a:endParaRPr lang="en-US" altLang="ko-KR" dirty="0"/>
+          </a:p>
+          <a:p>
+            <a:pPr marL="342900" indent="-342900">
+              <a:buAutoNum type="arabicParenR"/>
+            </a:pPr>
+            <a:endParaRPr lang="ko-KR" altLang="en-US" dirty="0"/>
+          </a:p>
+        </p:txBody>
+      </p:sp>
+      <p:sp>
+        <p:nvSpPr>
+          <p:cNvPr id="6" name="TextBox 5">
+            <a:extLst>
+              <a:ext uri="{FF2B5EF4-FFF2-40B4-BE49-F238E27FC236}">
+                <a16:creationId xmlns:a16="http://schemas.microsoft.com/office/drawing/2014/main" id="{400036FB-1278-451F-BEEA-8CC055484AB0}"/>
+              </a:ext>
+            </a:extLst>
+          </p:cNvPr>
+          <p:cNvSpPr txBox="1"/>
+          <p:nvPr/>
+        </p:nvSpPr>
+        <p:spPr>
+          <a:xfrm>
+            <a:off x="399011" y="266007"/>
+            <a:ext cx="4630189" cy="369332"/>
+          </a:xfrm>
+          <a:prstGeom prst="rect">
+            <a:avLst/>
+          </a:prstGeom>
+          <a:noFill/>
+        </p:spPr>
+        <p:txBody>
+          <a:bodyPr wrap="square" rtlCol="0">
+            <a:spAutoFit/>
+          </a:bodyPr>
+          <a:lstStyle/>
+          <a:p>
+            <a:r>
+              <a:rPr lang="en-US" altLang="ko-KR" dirty="0" err="1"/>
+              <a:t>Kipris</a:t>
+            </a:r>
+            <a:r>
+              <a:rPr lang="en-US" altLang="ko-KR" dirty="0"/>
+              <a:t> </a:t>
+            </a:r>
+            <a:r>
+              <a:rPr lang="ko-KR" altLang="en-US" dirty="0"/>
+              <a:t>상표권 검색 프로그램 사용 매뉴얼</a:t>
+            </a:r>
+          </a:p>
+        </p:txBody>
+      </p:sp>
+      <p:sp>
+        <p:nvSpPr>
+          <p:cNvPr id="9" name="TextBox 8">
+            <a:extLst>
+              <a:ext uri="{FF2B5EF4-FFF2-40B4-BE49-F238E27FC236}">
+                <a16:creationId xmlns:a16="http://schemas.microsoft.com/office/drawing/2014/main" id="{7F1915D2-87C9-3124-275D-ACE7FB7972B1}"/>
+              </a:ext>
+            </a:extLst>
+          </p:cNvPr>
+          <p:cNvSpPr txBox="1"/>
+          <p:nvPr/>
+        </p:nvSpPr>
+        <p:spPr>
+          <a:xfrm>
+            <a:off x="399011" y="939139"/>
+            <a:ext cx="9476509" cy="1200329"/>
+          </a:xfrm>
+          <a:prstGeom prst="rect">
+            <a:avLst/>
+          </a:prstGeom>
+          <a:noFill/>
+        </p:spPr>
+        <p:txBody>
+          <a:bodyPr wrap="square" rtlCol="0">
+            <a:spAutoFit/>
+          </a:bodyPr>
+          <a:lstStyle/>
+          <a:p>
+            <a:r>
+              <a:rPr lang="en-US" altLang="ko-KR" dirty="0"/>
+              <a:t>** </a:t>
+            </a:r>
+            <a:r>
+              <a:rPr lang="ko-KR" altLang="en-US" dirty="0"/>
+              <a:t>상품명 분석 기능</a:t>
+            </a:r>
+            <a:endParaRPr lang="en-US" altLang="ko-KR" dirty="0"/>
+          </a:p>
+          <a:p>
+            <a:endParaRPr lang="en-US" altLang="ko-KR" dirty="0"/>
+          </a:p>
+          <a:p>
+            <a:r>
+              <a:rPr lang="en-US" altLang="ko-KR" dirty="0">
+                <a:solidFill>
+                  <a:srgbClr val="FF0000"/>
+                </a:solidFill>
+              </a:rPr>
+              <a:t>*</a:t>
+            </a:r>
+            <a:r>
+              <a:rPr lang="en-US" altLang="ko-KR" dirty="0"/>
+              <a:t> </a:t>
+            </a:r>
+            <a:r>
+              <a:rPr lang="ko-KR" altLang="en-US" b="1" dirty="0">
+                <a:solidFill>
+                  <a:srgbClr val="FF0000"/>
+                </a:solidFill>
+              </a:rPr>
+              <a:t>상품명 분석 파일이 있고</a:t>
+            </a:r>
+            <a:r>
+              <a:rPr lang="en-US" altLang="ko-KR" b="1" dirty="0">
+                <a:solidFill>
+                  <a:srgbClr val="FF0000"/>
+                </a:solidFill>
+              </a:rPr>
+              <a:t>, </a:t>
+            </a:r>
+            <a:r>
+              <a:rPr lang="ko-KR" altLang="en-US" b="1" dirty="0">
+                <a:solidFill>
+                  <a:srgbClr val="FF0000"/>
+                </a:solidFill>
+              </a:rPr>
+              <a:t>상품명 분석을 돌릴 필요 없는 경우</a:t>
+            </a:r>
+            <a:endParaRPr lang="en-US" altLang="ko-KR" b="1" dirty="0">
+              <a:solidFill>
+                <a:srgbClr val="FF0000"/>
+              </a:solidFill>
+            </a:endParaRPr>
+          </a:p>
+          <a:p>
+            <a:endParaRPr lang="ko-KR" altLang="en-US" dirty="0"/>
+          </a:p>
+        </p:txBody>
+      </p:sp>
+      <p:sp>
+        <p:nvSpPr>
+          <p:cNvPr id="7" name="직사각형 6">
+            <a:extLst>
+              <a:ext uri="{FF2B5EF4-FFF2-40B4-BE49-F238E27FC236}">
+                <a16:creationId xmlns:a16="http://schemas.microsoft.com/office/drawing/2014/main" id="{1590BEBE-493B-68FF-F395-155DEA672278}"/>
+              </a:ext>
+            </a:extLst>
+          </p:cNvPr>
+          <p:cNvSpPr/>
+          <p:nvPr/>
+        </p:nvSpPr>
+        <p:spPr>
+          <a:xfrm>
+            <a:off x="7005735" y="2937304"/>
+            <a:ext cx="3600693" cy="491696"/>
+          </a:xfrm>
+          <a:prstGeom prst="rect">
+            <a:avLst/>
+          </a:prstGeom>
+          <a:noFill/>
+          <a:ln w="28575">
+            <a:solidFill>
+              <a:srgbClr val="FF0000"/>
+            </a:solidFill>
+          </a:ln>
+        </p:spPr>
+        <p:style>
+          <a:lnRef idx="2">
+            <a:schemeClr val="accent1">
+              <a:shade val="15000"/>
+            </a:schemeClr>
+          </a:lnRef>
+          <a:fillRef idx="1">
+            <a:schemeClr val="accent1"/>
+          </a:fillRef>
+          <a:effectRef idx="0">
+            <a:schemeClr val="accent1"/>
+          </a:effectRef>
+          <a:fontRef idx="minor">
+            <a:schemeClr val="lt1"/>
+          </a:fontRef>
+        </p:style>
+        <p:txBody>
+          <a:bodyPr rtlCol="0" anchor="ctr"/>
+          <a:lstStyle/>
+          <a:p>
+            <a:pPr algn="ctr"/>
+            <a:endParaRPr lang="ko-KR" altLang="en-US" dirty="0"/>
+          </a:p>
+        </p:txBody>
+      </p:sp>
+      <p:pic>
+        <p:nvPicPr>
+          <p:cNvPr id="11" name="그림 10">
+            <a:extLst>
+              <a:ext uri="{FF2B5EF4-FFF2-40B4-BE49-F238E27FC236}">
+                <a16:creationId xmlns:a16="http://schemas.microsoft.com/office/drawing/2014/main" id="{D393C503-7005-CCC9-BFDE-6F90E91D0446}"/>
+              </a:ext>
+            </a:extLst>
+          </p:cNvPr>
+          <p:cNvPicPr>
+            <a:picLocks noChangeAspect="1"/>
+          </p:cNvPicPr>
+          <p:nvPr/>
+        </p:nvPicPr>
+        <p:blipFill>
+          <a:blip r:embed="rId3"/>
+          <a:stretch>
+            <a:fillRect/>
+          </a:stretch>
+        </p:blipFill>
+        <p:spPr>
+          <a:xfrm>
+            <a:off x="618307" y="1868833"/>
+            <a:ext cx="5890617" cy="3318921"/>
+          </a:xfrm>
+          <a:prstGeom prst="rect">
+            <a:avLst/>
+          </a:prstGeom>
+        </p:spPr>
+      </p:pic>
+    </p:spTree>
+    <p:extLst>
+      <p:ext uri="{BB962C8B-B14F-4D97-AF65-F5344CB8AC3E}">
+        <p14:creationId xmlns:p14="http://schemas.microsoft.com/office/powerpoint/2010/main" val="1037398916"/>
       </p:ext>
     </p:extLst>
   </p:cSld>
@@ -4381,6 +5809,36 @@
           <a:chExt cx="0" cy="0"/>
         </a:xfrm>
       </p:grpSpPr>
+      <p:pic>
+        <p:nvPicPr>
+          <p:cNvPr id="19" name="그림 18">
+            <a:extLst>
+              <a:ext uri="{FF2B5EF4-FFF2-40B4-BE49-F238E27FC236}">
+                <a16:creationId xmlns:a16="http://schemas.microsoft.com/office/drawing/2014/main" id="{522EA263-178F-867A-AC15-78CF098F12FA}"/>
+              </a:ext>
+            </a:extLst>
+          </p:cNvPr>
+          <p:cNvPicPr>
+            <a:picLocks noChangeAspect="1"/>
+          </p:cNvPicPr>
+          <p:nvPr/>
+        </p:nvPicPr>
+        <p:blipFill>
+          <a:blip r:embed="rId2"/>
+          <a:stretch>
+            <a:fillRect/>
+          </a:stretch>
+        </p:blipFill>
+        <p:spPr>
+          <a:xfrm>
+            <a:off x="4053534" y="1823617"/>
+            <a:ext cx="3604867" cy="4233061"/>
+          </a:xfrm>
+          <a:prstGeom prst="rect">
+            <a:avLst/>
+          </a:prstGeom>
+        </p:spPr>
+      </p:pic>
       <p:sp>
         <p:nvSpPr>
           <p:cNvPr id="4" name="TextBox 3">
@@ -4465,10 +5923,10 @@
       </p:sp>
       <p:grpSp>
         <p:nvGrpSpPr>
-          <p:cNvPr id="10" name="그룹 9">
-            <a:extLst>
-              <a:ext uri="{FF2B5EF4-FFF2-40B4-BE49-F238E27FC236}">
-                <a16:creationId xmlns:a16="http://schemas.microsoft.com/office/drawing/2014/main" id="{2A04F91B-87C3-AD2B-19EF-1B8D2CFD85E1}"/>
+          <p:cNvPr id="14" name="그룹 13">
+            <a:extLst>
+              <a:ext uri="{FF2B5EF4-FFF2-40B4-BE49-F238E27FC236}">
+                <a16:creationId xmlns:a16="http://schemas.microsoft.com/office/drawing/2014/main" id="{B041D026-E815-8CC3-40FF-F6CF2477162A}"/>
               </a:ext>
             </a:extLst>
           </p:cNvPr>
@@ -4477,150 +5935,99 @@
         </p:nvGrpSpPr>
         <p:grpSpPr>
           <a:xfrm>
-            <a:off x="3752738" y="1457695"/>
-            <a:ext cx="4686523" cy="4794069"/>
-            <a:chOff x="2811557" y="1579615"/>
-            <a:chExt cx="4686523" cy="4794069"/>
+            <a:off x="4374687" y="2981898"/>
+            <a:ext cx="3442625" cy="1549952"/>
+            <a:chOff x="8562371" y="2764183"/>
+            <a:chExt cx="3442625" cy="1549952"/>
           </a:xfrm>
         </p:grpSpPr>
-        <p:grpSp>
-          <p:nvGrpSpPr>
-            <p:cNvPr id="9" name="그룹 8">
+        <p:cxnSp>
+          <p:nvCxnSpPr>
+            <p:cNvPr id="7" name="직선 연결선 6">
               <a:extLst>
                 <a:ext uri="{FF2B5EF4-FFF2-40B4-BE49-F238E27FC236}">
-                  <a16:creationId xmlns:a16="http://schemas.microsoft.com/office/drawing/2014/main" id="{0CF8CE00-D588-9409-DC6E-C2519845A473}"/>
+                  <a16:creationId xmlns:a16="http://schemas.microsoft.com/office/drawing/2014/main" id="{31783169-89A4-C9DE-8346-BEDA838F099F}"/>
                 </a:ext>
               </a:extLst>
             </p:cNvPr>
-            <p:cNvGrpSpPr/>
+            <p:cNvCxnSpPr>
+              <a:cxnSpLocks/>
+            </p:cNvCxnSpPr>
             <p:nvPr/>
-          </p:nvGrpSpPr>
-          <p:grpSpPr>
+          </p:nvCxnSpPr>
+          <p:spPr>
             <a:xfrm>
-              <a:off x="2811557" y="1579615"/>
-              <a:ext cx="4102882" cy="4794069"/>
-              <a:chOff x="2811557" y="1579615"/>
-              <a:chExt cx="4102882" cy="4794069"/>
+              <a:off x="8753716" y="2764183"/>
+              <a:ext cx="1054684" cy="0"/>
             </a:xfrm>
-          </p:grpSpPr>
-          <p:pic>
-            <p:nvPicPr>
-              <p:cNvPr id="3" name="그림 2">
-                <a:extLst>
-                  <a:ext uri="{FF2B5EF4-FFF2-40B4-BE49-F238E27FC236}">
-                    <a16:creationId xmlns:a16="http://schemas.microsoft.com/office/drawing/2014/main" id="{A1F3FD98-D043-C20B-07E4-8511A6E7B502}"/>
-                  </a:ext>
-                </a:extLst>
-              </p:cNvPr>
-              <p:cNvPicPr>
-                <a:picLocks noChangeAspect="1"/>
-              </p:cNvPicPr>
-              <p:nvPr/>
-            </p:nvPicPr>
-            <p:blipFill>
-              <a:blip r:embed="rId2"/>
-              <a:stretch>
-                <a:fillRect/>
-              </a:stretch>
-            </p:blipFill>
-            <p:spPr>
-              <a:xfrm>
-                <a:off x="2811557" y="1579615"/>
-                <a:ext cx="4102882" cy="4794069"/>
-              </a:xfrm>
-              <a:prstGeom prst="rect">
-                <a:avLst/>
-              </a:prstGeom>
-            </p:spPr>
-          </p:pic>
-          <p:cxnSp>
-            <p:nvCxnSpPr>
-              <p:cNvPr id="7" name="직선 연결선 6">
-                <a:extLst>
-                  <a:ext uri="{FF2B5EF4-FFF2-40B4-BE49-F238E27FC236}">
-                    <a16:creationId xmlns:a16="http://schemas.microsoft.com/office/drawing/2014/main" id="{31783169-89A4-C9DE-8346-BEDA838F099F}"/>
-                  </a:ext>
-                </a:extLst>
-              </p:cNvPr>
-              <p:cNvCxnSpPr>
-                <a:cxnSpLocks/>
-              </p:cNvCxnSpPr>
-              <p:nvPr/>
-            </p:nvCxnSpPr>
-            <p:spPr>
-              <a:xfrm>
-                <a:off x="3292786" y="2884715"/>
-                <a:ext cx="1054684" cy="0"/>
-              </a:xfrm>
-              <a:prstGeom prst="line">
-                <a:avLst/>
-              </a:prstGeom>
-              <a:ln w="28575">
-                <a:solidFill>
-                  <a:srgbClr val="FF0000"/>
-                </a:solidFill>
-              </a:ln>
-            </p:spPr>
-            <p:style>
-              <a:lnRef idx="1">
-                <a:schemeClr val="accent1"/>
-              </a:lnRef>
-              <a:fillRef idx="0">
-                <a:schemeClr val="accent1"/>
-              </a:fillRef>
-              <a:effectRef idx="0">
-                <a:schemeClr val="accent1"/>
-              </a:effectRef>
-              <a:fontRef idx="minor">
+            <a:prstGeom prst="line">
+              <a:avLst/>
+            </a:prstGeom>
+            <a:ln w="28575">
+              <a:solidFill>
+                <a:srgbClr val="FF0000"/>
+              </a:solidFill>
+            </a:ln>
+          </p:spPr>
+          <p:style>
+            <a:lnRef idx="1">
+              <a:schemeClr val="accent1"/>
+            </a:lnRef>
+            <a:fillRef idx="0">
+              <a:schemeClr val="accent1"/>
+            </a:fillRef>
+            <a:effectRef idx="0">
+              <a:schemeClr val="accent1"/>
+            </a:effectRef>
+            <a:fontRef idx="minor">
+              <a:schemeClr val="tx1"/>
+            </a:fontRef>
+          </p:style>
+        </p:cxnSp>
+        <p:cxnSp>
+          <p:nvCxnSpPr>
+            <p:cNvPr id="12" name="직선 화살표 연결선 11">
+              <a:extLst>
+                <a:ext uri="{FF2B5EF4-FFF2-40B4-BE49-F238E27FC236}">
+                  <a16:creationId xmlns:a16="http://schemas.microsoft.com/office/drawing/2014/main" id="{BC6EA0D5-12E8-192D-CC0B-038C9409E881}"/>
+                </a:ext>
+              </a:extLst>
+            </p:cNvPr>
+            <p:cNvCxnSpPr>
+              <a:cxnSpLocks/>
+            </p:cNvCxnSpPr>
+            <p:nvPr/>
+          </p:nvCxnSpPr>
+          <p:spPr>
+            <a:xfrm>
+              <a:off x="9219345" y="2776233"/>
+              <a:ext cx="1064339" cy="1064470"/>
+            </a:xfrm>
+            <a:prstGeom prst="straightConnector1">
+              <a:avLst/>
+            </a:prstGeom>
+            <a:ln>
+              <a:solidFill>
                 <a:schemeClr val="tx1"/>
-              </a:fontRef>
-            </p:style>
-          </p:cxnSp>
-          <p:cxnSp>
-            <p:nvCxnSpPr>
-              <p:cNvPr id="12" name="직선 화살표 연결선 11">
-                <a:extLst>
-                  <a:ext uri="{FF2B5EF4-FFF2-40B4-BE49-F238E27FC236}">
-                    <a16:creationId xmlns:a16="http://schemas.microsoft.com/office/drawing/2014/main" id="{BC6EA0D5-12E8-192D-CC0B-038C9409E881}"/>
-                  </a:ext>
-                </a:extLst>
-              </p:cNvPr>
-              <p:cNvCxnSpPr>
-                <a:cxnSpLocks/>
-              </p:cNvCxnSpPr>
-              <p:nvPr/>
-            </p:nvCxnSpPr>
-            <p:spPr>
-              <a:xfrm>
-                <a:off x="3758415" y="2896765"/>
-                <a:ext cx="1064339" cy="1064470"/>
-              </a:xfrm>
-              <a:prstGeom prst="straightConnector1">
-                <a:avLst/>
-              </a:prstGeom>
-              <a:ln>
-                <a:solidFill>
-                  <a:schemeClr val="tx1"/>
-                </a:solidFill>
-                <a:tailEnd type="triangle"/>
-              </a:ln>
-            </p:spPr>
-            <p:style>
-              <a:lnRef idx="1">
-                <a:schemeClr val="accent1"/>
-              </a:lnRef>
-              <a:fillRef idx="0">
-                <a:schemeClr val="accent1"/>
-              </a:fillRef>
-              <a:effectRef idx="0">
-                <a:schemeClr val="accent1"/>
-              </a:effectRef>
-              <a:fontRef idx="minor">
-                <a:schemeClr val="tx1"/>
-              </a:fontRef>
-            </p:style>
-          </p:cxnSp>
-        </p:grpSp>
+              </a:solidFill>
+              <a:tailEnd type="triangle"/>
+            </a:ln>
+          </p:spPr>
+          <p:style>
+            <a:lnRef idx="1">
+              <a:schemeClr val="accent1"/>
+            </a:lnRef>
+            <a:fillRef idx="0">
+              <a:schemeClr val="accent1"/>
+            </a:fillRef>
+            <a:effectRef idx="0">
+              <a:schemeClr val="accent1"/>
+            </a:effectRef>
+            <a:fontRef idx="minor">
+              <a:schemeClr val="tx1"/>
+            </a:fontRef>
+          </p:style>
+        </p:cxnSp>
         <p:sp>
           <p:nvSpPr>
             <p:cNvPr id="16" name="TextBox 15">
@@ -4635,7 +6042,7 @@
           </p:nvSpPr>
           <p:spPr>
             <a:xfrm>
-              <a:off x="4055455" y="3986158"/>
+              <a:off x="8562371" y="4067914"/>
               <a:ext cx="3442625" cy="246221"/>
             </a:xfrm>
             <a:prstGeom prst="rect">
@@ -4727,12 +6134,107 @@
           </a:p>
         </p:txBody>
       </p:sp>
+      <p:sp>
+        <p:nvSpPr>
+          <p:cNvPr id="6" name="TextBox 5">
+            <a:extLst>
+              <a:ext uri="{FF2B5EF4-FFF2-40B4-BE49-F238E27FC236}">
+                <a16:creationId xmlns:a16="http://schemas.microsoft.com/office/drawing/2014/main" id="{400036FB-1278-451F-BEEA-8CC055484AB0}"/>
+              </a:ext>
+            </a:extLst>
+          </p:cNvPr>
+          <p:cNvSpPr txBox="1"/>
+          <p:nvPr/>
+        </p:nvSpPr>
+        <p:spPr>
+          <a:xfrm>
+            <a:off x="399011" y="266007"/>
+            <a:ext cx="4630189" cy="369332"/>
+          </a:xfrm>
+          <a:prstGeom prst="rect">
+            <a:avLst/>
+          </a:prstGeom>
+          <a:noFill/>
+        </p:spPr>
+        <p:txBody>
+          <a:bodyPr wrap="square" rtlCol="0">
+            <a:spAutoFit/>
+          </a:bodyPr>
+          <a:lstStyle/>
+          <a:p>
+            <a:r>
+              <a:rPr lang="en-US" altLang="ko-KR" dirty="0" err="1"/>
+              <a:t>Kipris</a:t>
+            </a:r>
+            <a:r>
+              <a:rPr lang="en-US" altLang="ko-KR" dirty="0"/>
+              <a:t> </a:t>
+            </a:r>
+            <a:r>
+              <a:rPr lang="ko-KR" altLang="en-US" dirty="0"/>
+              <a:t>상표권 검색 프로그램 사용 매뉴얼</a:t>
+            </a:r>
+          </a:p>
+        </p:txBody>
+      </p:sp>
+      <p:sp>
+        <p:nvSpPr>
+          <p:cNvPr id="9" name="TextBox 8">
+            <a:extLst>
+              <a:ext uri="{FF2B5EF4-FFF2-40B4-BE49-F238E27FC236}">
+                <a16:creationId xmlns:a16="http://schemas.microsoft.com/office/drawing/2014/main" id="{7F1915D2-87C9-3124-275D-ACE7FB7972B1}"/>
+              </a:ext>
+            </a:extLst>
+          </p:cNvPr>
+          <p:cNvSpPr txBox="1"/>
+          <p:nvPr/>
+        </p:nvSpPr>
+        <p:spPr>
+          <a:xfrm>
+            <a:off x="399011" y="939139"/>
+            <a:ext cx="9476509" cy="369332"/>
+          </a:xfrm>
+          <a:prstGeom prst="rect">
+            <a:avLst/>
+          </a:prstGeom>
+          <a:noFill/>
+        </p:spPr>
+        <p:txBody>
+          <a:bodyPr wrap="square" rtlCol="0">
+            <a:spAutoFit/>
+          </a:bodyPr>
+          <a:lstStyle/>
+          <a:p>
+            <a:r>
+              <a:rPr lang="en-US" altLang="ko-KR" dirty="0"/>
+              <a:t>1) </a:t>
+            </a:r>
+            <a:r>
+              <a:rPr lang="en-US" altLang="ko-KR" dirty="0" err="1"/>
+              <a:t>Kipris</a:t>
+            </a:r>
+            <a:r>
+              <a:rPr lang="en-US" altLang="ko-KR" dirty="0"/>
+              <a:t> </a:t>
+            </a:r>
+            <a:r>
+              <a:rPr lang="ko-KR" altLang="en-US" dirty="0"/>
+              <a:t>상표권 검색 프로그램 실행</a:t>
+            </a:r>
+            <a:r>
+              <a:rPr lang="en-US" altLang="ko-KR" dirty="0"/>
+              <a:t>(ScratchingKipris.exe)</a:t>
+            </a:r>
+            <a:endParaRPr lang="ko-KR" altLang="en-US" dirty="0"/>
+          </a:p>
+        </p:txBody>
+      </p:sp>
       <p:pic>
         <p:nvPicPr>
-          <p:cNvPr id="3" name="그림 2">
-            <a:extLst>
-              <a:ext uri="{FF2B5EF4-FFF2-40B4-BE49-F238E27FC236}">
-                <a16:creationId xmlns:a16="http://schemas.microsoft.com/office/drawing/2014/main" id="{693DE56E-EF3F-DB99-F04A-CD9061FBC702}"/>
+          <p:cNvPr id="5" name="그림 4">
+            <a:extLst>
+              <a:ext uri="{FF2B5EF4-FFF2-40B4-BE49-F238E27FC236}">
+                <a16:creationId xmlns:a16="http://schemas.microsoft.com/office/drawing/2014/main" id="{F0AA2BBD-21C2-383E-890C-B343C510A6A7}"/>
               </a:ext>
             </a:extLst>
           </p:cNvPr>
@@ -4749,109 +6251,14 @@
         </p:blipFill>
         <p:spPr>
           <a:xfrm>
-            <a:off x="3494023" y="1814909"/>
-            <a:ext cx="3568996" cy="4170242"/>
+            <a:off x="4039823" y="1813470"/>
+            <a:ext cx="3624745" cy="4256403"/>
           </a:xfrm>
           <a:prstGeom prst="rect">
             <a:avLst/>
           </a:prstGeom>
         </p:spPr>
       </p:pic>
-      <p:sp>
-        <p:nvSpPr>
-          <p:cNvPr id="6" name="TextBox 5">
-            <a:extLst>
-              <a:ext uri="{FF2B5EF4-FFF2-40B4-BE49-F238E27FC236}">
-                <a16:creationId xmlns:a16="http://schemas.microsoft.com/office/drawing/2014/main" id="{400036FB-1278-451F-BEEA-8CC055484AB0}"/>
-              </a:ext>
-            </a:extLst>
-          </p:cNvPr>
-          <p:cNvSpPr txBox="1"/>
-          <p:nvPr/>
-        </p:nvSpPr>
-        <p:spPr>
-          <a:xfrm>
-            <a:off x="399011" y="266007"/>
-            <a:ext cx="4630189" cy="369332"/>
-          </a:xfrm>
-          <a:prstGeom prst="rect">
-            <a:avLst/>
-          </a:prstGeom>
-          <a:noFill/>
-        </p:spPr>
-        <p:txBody>
-          <a:bodyPr wrap="square" rtlCol="0">
-            <a:spAutoFit/>
-          </a:bodyPr>
-          <a:lstStyle/>
-          <a:p>
-            <a:r>
-              <a:rPr lang="en-US" altLang="ko-KR" dirty="0" err="1"/>
-              <a:t>Kipris</a:t>
-            </a:r>
-            <a:r>
-              <a:rPr lang="en-US" altLang="ko-KR" dirty="0"/>
-              <a:t> </a:t>
-            </a:r>
-            <a:r>
-              <a:rPr lang="ko-KR" altLang="en-US" dirty="0"/>
-              <a:t>상표권 검색 프로그램 사용 매뉴얼</a:t>
-            </a:r>
-          </a:p>
-        </p:txBody>
-      </p:sp>
-      <p:sp>
-        <p:nvSpPr>
-          <p:cNvPr id="9" name="TextBox 8">
-            <a:extLst>
-              <a:ext uri="{FF2B5EF4-FFF2-40B4-BE49-F238E27FC236}">
-                <a16:creationId xmlns:a16="http://schemas.microsoft.com/office/drawing/2014/main" id="{7F1915D2-87C9-3124-275D-ACE7FB7972B1}"/>
-              </a:ext>
-            </a:extLst>
-          </p:cNvPr>
-          <p:cNvSpPr txBox="1"/>
-          <p:nvPr/>
-        </p:nvSpPr>
-        <p:spPr>
-          <a:xfrm>
-            <a:off x="399011" y="939139"/>
-            <a:ext cx="9476509" cy="369332"/>
-          </a:xfrm>
-          <a:prstGeom prst="rect">
-            <a:avLst/>
-          </a:prstGeom>
-          <a:noFill/>
-        </p:spPr>
-        <p:txBody>
-          <a:bodyPr wrap="square" rtlCol="0">
-            <a:spAutoFit/>
-          </a:bodyPr>
-          <a:lstStyle/>
-          <a:p>
-            <a:r>
-              <a:rPr lang="en-US" altLang="ko-KR" dirty="0"/>
-              <a:t>1) </a:t>
-            </a:r>
-            <a:r>
-              <a:rPr lang="en-US" altLang="ko-KR" dirty="0" err="1"/>
-              <a:t>Kipris</a:t>
-            </a:r>
-            <a:r>
-              <a:rPr lang="en-US" altLang="ko-KR" dirty="0"/>
-              <a:t> </a:t>
-            </a:r>
-            <a:r>
-              <a:rPr lang="ko-KR" altLang="en-US" dirty="0"/>
-              <a:t>상표권 검색 프로그램 실행</a:t>
-            </a:r>
-            <a:r>
-              <a:rPr lang="en-US" altLang="ko-KR" dirty="0"/>
-              <a:t>(ScratchingKipris.exe)</a:t>
-            </a:r>
-            <a:endParaRPr lang="ko-KR" altLang="en-US" dirty="0"/>
-          </a:p>
-        </p:txBody>
-      </p:sp>
     </p:spTree>
     <p:extLst>
       <p:ext uri="{BB962C8B-B14F-4D97-AF65-F5344CB8AC3E}">
@@ -4882,197 +6289,12 @@
           <a:chExt cx="0" cy="0"/>
         </a:xfrm>
       </p:grpSpPr>
-      <p:sp>
-        <p:nvSpPr>
-          <p:cNvPr id="8" name="TextBox 7">
-            <a:extLst>
-              <a:ext uri="{FF2B5EF4-FFF2-40B4-BE49-F238E27FC236}">
-                <a16:creationId xmlns:a16="http://schemas.microsoft.com/office/drawing/2014/main" id="{7B1F6E08-A407-50EE-FE82-9E596BAF83D4}"/>
-              </a:ext>
-            </a:extLst>
-          </p:cNvPr>
-          <p:cNvSpPr txBox="1"/>
-          <p:nvPr/>
-        </p:nvSpPr>
-        <p:spPr>
-          <a:xfrm>
-            <a:off x="7813964" y="1745673"/>
-            <a:ext cx="4256116" cy="1200329"/>
-          </a:xfrm>
-          <a:prstGeom prst="rect">
-            <a:avLst/>
-          </a:prstGeom>
-          <a:noFill/>
-        </p:spPr>
-        <p:txBody>
-          <a:bodyPr wrap="square" rtlCol="0">
-            <a:spAutoFit/>
-          </a:bodyPr>
-          <a:lstStyle/>
-          <a:p>
-            <a:r>
-              <a:rPr lang="en-US" altLang="ko-KR" dirty="0"/>
-              <a:t>* </a:t>
-            </a:r>
-            <a:r>
-              <a:rPr lang="ko-KR" altLang="en-US" dirty="0"/>
-              <a:t>다중 검색 활성화 버튼 클릭 시</a:t>
-            </a:r>
-            <a:r>
-              <a:rPr lang="en-US" altLang="ko-KR" dirty="0"/>
-              <a:t>,</a:t>
-            </a:r>
-          </a:p>
-          <a:p>
-            <a:r>
-              <a:rPr lang="ko-KR" altLang="en-US" dirty="0"/>
-              <a:t>  상표명칭 </a:t>
-            </a:r>
-            <a:r>
-              <a:rPr lang="en-US" altLang="ko-KR" dirty="0"/>
-              <a:t>/ </a:t>
-            </a:r>
-            <a:r>
-              <a:rPr lang="ko-KR" altLang="en-US" dirty="0"/>
-              <a:t>지정상품 입력 </a:t>
-            </a:r>
-            <a:r>
-              <a:rPr lang="ko-KR" altLang="en-US" dirty="0" err="1"/>
-              <a:t>안해도</a:t>
-            </a:r>
-            <a:r>
-              <a:rPr lang="ko-KR" altLang="en-US" dirty="0"/>
-              <a:t> 됨</a:t>
-            </a:r>
-            <a:br>
-              <a:rPr lang="en-US" altLang="ko-KR" dirty="0"/>
-            </a:br>
-            <a:br>
-              <a:rPr lang="en-US" altLang="ko-KR" dirty="0"/>
-            </a:br>
-            <a:r>
-              <a:rPr lang="en-US" altLang="ko-KR" dirty="0"/>
-              <a:t>* </a:t>
-            </a:r>
-            <a:r>
-              <a:rPr lang="ko-KR" altLang="en-US" dirty="0"/>
-              <a:t>다중 검색 활성화 </a:t>
-            </a:r>
-          </a:p>
-        </p:txBody>
-      </p:sp>
-      <p:sp>
-        <p:nvSpPr>
-          <p:cNvPr id="6" name="TextBox 5">
-            <a:extLst>
-              <a:ext uri="{FF2B5EF4-FFF2-40B4-BE49-F238E27FC236}">
-                <a16:creationId xmlns:a16="http://schemas.microsoft.com/office/drawing/2014/main" id="{400036FB-1278-451F-BEEA-8CC055484AB0}"/>
-              </a:ext>
-            </a:extLst>
-          </p:cNvPr>
-          <p:cNvSpPr txBox="1"/>
-          <p:nvPr/>
-        </p:nvSpPr>
-        <p:spPr>
-          <a:xfrm>
-            <a:off x="399011" y="266007"/>
-            <a:ext cx="4630189" cy="369332"/>
-          </a:xfrm>
-          <a:prstGeom prst="rect">
-            <a:avLst/>
-          </a:prstGeom>
-          <a:noFill/>
-        </p:spPr>
-        <p:txBody>
-          <a:bodyPr wrap="square" rtlCol="0">
-            <a:spAutoFit/>
-          </a:bodyPr>
-          <a:lstStyle/>
-          <a:p>
-            <a:r>
-              <a:rPr lang="en-US" altLang="ko-KR" dirty="0" err="1"/>
-              <a:t>Kipris</a:t>
-            </a:r>
-            <a:r>
-              <a:rPr lang="en-US" altLang="ko-KR" dirty="0"/>
-              <a:t> </a:t>
-            </a:r>
-            <a:r>
-              <a:rPr lang="ko-KR" altLang="en-US" dirty="0"/>
-              <a:t>상표권 검색 프로그램 사용 매뉴얼</a:t>
-            </a:r>
-          </a:p>
-        </p:txBody>
-      </p:sp>
-      <p:sp>
-        <p:nvSpPr>
-          <p:cNvPr id="9" name="TextBox 8">
-            <a:extLst>
-              <a:ext uri="{FF2B5EF4-FFF2-40B4-BE49-F238E27FC236}">
-                <a16:creationId xmlns:a16="http://schemas.microsoft.com/office/drawing/2014/main" id="{7F1915D2-87C9-3124-275D-ACE7FB7972B1}"/>
-              </a:ext>
-            </a:extLst>
-          </p:cNvPr>
-          <p:cNvSpPr txBox="1"/>
-          <p:nvPr/>
-        </p:nvSpPr>
-        <p:spPr>
-          <a:xfrm>
-            <a:off x="399011" y="939139"/>
-            <a:ext cx="9476509" cy="369332"/>
-          </a:xfrm>
-          <a:prstGeom prst="rect">
-            <a:avLst/>
-          </a:prstGeom>
-          <a:noFill/>
-        </p:spPr>
-        <p:txBody>
-          <a:bodyPr wrap="square" rtlCol="0">
-            <a:spAutoFit/>
-          </a:bodyPr>
-          <a:lstStyle/>
-          <a:p>
-            <a:r>
-              <a:rPr lang="en-US" altLang="ko-KR" dirty="0"/>
-              <a:t>2) </a:t>
-            </a:r>
-            <a:r>
-              <a:rPr lang="ko-KR" altLang="en-US" dirty="0"/>
-              <a:t>원하는 상표명칭 </a:t>
-            </a:r>
-            <a:r>
-              <a:rPr lang="en-US" altLang="ko-KR" dirty="0"/>
-              <a:t>/ </a:t>
-            </a:r>
-            <a:r>
-              <a:rPr lang="ko-KR" altLang="en-US" dirty="0"/>
-              <a:t>지정상품 입력 및 </a:t>
-            </a:r>
-            <a:r>
-              <a:rPr lang="en-US" altLang="ko-KR" dirty="0"/>
-              <a:t>‘</a:t>
-            </a:r>
-            <a:r>
-              <a:rPr lang="ko-KR" altLang="en-US" dirty="0"/>
-              <a:t>시작</a:t>
-            </a:r>
-            <a:r>
-              <a:rPr lang="en-US" altLang="ko-KR" dirty="0"/>
-              <a:t>’</a:t>
-            </a:r>
-            <a:r>
-              <a:rPr lang="ko-KR" altLang="en-US" dirty="0"/>
-              <a:t> 클릭</a:t>
-            </a:r>
-          </a:p>
-        </p:txBody>
-      </p:sp>
       <p:pic>
         <p:nvPicPr>
-          <p:cNvPr id="13" name="그림 12">
-            <a:extLst>
-              <a:ext uri="{FF2B5EF4-FFF2-40B4-BE49-F238E27FC236}">
-                <a16:creationId xmlns:a16="http://schemas.microsoft.com/office/drawing/2014/main" id="{974784CE-BB6A-ABDC-5F0A-083E20380D74}"/>
+          <p:cNvPr id="7" name="그림 6">
+            <a:extLst>
+              <a:ext uri="{FF2B5EF4-FFF2-40B4-BE49-F238E27FC236}">
+                <a16:creationId xmlns:a16="http://schemas.microsoft.com/office/drawing/2014/main" id="{DB575B73-3F87-2D61-6E4D-7D21ED58B09C}"/>
               </a:ext>
             </a:extLst>
           </p:cNvPr>
@@ -5089,14 +6311,185 @@
         </p:blipFill>
         <p:spPr>
           <a:xfrm>
-            <a:off x="3286720" y="1745674"/>
-            <a:ext cx="3656040" cy="4271950"/>
+            <a:off x="4039823" y="1813470"/>
+            <a:ext cx="3624745" cy="4256403"/>
           </a:xfrm>
           <a:prstGeom prst="rect">
             <a:avLst/>
           </a:prstGeom>
         </p:spPr>
       </p:pic>
+      <p:sp>
+        <p:nvSpPr>
+          <p:cNvPr id="8" name="TextBox 7">
+            <a:extLst>
+              <a:ext uri="{FF2B5EF4-FFF2-40B4-BE49-F238E27FC236}">
+                <a16:creationId xmlns:a16="http://schemas.microsoft.com/office/drawing/2014/main" id="{7B1F6E08-A407-50EE-FE82-9E596BAF83D4}"/>
+              </a:ext>
+            </a:extLst>
+          </p:cNvPr>
+          <p:cNvSpPr txBox="1"/>
+          <p:nvPr/>
+        </p:nvSpPr>
+        <p:spPr>
+          <a:xfrm>
+            <a:off x="7813964" y="1745673"/>
+            <a:ext cx="4256116" cy="646331"/>
+          </a:xfrm>
+          <a:prstGeom prst="rect">
+            <a:avLst/>
+          </a:prstGeom>
+          <a:noFill/>
+        </p:spPr>
+        <p:txBody>
+          <a:bodyPr wrap="square" rtlCol="0">
+            <a:spAutoFit/>
+          </a:bodyPr>
+          <a:lstStyle/>
+          <a:p>
+            <a:r>
+              <a:rPr lang="en-US" altLang="ko-KR" dirty="0"/>
+              <a:t>* </a:t>
+            </a:r>
+            <a:r>
+              <a:rPr lang="ko-KR" altLang="en-US" dirty="0"/>
+              <a:t>다중 검색 활성화 버튼 클릭 시</a:t>
+            </a:r>
+            <a:r>
+              <a:rPr lang="en-US" altLang="ko-KR" dirty="0"/>
+              <a:t>,</a:t>
+            </a:r>
+          </a:p>
+          <a:p>
+            <a:r>
+              <a:rPr lang="ko-KR" altLang="en-US" dirty="0"/>
+              <a:t>  상표명칭 </a:t>
+            </a:r>
+            <a:r>
+              <a:rPr lang="en-US" altLang="ko-KR" dirty="0"/>
+              <a:t>/ </a:t>
+            </a:r>
+            <a:r>
+              <a:rPr lang="ko-KR" altLang="en-US" dirty="0"/>
+              <a:t>지정상품 입력 </a:t>
+            </a:r>
+            <a:r>
+              <a:rPr lang="ko-KR" altLang="en-US" dirty="0" err="1"/>
+              <a:t>안해도</a:t>
+            </a:r>
+            <a:r>
+              <a:rPr lang="ko-KR" altLang="en-US" dirty="0"/>
+              <a:t> 됨</a:t>
+            </a:r>
+          </a:p>
+        </p:txBody>
+      </p:sp>
+      <p:sp>
+        <p:nvSpPr>
+          <p:cNvPr id="6" name="TextBox 5">
+            <a:extLst>
+              <a:ext uri="{FF2B5EF4-FFF2-40B4-BE49-F238E27FC236}">
+                <a16:creationId xmlns:a16="http://schemas.microsoft.com/office/drawing/2014/main" id="{400036FB-1278-451F-BEEA-8CC055484AB0}"/>
+              </a:ext>
+            </a:extLst>
+          </p:cNvPr>
+          <p:cNvSpPr txBox="1"/>
+          <p:nvPr/>
+        </p:nvSpPr>
+        <p:spPr>
+          <a:xfrm>
+            <a:off x="399011" y="266007"/>
+            <a:ext cx="4630189" cy="369332"/>
+          </a:xfrm>
+          <a:prstGeom prst="rect">
+            <a:avLst/>
+          </a:prstGeom>
+          <a:noFill/>
+        </p:spPr>
+        <p:txBody>
+          <a:bodyPr wrap="square" rtlCol="0">
+            <a:spAutoFit/>
+          </a:bodyPr>
+          <a:lstStyle/>
+          <a:p>
+            <a:r>
+              <a:rPr lang="en-US" altLang="ko-KR" dirty="0" err="1"/>
+              <a:t>Kipris</a:t>
+            </a:r>
+            <a:r>
+              <a:rPr lang="en-US" altLang="ko-KR" dirty="0"/>
+              <a:t> </a:t>
+            </a:r>
+            <a:r>
+              <a:rPr lang="ko-KR" altLang="en-US" dirty="0"/>
+              <a:t>상표권 검색 프로그램 사용 매뉴얼</a:t>
+            </a:r>
+          </a:p>
+        </p:txBody>
+      </p:sp>
+      <p:sp>
+        <p:nvSpPr>
+          <p:cNvPr id="9" name="TextBox 8">
+            <a:extLst>
+              <a:ext uri="{FF2B5EF4-FFF2-40B4-BE49-F238E27FC236}">
+                <a16:creationId xmlns:a16="http://schemas.microsoft.com/office/drawing/2014/main" id="{7F1915D2-87C9-3124-275D-ACE7FB7972B1}"/>
+              </a:ext>
+            </a:extLst>
+          </p:cNvPr>
+          <p:cNvSpPr txBox="1"/>
+          <p:nvPr/>
+        </p:nvSpPr>
+        <p:spPr>
+          <a:xfrm>
+            <a:off x="399011" y="939139"/>
+            <a:ext cx="9476509" cy="369332"/>
+          </a:xfrm>
+          <a:prstGeom prst="rect">
+            <a:avLst/>
+          </a:prstGeom>
+          <a:noFill/>
+        </p:spPr>
+        <p:txBody>
+          <a:bodyPr wrap="square" rtlCol="0">
+            <a:spAutoFit/>
+          </a:bodyPr>
+          <a:lstStyle/>
+          <a:p>
+            <a:r>
+              <a:rPr lang="en-US" altLang="ko-KR" dirty="0"/>
+              <a:t>2) </a:t>
+            </a:r>
+            <a:r>
+              <a:rPr lang="ko-KR" altLang="en-US" dirty="0"/>
+              <a:t>원하는 상표명칭 </a:t>
+            </a:r>
+            <a:r>
+              <a:rPr lang="en-US" altLang="ko-KR" dirty="0"/>
+              <a:t>/ </a:t>
+            </a:r>
+            <a:r>
+              <a:rPr lang="ko-KR" altLang="en-US" dirty="0"/>
+              <a:t>지정상품 입력 및 </a:t>
+            </a:r>
+            <a:r>
+              <a:rPr lang="en-US" altLang="ko-KR" dirty="0"/>
+              <a:t>‘</a:t>
+            </a:r>
+            <a:r>
+              <a:rPr lang="ko-KR" altLang="en-US" dirty="0"/>
+              <a:t>시작</a:t>
+            </a:r>
+            <a:r>
+              <a:rPr lang="en-US" altLang="ko-KR" dirty="0"/>
+              <a:t>’</a:t>
+            </a:r>
+            <a:r>
+              <a:rPr lang="ko-KR" altLang="en-US" dirty="0"/>
+              <a:t> 클릭</a:t>
+            </a:r>
+          </a:p>
+        </p:txBody>
+      </p:sp>
     </p:spTree>
     <p:extLst>
       <p:ext uri="{BB962C8B-B14F-4D97-AF65-F5344CB8AC3E}">
@@ -5455,94 +6848,12 @@
           <a:chExt cx="0" cy="0"/>
         </a:xfrm>
       </p:grpSpPr>
-      <p:sp>
-        <p:nvSpPr>
-          <p:cNvPr id="6" name="TextBox 5">
-            <a:extLst>
-              <a:ext uri="{FF2B5EF4-FFF2-40B4-BE49-F238E27FC236}">
-                <a16:creationId xmlns:a16="http://schemas.microsoft.com/office/drawing/2014/main" id="{400036FB-1278-451F-BEEA-8CC055484AB0}"/>
-              </a:ext>
-            </a:extLst>
-          </p:cNvPr>
-          <p:cNvSpPr txBox="1"/>
-          <p:nvPr/>
-        </p:nvSpPr>
-        <p:spPr>
-          <a:xfrm>
-            <a:off x="399011" y="266007"/>
-            <a:ext cx="4630189" cy="369332"/>
-          </a:xfrm>
-          <a:prstGeom prst="rect">
-            <a:avLst/>
-          </a:prstGeom>
-          <a:noFill/>
-        </p:spPr>
-        <p:txBody>
-          <a:bodyPr wrap="square" rtlCol="0">
-            <a:spAutoFit/>
-          </a:bodyPr>
-          <a:lstStyle/>
-          <a:p>
-            <a:r>
-              <a:rPr lang="en-US" altLang="ko-KR" dirty="0" err="1"/>
-              <a:t>Kipris</a:t>
-            </a:r>
-            <a:r>
-              <a:rPr lang="en-US" altLang="ko-KR" dirty="0"/>
-              <a:t> </a:t>
-            </a:r>
-            <a:r>
-              <a:rPr lang="ko-KR" altLang="en-US" dirty="0"/>
-              <a:t>상표권 검색 프로그램 사용 매뉴얼</a:t>
-            </a:r>
-          </a:p>
-        </p:txBody>
-      </p:sp>
-      <p:sp>
-        <p:nvSpPr>
-          <p:cNvPr id="9" name="TextBox 8">
-            <a:extLst>
-              <a:ext uri="{FF2B5EF4-FFF2-40B4-BE49-F238E27FC236}">
-                <a16:creationId xmlns:a16="http://schemas.microsoft.com/office/drawing/2014/main" id="{7F1915D2-87C9-3124-275D-ACE7FB7972B1}"/>
-              </a:ext>
-            </a:extLst>
-          </p:cNvPr>
-          <p:cNvSpPr txBox="1"/>
-          <p:nvPr/>
-        </p:nvSpPr>
-        <p:spPr>
-          <a:xfrm>
-            <a:off x="399011" y="939139"/>
-            <a:ext cx="9476509" cy="369332"/>
-          </a:xfrm>
-          <a:prstGeom prst="rect">
-            <a:avLst/>
-          </a:prstGeom>
-          <a:noFill/>
-        </p:spPr>
-        <p:txBody>
-          <a:bodyPr wrap="square" rtlCol="0">
-            <a:spAutoFit/>
-          </a:bodyPr>
-          <a:lstStyle/>
-          <a:p>
-            <a:r>
-              <a:rPr lang="en-US" altLang="ko-KR" dirty="0"/>
-              <a:t>4) </a:t>
-            </a:r>
-            <a:r>
-              <a:rPr lang="ko-KR" altLang="en-US" dirty="0"/>
-              <a:t>상표권 유무 확인</a:t>
-            </a:r>
-          </a:p>
-        </p:txBody>
-      </p:sp>
       <p:pic>
         <p:nvPicPr>
-          <p:cNvPr id="17" name="그림 16">
-            <a:extLst>
-              <a:ext uri="{FF2B5EF4-FFF2-40B4-BE49-F238E27FC236}">
-                <a16:creationId xmlns:a16="http://schemas.microsoft.com/office/drawing/2014/main" id="{F6245978-9725-5ED0-4A89-80F1145F9703}"/>
+          <p:cNvPr id="5" name="그림 4">
+            <a:extLst>
+              <a:ext uri="{FF2B5EF4-FFF2-40B4-BE49-F238E27FC236}">
+                <a16:creationId xmlns:a16="http://schemas.microsoft.com/office/drawing/2014/main" id="{CFE10447-EA00-628E-DA2A-5B37AF0F223F}"/>
               </a:ext>
             </a:extLst>
           </p:cNvPr>
@@ -5559,20 +6870,102 @@
         </p:blipFill>
         <p:spPr>
           <a:xfrm>
-            <a:off x="399011" y="1600595"/>
-            <a:ext cx="7305801" cy="4318266"/>
+            <a:off x="8027682" y="1574692"/>
+            <a:ext cx="3765308" cy="4421461"/>
           </a:xfrm>
           <a:prstGeom prst="rect">
             <a:avLst/>
           </a:prstGeom>
         </p:spPr>
       </p:pic>
+      <p:sp>
+        <p:nvSpPr>
+          <p:cNvPr id="6" name="TextBox 5">
+            <a:extLst>
+              <a:ext uri="{FF2B5EF4-FFF2-40B4-BE49-F238E27FC236}">
+                <a16:creationId xmlns:a16="http://schemas.microsoft.com/office/drawing/2014/main" id="{400036FB-1278-451F-BEEA-8CC055484AB0}"/>
+              </a:ext>
+            </a:extLst>
+          </p:cNvPr>
+          <p:cNvSpPr txBox="1"/>
+          <p:nvPr/>
+        </p:nvSpPr>
+        <p:spPr>
+          <a:xfrm>
+            <a:off x="399011" y="266007"/>
+            <a:ext cx="4630189" cy="369332"/>
+          </a:xfrm>
+          <a:prstGeom prst="rect">
+            <a:avLst/>
+          </a:prstGeom>
+          <a:noFill/>
+        </p:spPr>
+        <p:txBody>
+          <a:bodyPr wrap="square" rtlCol="0">
+            <a:spAutoFit/>
+          </a:bodyPr>
+          <a:lstStyle/>
+          <a:p>
+            <a:r>
+              <a:rPr lang="en-US" altLang="ko-KR" dirty="0" err="1"/>
+              <a:t>Kipris</a:t>
+            </a:r>
+            <a:r>
+              <a:rPr lang="en-US" altLang="ko-KR" dirty="0"/>
+              <a:t> </a:t>
+            </a:r>
+            <a:r>
+              <a:rPr lang="ko-KR" altLang="en-US" dirty="0"/>
+              <a:t>상표권 검색 프로그램 사용 매뉴얼</a:t>
+            </a:r>
+          </a:p>
+        </p:txBody>
+      </p:sp>
+      <p:sp>
+        <p:nvSpPr>
+          <p:cNvPr id="9" name="TextBox 8">
+            <a:extLst>
+              <a:ext uri="{FF2B5EF4-FFF2-40B4-BE49-F238E27FC236}">
+                <a16:creationId xmlns:a16="http://schemas.microsoft.com/office/drawing/2014/main" id="{7F1915D2-87C9-3124-275D-ACE7FB7972B1}"/>
+              </a:ext>
+            </a:extLst>
+          </p:cNvPr>
+          <p:cNvSpPr txBox="1"/>
+          <p:nvPr/>
+        </p:nvSpPr>
+        <p:spPr>
+          <a:xfrm>
+            <a:off x="399011" y="939139"/>
+            <a:ext cx="9476509" cy="369332"/>
+          </a:xfrm>
+          <a:prstGeom prst="rect">
+            <a:avLst/>
+          </a:prstGeom>
+          <a:noFill/>
+        </p:spPr>
+        <p:txBody>
+          <a:bodyPr wrap="square" rtlCol="0">
+            <a:spAutoFit/>
+          </a:bodyPr>
+          <a:lstStyle/>
+          <a:p>
+            <a:r>
+              <a:rPr lang="en-US" altLang="ko-KR" dirty="0"/>
+              <a:t>4) </a:t>
+            </a:r>
+            <a:r>
+              <a:rPr lang="ko-KR" altLang="en-US" dirty="0"/>
+              <a:t>상표권 유무 확인</a:t>
+            </a:r>
+          </a:p>
+        </p:txBody>
+      </p:sp>
       <p:pic>
         <p:nvPicPr>
-          <p:cNvPr id="19" name="그림 18">
-            <a:extLst>
-              <a:ext uri="{FF2B5EF4-FFF2-40B4-BE49-F238E27FC236}">
-                <a16:creationId xmlns:a16="http://schemas.microsoft.com/office/drawing/2014/main" id="{44BF4589-0DA7-1B2B-3AA4-7961CF418603}"/>
+          <p:cNvPr id="17" name="그림 16">
+            <a:extLst>
+              <a:ext uri="{FF2B5EF4-FFF2-40B4-BE49-F238E27FC236}">
+                <a16:creationId xmlns:a16="http://schemas.microsoft.com/office/drawing/2014/main" id="{F6245978-9725-5ED0-4A89-80F1145F9703}"/>
               </a:ext>
             </a:extLst>
           </p:cNvPr>
@@ -5589,8 +6982,8 @@
         </p:blipFill>
         <p:spPr>
           <a:xfrm>
-            <a:off x="8027681" y="1612271"/>
-            <a:ext cx="3695678" cy="4318266"/>
+            <a:off x="399011" y="1600595"/>
+            <a:ext cx="7305801" cy="4318266"/>
           </a:xfrm>
           <a:prstGeom prst="rect">
             <a:avLst/>
@@ -5601,6 +6994,590 @@
     <p:extLst>
       <p:ext uri="{BB962C8B-B14F-4D97-AF65-F5344CB8AC3E}">
         <p14:creationId xmlns:p14="http://schemas.microsoft.com/office/powerpoint/2010/main" val="1141192482"/>
+      </p:ext>
+    </p:extLst>
+  </p:cSld>
+  <p:clrMapOvr>
+    <a:masterClrMapping/>
+  </p:clrMapOvr>
+</p:sld>
+</file>
+
+<file path=ppt/slides/slide8.xml><?xml version="1.0" encoding="utf-8"?>
+<p:sld xmlns:a="http://schemas.openxmlformats.org/drawingml/2006/main" xmlns:r="http://schemas.openxmlformats.org/officeDocument/2006/relationships" xmlns:p="http://schemas.openxmlformats.org/presentationml/2006/main">
+  <p:cSld>
+    <p:spTree>
+      <p:nvGrpSpPr>
+        <p:cNvPr id="1" name=""/>
+        <p:cNvGrpSpPr/>
+        <p:nvPr/>
+      </p:nvGrpSpPr>
+      <p:grpSpPr>
+        <a:xfrm>
+          <a:off x="0" y="0"/>
+          <a:ext cx="0" cy="0"/>
+          <a:chOff x="0" y="0"/>
+          <a:chExt cx="0" cy="0"/>
+        </a:xfrm>
+      </p:grpSpPr>
+      <p:pic>
+        <p:nvPicPr>
+          <p:cNvPr id="11" name="그림 10">
+            <a:extLst>
+              <a:ext uri="{FF2B5EF4-FFF2-40B4-BE49-F238E27FC236}">
+                <a16:creationId xmlns:a16="http://schemas.microsoft.com/office/drawing/2014/main" id="{F81BBBD4-A656-BBCD-F5C0-6C71CD280D9E}"/>
+              </a:ext>
+            </a:extLst>
+          </p:cNvPr>
+          <p:cNvPicPr>
+            <a:picLocks noChangeAspect="1"/>
+          </p:cNvPicPr>
+          <p:nvPr/>
+        </p:nvPicPr>
+        <p:blipFill>
+          <a:blip r:embed="rId2"/>
+          <a:stretch>
+            <a:fillRect/>
+          </a:stretch>
+        </p:blipFill>
+        <p:spPr>
+          <a:xfrm>
+            <a:off x="7005737" y="1123805"/>
+            <a:ext cx="3551369" cy="4170241"/>
+          </a:xfrm>
+          <a:prstGeom prst="rect">
+            <a:avLst/>
+          </a:prstGeom>
+        </p:spPr>
+      </p:pic>
+      <p:sp>
+        <p:nvSpPr>
+          <p:cNvPr id="8" name="TextBox 7">
+            <a:extLst>
+              <a:ext uri="{FF2B5EF4-FFF2-40B4-BE49-F238E27FC236}">
+                <a16:creationId xmlns:a16="http://schemas.microsoft.com/office/drawing/2014/main" id="{7B1F6E08-A407-50EE-FE82-9E596BAF83D4}"/>
+              </a:ext>
+            </a:extLst>
+          </p:cNvPr>
+          <p:cNvSpPr txBox="1"/>
+          <p:nvPr/>
+        </p:nvSpPr>
+        <p:spPr>
+          <a:xfrm>
+            <a:off x="1221575" y="4771185"/>
+            <a:ext cx="4256116" cy="923330"/>
+          </a:xfrm>
+          <a:prstGeom prst="rect">
+            <a:avLst/>
+          </a:prstGeom>
+          <a:noFill/>
+        </p:spPr>
+        <p:txBody>
+          <a:bodyPr wrap="square" rtlCol="0">
+            <a:spAutoFit/>
+          </a:bodyPr>
+          <a:lstStyle/>
+          <a:p>
+            <a:pPr marL="342900" indent="-342900">
+              <a:buAutoNum type="arabicParenR"/>
+            </a:pPr>
+            <a:r>
+              <a:rPr lang="ko-KR" altLang="en-US" dirty="0"/>
+              <a:t>파일 경로 버튼 클릭</a:t>
+            </a:r>
+            <a:endParaRPr lang="en-US" altLang="ko-KR" dirty="0"/>
+          </a:p>
+          <a:p>
+            <a:pPr marL="342900" indent="-342900">
+              <a:buAutoNum type="arabicParenR"/>
+            </a:pPr>
+            <a:r>
+              <a:rPr lang="ko-KR" altLang="en-US" dirty="0" err="1"/>
+              <a:t>알리익스프레스</a:t>
+            </a:r>
+            <a:r>
+              <a:rPr lang="ko-KR" altLang="en-US" dirty="0"/>
+              <a:t> 수집 프로그램으로 수집한 데이터 선택</a:t>
+            </a:r>
+          </a:p>
+        </p:txBody>
+      </p:sp>
+      <p:sp>
+        <p:nvSpPr>
+          <p:cNvPr id="6" name="TextBox 5">
+            <a:extLst>
+              <a:ext uri="{FF2B5EF4-FFF2-40B4-BE49-F238E27FC236}">
+                <a16:creationId xmlns:a16="http://schemas.microsoft.com/office/drawing/2014/main" id="{400036FB-1278-451F-BEEA-8CC055484AB0}"/>
+              </a:ext>
+            </a:extLst>
+          </p:cNvPr>
+          <p:cNvSpPr txBox="1"/>
+          <p:nvPr/>
+        </p:nvSpPr>
+        <p:spPr>
+          <a:xfrm>
+            <a:off x="399011" y="266007"/>
+            <a:ext cx="4630189" cy="369332"/>
+          </a:xfrm>
+          <a:prstGeom prst="rect">
+            <a:avLst/>
+          </a:prstGeom>
+          <a:noFill/>
+        </p:spPr>
+        <p:txBody>
+          <a:bodyPr wrap="square" rtlCol="0">
+            <a:spAutoFit/>
+          </a:bodyPr>
+          <a:lstStyle/>
+          <a:p>
+            <a:r>
+              <a:rPr lang="en-US" altLang="ko-KR" dirty="0" err="1"/>
+              <a:t>Kipris</a:t>
+            </a:r>
+            <a:r>
+              <a:rPr lang="en-US" altLang="ko-KR" dirty="0"/>
+              <a:t> </a:t>
+            </a:r>
+            <a:r>
+              <a:rPr lang="ko-KR" altLang="en-US" dirty="0"/>
+              <a:t>상표권 검색 프로그램 사용 매뉴얼</a:t>
+            </a:r>
+          </a:p>
+        </p:txBody>
+      </p:sp>
+      <p:sp>
+        <p:nvSpPr>
+          <p:cNvPr id="9" name="TextBox 8">
+            <a:extLst>
+              <a:ext uri="{FF2B5EF4-FFF2-40B4-BE49-F238E27FC236}">
+                <a16:creationId xmlns:a16="http://schemas.microsoft.com/office/drawing/2014/main" id="{7F1915D2-87C9-3124-275D-ACE7FB7972B1}"/>
+              </a:ext>
+            </a:extLst>
+          </p:cNvPr>
+          <p:cNvSpPr txBox="1"/>
+          <p:nvPr/>
+        </p:nvSpPr>
+        <p:spPr>
+          <a:xfrm>
+            <a:off x="399011" y="939139"/>
+            <a:ext cx="9476509" cy="369332"/>
+          </a:xfrm>
+          <a:prstGeom prst="rect">
+            <a:avLst/>
+          </a:prstGeom>
+          <a:noFill/>
+        </p:spPr>
+        <p:txBody>
+          <a:bodyPr wrap="square" rtlCol="0">
+            <a:spAutoFit/>
+          </a:bodyPr>
+          <a:lstStyle/>
+          <a:p>
+            <a:r>
+              <a:rPr lang="en-US" altLang="ko-KR" dirty="0"/>
+              <a:t>** </a:t>
+            </a:r>
+            <a:r>
+              <a:rPr lang="ko-KR" altLang="en-US" dirty="0"/>
+              <a:t>상품명 분석 기능</a:t>
+            </a:r>
+          </a:p>
+        </p:txBody>
+      </p:sp>
+      <p:pic>
+        <p:nvPicPr>
+          <p:cNvPr id="5" name="그림 4">
+            <a:extLst>
+              <a:ext uri="{FF2B5EF4-FFF2-40B4-BE49-F238E27FC236}">
+                <a16:creationId xmlns:a16="http://schemas.microsoft.com/office/drawing/2014/main" id="{25C3873F-6D8E-5F73-A8B8-A828CEB0EC35}"/>
+              </a:ext>
+            </a:extLst>
+          </p:cNvPr>
+          <p:cNvPicPr>
+            <a:picLocks noChangeAspect="1"/>
+          </p:cNvPicPr>
+          <p:nvPr/>
+        </p:nvPicPr>
+        <p:blipFill>
+          <a:blip r:embed="rId3"/>
+          <a:stretch>
+            <a:fillRect/>
+          </a:stretch>
+        </p:blipFill>
+        <p:spPr>
+          <a:xfrm>
+            <a:off x="1221575" y="1625150"/>
+            <a:ext cx="5160052" cy="2907302"/>
+          </a:xfrm>
+          <a:prstGeom prst="rect">
+            <a:avLst/>
+          </a:prstGeom>
+        </p:spPr>
+      </p:pic>
+      <p:sp>
+        <p:nvSpPr>
+          <p:cNvPr id="7" name="직사각형 6">
+            <a:extLst>
+              <a:ext uri="{FF2B5EF4-FFF2-40B4-BE49-F238E27FC236}">
+                <a16:creationId xmlns:a16="http://schemas.microsoft.com/office/drawing/2014/main" id="{1590BEBE-493B-68FF-F395-155DEA672278}"/>
+              </a:ext>
+            </a:extLst>
+          </p:cNvPr>
+          <p:cNvSpPr/>
+          <p:nvPr/>
+        </p:nvSpPr>
+        <p:spPr>
+          <a:xfrm>
+            <a:off x="7005737" y="2484480"/>
+            <a:ext cx="685224" cy="205047"/>
+          </a:xfrm>
+          <a:prstGeom prst="rect">
+            <a:avLst/>
+          </a:prstGeom>
+          <a:noFill/>
+          <a:ln w="28575">
+            <a:solidFill>
+              <a:srgbClr val="FF0000"/>
+            </a:solidFill>
+          </a:ln>
+        </p:spPr>
+        <p:style>
+          <a:lnRef idx="2">
+            <a:schemeClr val="accent1">
+              <a:shade val="15000"/>
+            </a:schemeClr>
+          </a:lnRef>
+          <a:fillRef idx="1">
+            <a:schemeClr val="accent1"/>
+          </a:fillRef>
+          <a:effectRef idx="0">
+            <a:schemeClr val="accent1"/>
+          </a:effectRef>
+          <a:fontRef idx="minor">
+            <a:schemeClr val="lt1"/>
+          </a:fontRef>
+        </p:style>
+        <p:txBody>
+          <a:bodyPr rtlCol="0" anchor="ctr"/>
+          <a:lstStyle/>
+          <a:p>
+            <a:pPr algn="ctr"/>
+            <a:endParaRPr lang="ko-KR" altLang="en-US"/>
+          </a:p>
+        </p:txBody>
+      </p:sp>
+    </p:spTree>
+    <p:extLst>
+      <p:ext uri="{BB962C8B-B14F-4D97-AF65-F5344CB8AC3E}">
+        <p14:creationId xmlns:p14="http://schemas.microsoft.com/office/powerpoint/2010/main" val="4168086023"/>
+      </p:ext>
+    </p:extLst>
+  </p:cSld>
+  <p:clrMapOvr>
+    <a:masterClrMapping/>
+  </p:clrMapOvr>
+</p:sld>
+</file>
+
+<file path=ppt/slides/slide9.xml><?xml version="1.0" encoding="utf-8"?>
+<p:sld xmlns:a="http://schemas.openxmlformats.org/drawingml/2006/main" xmlns:r="http://schemas.openxmlformats.org/officeDocument/2006/relationships" xmlns:p="http://schemas.openxmlformats.org/presentationml/2006/main">
+  <p:cSld>
+    <p:spTree>
+      <p:nvGrpSpPr>
+        <p:cNvPr id="1" name=""/>
+        <p:cNvGrpSpPr/>
+        <p:nvPr/>
+      </p:nvGrpSpPr>
+      <p:grpSpPr>
+        <a:xfrm>
+          <a:off x="0" y="0"/>
+          <a:ext cx="0" cy="0"/>
+          <a:chOff x="0" y="0"/>
+          <a:chExt cx="0" cy="0"/>
+        </a:xfrm>
+      </p:grpSpPr>
+      <p:pic>
+        <p:nvPicPr>
+          <p:cNvPr id="15" name="그림 14">
+            <a:extLst>
+              <a:ext uri="{FF2B5EF4-FFF2-40B4-BE49-F238E27FC236}">
+                <a16:creationId xmlns:a16="http://schemas.microsoft.com/office/drawing/2014/main" id="{B0E12D0C-B2BA-2CBF-60E9-02ED65920D2E}"/>
+              </a:ext>
+            </a:extLst>
+          </p:cNvPr>
+          <p:cNvPicPr>
+            <a:picLocks noChangeAspect="1"/>
+          </p:cNvPicPr>
+          <p:nvPr/>
+        </p:nvPicPr>
+        <p:blipFill>
+          <a:blip r:embed="rId2"/>
+          <a:stretch>
+            <a:fillRect/>
+          </a:stretch>
+        </p:blipFill>
+        <p:spPr>
+          <a:xfrm>
+            <a:off x="1219501" y="2177863"/>
+            <a:ext cx="3551369" cy="4170241"/>
+          </a:xfrm>
+          <a:prstGeom prst="rect">
+            <a:avLst/>
+          </a:prstGeom>
+        </p:spPr>
+      </p:pic>
+      <p:sp>
+        <p:nvSpPr>
+          <p:cNvPr id="8" name="TextBox 7">
+            <a:extLst>
+              <a:ext uri="{FF2B5EF4-FFF2-40B4-BE49-F238E27FC236}">
+                <a16:creationId xmlns:a16="http://schemas.microsoft.com/office/drawing/2014/main" id="{7B1F6E08-A407-50EE-FE82-9E596BAF83D4}"/>
+              </a:ext>
+            </a:extLst>
+          </p:cNvPr>
+          <p:cNvSpPr txBox="1"/>
+          <p:nvPr/>
+        </p:nvSpPr>
+        <p:spPr>
+          <a:xfrm>
+            <a:off x="399011" y="1561150"/>
+            <a:ext cx="4256116" cy="369332"/>
+          </a:xfrm>
+          <a:prstGeom prst="rect">
+            <a:avLst/>
+          </a:prstGeom>
+          <a:noFill/>
+        </p:spPr>
+        <p:txBody>
+          <a:bodyPr wrap="square" rtlCol="0">
+            <a:spAutoFit/>
+          </a:bodyPr>
+          <a:lstStyle/>
+          <a:p>
+            <a:r>
+              <a:rPr lang="en-US" altLang="ko-KR" dirty="0"/>
+              <a:t>3) </a:t>
+            </a:r>
+            <a:r>
+              <a:rPr lang="ko-KR" altLang="en-US" dirty="0"/>
+              <a:t>상품명 분석 버튼 클릭</a:t>
+            </a:r>
+            <a:endParaRPr lang="en-US" altLang="ko-KR" dirty="0"/>
+          </a:p>
+        </p:txBody>
+      </p:sp>
+      <p:sp>
+        <p:nvSpPr>
+          <p:cNvPr id="6" name="TextBox 5">
+            <a:extLst>
+              <a:ext uri="{FF2B5EF4-FFF2-40B4-BE49-F238E27FC236}">
+                <a16:creationId xmlns:a16="http://schemas.microsoft.com/office/drawing/2014/main" id="{400036FB-1278-451F-BEEA-8CC055484AB0}"/>
+              </a:ext>
+            </a:extLst>
+          </p:cNvPr>
+          <p:cNvSpPr txBox="1"/>
+          <p:nvPr/>
+        </p:nvSpPr>
+        <p:spPr>
+          <a:xfrm>
+            <a:off x="399011" y="266007"/>
+            <a:ext cx="4630189" cy="369332"/>
+          </a:xfrm>
+          <a:prstGeom prst="rect">
+            <a:avLst/>
+          </a:prstGeom>
+          <a:noFill/>
+        </p:spPr>
+        <p:txBody>
+          <a:bodyPr wrap="square" rtlCol="0">
+            <a:spAutoFit/>
+          </a:bodyPr>
+          <a:lstStyle/>
+          <a:p>
+            <a:r>
+              <a:rPr lang="en-US" altLang="ko-KR" dirty="0" err="1"/>
+              <a:t>Kipris</a:t>
+            </a:r>
+            <a:r>
+              <a:rPr lang="en-US" altLang="ko-KR" dirty="0"/>
+              <a:t> </a:t>
+            </a:r>
+            <a:r>
+              <a:rPr lang="ko-KR" altLang="en-US" dirty="0"/>
+              <a:t>상표권 검색 프로그램 사용 매뉴얼</a:t>
+            </a:r>
+          </a:p>
+        </p:txBody>
+      </p:sp>
+      <p:sp>
+        <p:nvSpPr>
+          <p:cNvPr id="9" name="TextBox 8">
+            <a:extLst>
+              <a:ext uri="{FF2B5EF4-FFF2-40B4-BE49-F238E27FC236}">
+                <a16:creationId xmlns:a16="http://schemas.microsoft.com/office/drawing/2014/main" id="{7F1915D2-87C9-3124-275D-ACE7FB7972B1}"/>
+              </a:ext>
+            </a:extLst>
+          </p:cNvPr>
+          <p:cNvSpPr txBox="1"/>
+          <p:nvPr/>
+        </p:nvSpPr>
+        <p:spPr>
+          <a:xfrm>
+            <a:off x="399011" y="939139"/>
+            <a:ext cx="9476509" cy="369332"/>
+          </a:xfrm>
+          <a:prstGeom prst="rect">
+            <a:avLst/>
+          </a:prstGeom>
+          <a:noFill/>
+        </p:spPr>
+        <p:txBody>
+          <a:bodyPr wrap="square" rtlCol="0">
+            <a:spAutoFit/>
+          </a:bodyPr>
+          <a:lstStyle/>
+          <a:p>
+            <a:r>
+              <a:rPr lang="en-US" altLang="ko-KR" dirty="0"/>
+              <a:t>** </a:t>
+            </a:r>
+            <a:r>
+              <a:rPr lang="ko-KR" altLang="en-US" dirty="0"/>
+              <a:t>상품명 분석 기능</a:t>
+            </a:r>
+          </a:p>
+        </p:txBody>
+      </p:sp>
+      <p:sp>
+        <p:nvSpPr>
+          <p:cNvPr id="7" name="직사각형 6">
+            <a:extLst>
+              <a:ext uri="{FF2B5EF4-FFF2-40B4-BE49-F238E27FC236}">
+                <a16:creationId xmlns:a16="http://schemas.microsoft.com/office/drawing/2014/main" id="{1590BEBE-493B-68FF-F395-155DEA672278}"/>
+              </a:ext>
+            </a:extLst>
+          </p:cNvPr>
+          <p:cNvSpPr/>
+          <p:nvPr/>
+        </p:nvSpPr>
+        <p:spPr>
+          <a:xfrm>
+            <a:off x="1940421" y="3738050"/>
+            <a:ext cx="685224" cy="205047"/>
+          </a:xfrm>
+          <a:prstGeom prst="rect">
+            <a:avLst/>
+          </a:prstGeom>
+          <a:noFill/>
+          <a:ln w="28575">
+            <a:solidFill>
+              <a:srgbClr val="FF0000"/>
+            </a:solidFill>
+          </a:ln>
+        </p:spPr>
+        <p:style>
+          <a:lnRef idx="2">
+            <a:schemeClr val="accent1">
+              <a:shade val="15000"/>
+            </a:schemeClr>
+          </a:lnRef>
+          <a:fillRef idx="1">
+            <a:schemeClr val="accent1"/>
+          </a:fillRef>
+          <a:effectRef idx="0">
+            <a:schemeClr val="accent1"/>
+          </a:effectRef>
+          <a:fontRef idx="minor">
+            <a:schemeClr val="lt1"/>
+          </a:fontRef>
+        </p:style>
+        <p:txBody>
+          <a:bodyPr rtlCol="0" anchor="ctr"/>
+          <a:lstStyle/>
+          <a:p>
+            <a:pPr algn="ctr"/>
+            <a:endParaRPr lang="ko-KR" altLang="en-US"/>
+          </a:p>
+        </p:txBody>
+      </p:sp>
+      <p:cxnSp>
+        <p:nvCxnSpPr>
+          <p:cNvPr id="11" name="직선 화살표 연결선 10">
+            <a:extLst>
+              <a:ext uri="{FF2B5EF4-FFF2-40B4-BE49-F238E27FC236}">
+                <a16:creationId xmlns:a16="http://schemas.microsoft.com/office/drawing/2014/main" id="{BAF1DB42-C9CA-276A-1E2C-465EAF05FB26}"/>
+              </a:ext>
+            </a:extLst>
+          </p:cNvPr>
+          <p:cNvCxnSpPr>
+            <a:cxnSpLocks/>
+          </p:cNvCxnSpPr>
+          <p:nvPr/>
+        </p:nvCxnSpPr>
+        <p:spPr>
+          <a:xfrm>
+            <a:off x="4946468" y="4125977"/>
+            <a:ext cx="1578144" cy="0"/>
+          </a:xfrm>
+          <a:prstGeom prst="straightConnector1">
+            <a:avLst/>
+          </a:prstGeom>
+          <a:ln>
+            <a:solidFill>
+              <a:schemeClr val="tx1"/>
+            </a:solidFill>
+            <a:tailEnd type="triangle"/>
+          </a:ln>
+        </p:spPr>
+        <p:style>
+          <a:lnRef idx="1">
+            <a:schemeClr val="accent1"/>
+          </a:lnRef>
+          <a:fillRef idx="0">
+            <a:schemeClr val="accent1"/>
+          </a:fillRef>
+          <a:effectRef idx="0">
+            <a:schemeClr val="accent1"/>
+          </a:effectRef>
+          <a:fontRef idx="minor">
+            <a:schemeClr val="tx1"/>
+          </a:fontRef>
+        </p:style>
+      </p:cxnSp>
+      <p:pic>
+        <p:nvPicPr>
+          <p:cNvPr id="14" name="그림 13">
+            <a:extLst>
+              <a:ext uri="{FF2B5EF4-FFF2-40B4-BE49-F238E27FC236}">
+                <a16:creationId xmlns:a16="http://schemas.microsoft.com/office/drawing/2014/main" id="{45E63BFF-EA6D-0710-0A91-E8072ED8BF06}"/>
+              </a:ext>
+            </a:extLst>
+          </p:cNvPr>
+          <p:cNvPicPr>
+            <a:picLocks noChangeAspect="1"/>
+          </p:cNvPicPr>
+          <p:nvPr/>
+        </p:nvPicPr>
+        <p:blipFill>
+          <a:blip r:embed="rId3"/>
+          <a:stretch>
+            <a:fillRect/>
+          </a:stretch>
+        </p:blipFill>
+        <p:spPr>
+          <a:xfrm>
+            <a:off x="6650885" y="2177864"/>
+            <a:ext cx="3600694" cy="4228160"/>
+          </a:xfrm>
+          <a:prstGeom prst="rect">
+            <a:avLst/>
+          </a:prstGeom>
+        </p:spPr>
+      </p:pic>
+    </p:spTree>
+    <p:extLst>
+      <p:ext uri="{BB962C8B-B14F-4D97-AF65-F5344CB8AC3E}">
+        <p14:creationId xmlns:p14="http://schemas.microsoft.com/office/powerpoint/2010/main" val="639929001"/>
       </p:ext>
     </p:extLst>
   </p:cSld>

--- a/ScratchingKipris/사용매뉴얼.pptx
+++ b/ScratchingKipris/사용매뉴얼.pptx
@@ -15,7 +15,9 @@
     <p:sldId id="277" r:id="rId9"/>
     <p:sldId id="279" r:id="rId10"/>
     <p:sldId id="280" r:id="rId11"/>
-    <p:sldId id="278" r:id="rId12"/>
+    <p:sldId id="281" r:id="rId12"/>
+    <p:sldId id="278" r:id="rId13"/>
+    <p:sldId id="282" r:id="rId14"/>
   </p:sldIdLst>
   <p:sldSz cx="12192000" cy="6858000"/>
   <p:notesSz cx="6858000" cy="9144000"/>
@@ -269,7 +271,7 @@
           <a:p>
             <a:fld id="{2019EA92-DCA8-4E93-8FB4-81C6C817D5E7}" type="datetimeFigureOut">
               <a:rPr lang="ko-KR" altLang="en-US" smtClean="0"/>
-              <a:t>2024-01-14</a:t>
+              <a:t>2024-01-27</a:t>
             </a:fld>
             <a:endParaRPr lang="ko-KR" altLang="en-US"/>
           </a:p>
@@ -467,7 +469,7 @@
           <a:p>
             <a:fld id="{2019EA92-DCA8-4E93-8FB4-81C6C817D5E7}" type="datetimeFigureOut">
               <a:rPr lang="ko-KR" altLang="en-US" smtClean="0"/>
-              <a:t>2024-01-14</a:t>
+              <a:t>2024-01-27</a:t>
             </a:fld>
             <a:endParaRPr lang="ko-KR" altLang="en-US"/>
           </a:p>
@@ -675,7 +677,7 @@
           <a:p>
             <a:fld id="{2019EA92-DCA8-4E93-8FB4-81C6C817D5E7}" type="datetimeFigureOut">
               <a:rPr lang="ko-KR" altLang="en-US" smtClean="0"/>
-              <a:t>2024-01-14</a:t>
+              <a:t>2024-01-27</a:t>
             </a:fld>
             <a:endParaRPr lang="ko-KR" altLang="en-US"/>
           </a:p>
@@ -873,7 +875,7 @@
           <a:p>
             <a:fld id="{2019EA92-DCA8-4E93-8FB4-81C6C817D5E7}" type="datetimeFigureOut">
               <a:rPr lang="ko-KR" altLang="en-US" smtClean="0"/>
-              <a:t>2024-01-14</a:t>
+              <a:t>2024-01-27</a:t>
             </a:fld>
             <a:endParaRPr lang="ko-KR" altLang="en-US"/>
           </a:p>
@@ -1148,7 +1150,7 @@
           <a:p>
             <a:fld id="{2019EA92-DCA8-4E93-8FB4-81C6C817D5E7}" type="datetimeFigureOut">
               <a:rPr lang="ko-KR" altLang="en-US" smtClean="0"/>
-              <a:t>2024-01-14</a:t>
+              <a:t>2024-01-27</a:t>
             </a:fld>
             <a:endParaRPr lang="ko-KR" altLang="en-US"/>
           </a:p>
@@ -1413,7 +1415,7 @@
           <a:p>
             <a:fld id="{2019EA92-DCA8-4E93-8FB4-81C6C817D5E7}" type="datetimeFigureOut">
               <a:rPr lang="ko-KR" altLang="en-US" smtClean="0"/>
-              <a:t>2024-01-14</a:t>
+              <a:t>2024-01-27</a:t>
             </a:fld>
             <a:endParaRPr lang="ko-KR" altLang="en-US"/>
           </a:p>
@@ -1825,7 +1827,7 @@
           <a:p>
             <a:fld id="{2019EA92-DCA8-4E93-8FB4-81C6C817D5E7}" type="datetimeFigureOut">
               <a:rPr lang="ko-KR" altLang="en-US" smtClean="0"/>
-              <a:t>2024-01-14</a:t>
+              <a:t>2024-01-27</a:t>
             </a:fld>
             <a:endParaRPr lang="ko-KR" altLang="en-US"/>
           </a:p>
@@ -1966,7 +1968,7 @@
           <a:p>
             <a:fld id="{2019EA92-DCA8-4E93-8FB4-81C6C817D5E7}" type="datetimeFigureOut">
               <a:rPr lang="ko-KR" altLang="en-US" smtClean="0"/>
-              <a:t>2024-01-14</a:t>
+              <a:t>2024-01-27</a:t>
             </a:fld>
             <a:endParaRPr lang="ko-KR" altLang="en-US"/>
           </a:p>
@@ -2079,7 +2081,7 @@
           <a:p>
             <a:fld id="{2019EA92-DCA8-4E93-8FB4-81C6C817D5E7}" type="datetimeFigureOut">
               <a:rPr lang="ko-KR" altLang="en-US" smtClean="0"/>
-              <a:t>2024-01-14</a:t>
+              <a:t>2024-01-27</a:t>
             </a:fld>
             <a:endParaRPr lang="ko-KR" altLang="en-US"/>
           </a:p>
@@ -2390,7 +2392,7 @@
           <a:p>
             <a:fld id="{2019EA92-DCA8-4E93-8FB4-81C6C817D5E7}" type="datetimeFigureOut">
               <a:rPr lang="ko-KR" altLang="en-US" smtClean="0"/>
-              <a:t>2024-01-14</a:t>
+              <a:t>2024-01-27</a:t>
             </a:fld>
             <a:endParaRPr lang="ko-KR" altLang="en-US"/>
           </a:p>
@@ -2678,7 +2680,7 @@
           <a:p>
             <a:fld id="{2019EA92-DCA8-4E93-8FB4-81C6C817D5E7}" type="datetimeFigureOut">
               <a:rPr lang="ko-KR" altLang="en-US" smtClean="0"/>
-              <a:t>2024-01-14</a:t>
+              <a:t>2024-01-27</a:t>
             </a:fld>
             <a:endParaRPr lang="ko-KR" altLang="en-US"/>
           </a:p>
@@ -2919,7 +2921,7 @@
           <a:p>
             <a:fld id="{2019EA92-DCA8-4E93-8FB4-81C6C817D5E7}" type="datetimeFigureOut">
               <a:rPr lang="ko-KR" altLang="en-US" smtClean="0"/>
-              <a:t>2024-01-14</a:t>
+              <a:t>2024-01-27</a:t>
             </a:fld>
             <a:endParaRPr lang="ko-KR" altLang="en-US"/>
           </a:p>
@@ -3338,10 +3340,10 @@
       </p:grpSpPr>
       <p:pic>
         <p:nvPicPr>
-          <p:cNvPr id="46" name="그림 45">
-            <a:extLst>
-              <a:ext uri="{FF2B5EF4-FFF2-40B4-BE49-F238E27FC236}">
-                <a16:creationId xmlns:a16="http://schemas.microsoft.com/office/drawing/2014/main" id="{B15FA62A-F6DB-71CD-D998-1F8C7F25E8F6}"/>
+          <p:cNvPr id="3" name="그림 2">
+            <a:extLst>
+              <a:ext uri="{FF2B5EF4-FFF2-40B4-BE49-F238E27FC236}">
+                <a16:creationId xmlns:a16="http://schemas.microsoft.com/office/drawing/2014/main" id="{E264C38C-8A6D-DA6C-E3D3-980D77D1DF8D}"/>
               </a:ext>
             </a:extLst>
           </p:cNvPr>
@@ -3358,8 +3360,8 @@
         </p:blipFill>
         <p:spPr>
           <a:xfrm>
-            <a:off x="4039823" y="1813470"/>
-            <a:ext cx="3624745" cy="4256403"/>
+            <a:off x="4005775" y="1782714"/>
+            <a:ext cx="4500232" cy="4282805"/>
           </a:xfrm>
           <a:prstGeom prst="rect">
             <a:avLst/>
@@ -3652,13 +3654,15 @@
           </p:cNvPr>
           <p:cNvCxnSpPr>
             <a:cxnSpLocks/>
+            <a:stCxn id="28" idx="1"/>
+            <a:endCxn id="32" idx="3"/>
           </p:cNvCxnSpPr>
           <p:nvPr/>
         </p:nvCxnSpPr>
         <p:spPr>
           <a:xfrm flipH="1">
-            <a:off x="2954502" y="2896902"/>
-            <a:ext cx="1327933" cy="604450"/>
+            <a:off x="3089716" y="2887247"/>
+            <a:ext cx="1211134" cy="467084"/>
           </a:xfrm>
           <a:prstGeom prst="straightConnector1">
             <a:avLst/>
@@ -3839,7 +3843,7 @@
         </p:nvSpPr>
         <p:spPr>
           <a:xfrm>
-            <a:off x="937787" y="3346150"/>
+            <a:off x="978284" y="3077332"/>
             <a:ext cx="2111432" cy="553998"/>
           </a:xfrm>
           <a:prstGeom prst="rect">
@@ -3903,7 +3907,7 @@
         <p:spPr>
           <a:xfrm>
             <a:off x="6024394" y="2370148"/>
-            <a:ext cx="1553745" cy="628673"/>
+            <a:ext cx="2205206" cy="628673"/>
           </a:xfrm>
           <a:prstGeom prst="rect">
             <a:avLst/>
@@ -3952,13 +3956,14 @@
           <p:cNvCxnSpPr>
             <a:cxnSpLocks/>
             <a:stCxn id="33" idx="3"/>
+            <a:endCxn id="44" idx="1"/>
           </p:cNvCxnSpPr>
           <p:nvPr/>
         </p:nvCxnSpPr>
         <p:spPr>
           <a:xfrm>
-            <a:off x="7578139" y="2684485"/>
-            <a:ext cx="749994" cy="8015"/>
+            <a:off x="8229600" y="2684485"/>
+            <a:ext cx="489462" cy="12362"/>
           </a:xfrm>
           <a:prstGeom prst="straightConnector1">
             <a:avLst/>
@@ -3999,7 +4004,7 @@
         </p:nvSpPr>
         <p:spPr>
           <a:xfrm>
-            <a:off x="8113429" y="2504843"/>
+            <a:off x="8719062" y="2496792"/>
             <a:ext cx="3140784" cy="400110"/>
           </a:xfrm>
           <a:prstGeom prst="rect">
@@ -4071,8 +4076,8 @@
         </p:nvSpPr>
         <p:spPr>
           <a:xfrm>
-            <a:off x="4026113" y="3189874"/>
-            <a:ext cx="685224" cy="205047"/>
+            <a:off x="4026112" y="3210909"/>
+            <a:ext cx="1175035" cy="184012"/>
           </a:xfrm>
           <a:prstGeom prst="rect">
             <a:avLst/>
@@ -4121,13 +4126,14 @@
           <p:cNvCxnSpPr>
             <a:cxnSpLocks/>
             <a:stCxn id="9" idx="1"/>
+            <a:endCxn id="17" idx="3"/>
           </p:cNvCxnSpPr>
           <p:nvPr/>
         </p:nvCxnSpPr>
         <p:spPr>
           <a:xfrm flipH="1">
-            <a:off x="2975650" y="3292398"/>
-            <a:ext cx="1050463" cy="913842"/>
+            <a:off x="3110140" y="3302915"/>
+            <a:ext cx="915972" cy="855256"/>
           </a:xfrm>
           <a:prstGeom prst="straightConnector1">
             <a:avLst/>
@@ -4168,7 +4174,7 @@
         </p:nvSpPr>
         <p:spPr>
           <a:xfrm>
-            <a:off x="937787" y="4118162"/>
+            <a:off x="998708" y="3958116"/>
             <a:ext cx="2111432" cy="400110"/>
           </a:xfrm>
           <a:prstGeom prst="rect">
@@ -4185,25 +4191,115 @@
             <a:pPr algn="ctr"/>
             <a:r>
               <a:rPr lang="ko-KR" altLang="en-US" sz="1000" dirty="0"/>
-              <a:t>원하는 상품명 비율 분석 파일</a:t>
+              <a:t>상품명 비율 분석을 위한</a:t>
             </a:r>
             <a:br>
               <a:rPr lang="en-US" altLang="ko-KR" sz="1000" dirty="0"/>
             </a:br>
             <a:r>
               <a:rPr lang="ko-KR" altLang="en-US" sz="1000" dirty="0"/>
-              <a:t>선택 버튼</a:t>
+              <a:t>알리 수집 파일 선택 버튼</a:t>
             </a:r>
             <a:endParaRPr lang="en-US" altLang="ko-KR" sz="1000" dirty="0"/>
           </a:p>
         </p:txBody>
       </p:sp>
-      <p:sp>
-        <p:nvSpPr>
-          <p:cNvPr id="19" name="직사각형 18">
-            <a:extLst>
-              <a:ext uri="{FF2B5EF4-FFF2-40B4-BE49-F238E27FC236}">
-                <a16:creationId xmlns:a16="http://schemas.microsoft.com/office/drawing/2014/main" id="{BB981FE1-E21F-04DA-3842-B020EA709C36}"/>
+      <p:cxnSp>
+        <p:nvCxnSpPr>
+          <p:cNvPr id="22" name="직선 화살표 연결선 21">
+            <a:extLst>
+              <a:ext uri="{FF2B5EF4-FFF2-40B4-BE49-F238E27FC236}">
+                <a16:creationId xmlns:a16="http://schemas.microsoft.com/office/drawing/2014/main" id="{BAF1F28F-2848-4215-C468-F5D7E56C0589}"/>
+              </a:ext>
+            </a:extLst>
+          </p:cNvPr>
+          <p:cNvCxnSpPr>
+            <a:cxnSpLocks/>
+            <a:stCxn id="35" idx="2"/>
+            <a:endCxn id="25" idx="3"/>
+          </p:cNvCxnSpPr>
+          <p:nvPr/>
+        </p:nvCxnSpPr>
+        <p:spPr>
+          <a:xfrm flipH="1">
+            <a:off x="3087854" y="3676072"/>
+            <a:ext cx="2450465" cy="2165845"/>
+          </a:xfrm>
+          <a:prstGeom prst="straightConnector1">
+            <a:avLst/>
+          </a:prstGeom>
+          <a:ln>
+            <a:solidFill>
+              <a:schemeClr val="tx1"/>
+            </a:solidFill>
+            <a:tailEnd type="triangle"/>
+          </a:ln>
+        </p:spPr>
+        <p:style>
+          <a:lnRef idx="1">
+            <a:schemeClr val="accent1"/>
+          </a:lnRef>
+          <a:fillRef idx="0">
+            <a:schemeClr val="accent1"/>
+          </a:fillRef>
+          <a:effectRef idx="0">
+            <a:schemeClr val="accent1"/>
+          </a:effectRef>
+          <a:fontRef idx="minor">
+            <a:schemeClr val="tx1"/>
+          </a:fontRef>
+        </p:style>
+      </p:cxnSp>
+      <p:sp>
+        <p:nvSpPr>
+          <p:cNvPr id="25" name="TextBox 24">
+            <a:extLst>
+              <a:ext uri="{FF2B5EF4-FFF2-40B4-BE49-F238E27FC236}">
+                <a16:creationId xmlns:a16="http://schemas.microsoft.com/office/drawing/2014/main" id="{AF28011A-C72E-378D-4869-1F686FFC414E}"/>
+              </a:ext>
+            </a:extLst>
+          </p:cNvPr>
+          <p:cNvSpPr txBox="1"/>
+          <p:nvPr/>
+        </p:nvSpPr>
+        <p:spPr>
+          <a:xfrm>
+            <a:off x="592183" y="5641862"/>
+            <a:ext cx="2495671" cy="400110"/>
+          </a:xfrm>
+          <a:prstGeom prst="rect">
+            <a:avLst/>
+          </a:prstGeom>
+          <a:noFill/>
+        </p:spPr>
+        <p:txBody>
+          <a:bodyPr wrap="square" rtlCol="0">
+            <a:spAutoFit/>
+          </a:bodyPr>
+          <a:lstStyle/>
+          <a:p>
+            <a:pPr algn="ctr"/>
+            <a:r>
+              <a:rPr lang="ko-KR" altLang="en-US" sz="1000" dirty="0"/>
+              <a:t>네이버 카테고리 분석으로 나온 상품명</a:t>
+            </a:r>
+            <a:br>
+              <a:rPr lang="en-US" altLang="ko-KR" sz="1000" dirty="0"/>
+            </a:br>
+            <a:r>
+              <a:rPr lang="ko-KR" altLang="en-US" sz="1000" dirty="0"/>
+              <a:t>비율 분석</a:t>
+            </a:r>
+            <a:endParaRPr lang="en-US" altLang="ko-KR" sz="1000" dirty="0"/>
+          </a:p>
+        </p:txBody>
+      </p:sp>
+      <p:sp>
+        <p:nvSpPr>
+          <p:cNvPr id="37" name="직사각형 36">
+            <a:extLst>
+              <a:ext uri="{FF2B5EF4-FFF2-40B4-BE49-F238E27FC236}">
+                <a16:creationId xmlns:a16="http://schemas.microsoft.com/office/drawing/2014/main" id="{5F981C54-8228-D9C6-555F-29A8C1D7173C}"/>
               </a:ext>
             </a:extLst>
           </p:cNvPr>
@@ -4212,8 +4308,8 @@
         </p:nvSpPr>
         <p:spPr>
           <a:xfrm>
-            <a:off x="4039247" y="3830256"/>
-            <a:ext cx="2209224" cy="239126"/>
+            <a:off x="4119842" y="3436228"/>
+            <a:ext cx="1007738" cy="234982"/>
           </a:xfrm>
           <a:prstGeom prst="rect">
             <a:avLst/>
@@ -4252,24 +4348,23 @@
       </p:sp>
       <p:cxnSp>
         <p:nvCxnSpPr>
-          <p:cNvPr id="22" name="직선 화살표 연결선 21">
-            <a:extLst>
-              <a:ext uri="{FF2B5EF4-FFF2-40B4-BE49-F238E27FC236}">
-                <a16:creationId xmlns:a16="http://schemas.microsoft.com/office/drawing/2014/main" id="{BAF1F28F-2848-4215-C468-F5D7E56C0589}"/>
+          <p:cNvPr id="38" name="직선 화살표 연결선 37">
+            <a:extLst>
+              <a:ext uri="{FF2B5EF4-FFF2-40B4-BE49-F238E27FC236}">
+                <a16:creationId xmlns:a16="http://schemas.microsoft.com/office/drawing/2014/main" id="{C11298BB-4CC5-7537-BFD6-47BF275FBD68}"/>
               </a:ext>
             </a:extLst>
           </p:cNvPr>
           <p:cNvCxnSpPr>
             <a:cxnSpLocks/>
-            <a:stCxn id="19" idx="1"/>
-            <a:endCxn id="25" idx="3"/>
+            <a:stCxn id="37" idx="1"/>
           </p:cNvCxnSpPr>
           <p:nvPr/>
         </p:nvCxnSpPr>
         <p:spPr>
           <a:xfrm flipH="1">
-            <a:off x="3087854" y="3949819"/>
-            <a:ext cx="951393" cy="1969042"/>
+            <a:off x="2769554" y="3553719"/>
+            <a:ext cx="1350288" cy="1415188"/>
           </a:xfrm>
           <a:prstGeom prst="straightConnector1">
             <a:avLst/>
@@ -4298,10 +4393,10 @@
       </p:cxnSp>
       <p:sp>
         <p:nvSpPr>
-          <p:cNvPr id="25" name="TextBox 24">
-            <a:extLst>
-              <a:ext uri="{FF2B5EF4-FFF2-40B4-BE49-F238E27FC236}">
-                <a16:creationId xmlns:a16="http://schemas.microsoft.com/office/drawing/2014/main" id="{AF28011A-C72E-378D-4869-1F686FFC414E}"/>
+          <p:cNvPr id="41" name="TextBox 40">
+            <a:extLst>
+              <a:ext uri="{FF2B5EF4-FFF2-40B4-BE49-F238E27FC236}">
+                <a16:creationId xmlns:a16="http://schemas.microsoft.com/office/drawing/2014/main" id="{9079973A-496F-CA9A-CD70-1A15ABCD6912}"/>
               </a:ext>
             </a:extLst>
           </p:cNvPr>
@@ -4310,8 +4405,8 @@
         </p:nvSpPr>
         <p:spPr>
           <a:xfrm>
-            <a:off x="726612" y="5641862"/>
-            <a:ext cx="2361242" cy="553998"/>
+            <a:off x="8672162" y="3392316"/>
+            <a:ext cx="3477680" cy="400110"/>
           </a:xfrm>
           <a:prstGeom prst="rect">
             <a:avLst/>
@@ -4327,36 +4422,32 @@
             <a:pPr algn="ctr"/>
             <a:r>
               <a:rPr lang="ko-KR" altLang="en-US" sz="1000" dirty="0"/>
-              <a:t>상품명 비율 분석을 연동하여</a:t>
+              <a:t>상품명 허용 비율 설정</a:t>
             </a:r>
             <a:br>
               <a:rPr lang="en-US" altLang="ko-KR" sz="1000" dirty="0"/>
             </a:br>
             <a:r>
+              <a:rPr lang="en-US" altLang="ko-KR" sz="1000" dirty="0"/>
+              <a:t>(Ex.</a:t>
+            </a:r>
+            <a:r>
               <a:rPr lang="ko-KR" altLang="en-US" sz="1000" dirty="0"/>
-              <a:t>상표권 검색을 하기 위한</a:t>
-            </a:r>
-            <a:br>
+              <a:t> </a:t>
+            </a:r>
+            <a:r>
               <a:rPr lang="en-US" altLang="ko-KR" sz="1000" dirty="0"/>
-            </a:br>
-            <a:r>
-              <a:rPr lang="ko-KR" altLang="en-US" sz="1000" dirty="0"/>
-              <a:t>상품명 비율 범위 </a:t>
-            </a:r>
-            <a:r>
-              <a:rPr lang="ko-KR" altLang="en-US" sz="1000" dirty="0" err="1"/>
-              <a:t>설정란</a:t>
-            </a:r>
-            <a:endParaRPr lang="en-US" altLang="ko-KR" sz="1000" dirty="0"/>
-          </a:p>
-        </p:txBody>
-      </p:sp>
-      <p:sp>
-        <p:nvSpPr>
-          <p:cNvPr id="26" name="직사각형 25">
-            <a:extLst>
-              <a:ext uri="{FF2B5EF4-FFF2-40B4-BE49-F238E27FC236}">
-                <a16:creationId xmlns:a16="http://schemas.microsoft.com/office/drawing/2014/main" id="{351BE06D-3C7D-257B-220B-A8159640C0D0}"/>
+              <a:t>0.01% ~ 0.05%)</a:t>
+            </a:r>
+          </a:p>
+        </p:txBody>
+      </p:sp>
+      <p:sp>
+        <p:nvSpPr>
+          <p:cNvPr id="49" name="직사각형 48">
+            <a:extLst>
+              <a:ext uri="{FF2B5EF4-FFF2-40B4-BE49-F238E27FC236}">
+                <a16:creationId xmlns:a16="http://schemas.microsoft.com/office/drawing/2014/main" id="{0724869A-D0F8-17AB-8F0C-30E434EEA968}"/>
               </a:ext>
             </a:extLst>
           </p:cNvPr>
@@ -4365,8 +4456,8 @@
         </p:nvSpPr>
         <p:spPr>
           <a:xfrm>
-            <a:off x="6237013" y="3833532"/>
-            <a:ext cx="1327933" cy="234982"/>
+            <a:off x="6024394" y="3189875"/>
+            <a:ext cx="2414212" cy="246353"/>
           </a:xfrm>
           <a:prstGeom prst="rect">
             <a:avLst/>
@@ -4405,23 +4496,23 @@
       </p:sp>
       <p:cxnSp>
         <p:nvCxnSpPr>
-          <p:cNvPr id="29" name="직선 화살표 연결선 28">
-            <a:extLst>
-              <a:ext uri="{FF2B5EF4-FFF2-40B4-BE49-F238E27FC236}">
-                <a16:creationId xmlns:a16="http://schemas.microsoft.com/office/drawing/2014/main" id="{7D162E5E-5011-DF0D-4EE7-419D384F19C4}"/>
+          <p:cNvPr id="50" name="직선 화살표 연결선 49">
+            <a:extLst>
+              <a:ext uri="{FF2B5EF4-FFF2-40B4-BE49-F238E27FC236}">
+                <a16:creationId xmlns:a16="http://schemas.microsoft.com/office/drawing/2014/main" id="{A573A666-D036-0627-E1FE-D71E153F9EB9}"/>
               </a:ext>
             </a:extLst>
           </p:cNvPr>
           <p:cNvCxnSpPr>
             <a:cxnSpLocks/>
-            <a:stCxn id="26" idx="3"/>
+            <a:stCxn id="49" idx="3"/>
           </p:cNvCxnSpPr>
           <p:nvPr/>
         </p:nvCxnSpPr>
         <p:spPr>
           <a:xfrm>
-            <a:off x="7564946" y="3951023"/>
-            <a:ext cx="740182" cy="792482"/>
+            <a:off x="8438606" y="3313052"/>
+            <a:ext cx="707961" cy="206100"/>
           </a:xfrm>
           <a:prstGeom prst="straightConnector1">
             <a:avLst/>
@@ -4450,10 +4541,10 @@
       </p:cxnSp>
       <p:sp>
         <p:nvSpPr>
-          <p:cNvPr id="36" name="TextBox 35">
-            <a:extLst>
-              <a:ext uri="{FF2B5EF4-FFF2-40B4-BE49-F238E27FC236}">
-                <a16:creationId xmlns:a16="http://schemas.microsoft.com/office/drawing/2014/main" id="{C9B4755B-9102-D6C6-C6EF-C8FB791AA616}"/>
+          <p:cNvPr id="54" name="TextBox 53">
+            <a:extLst>
+              <a:ext uri="{FF2B5EF4-FFF2-40B4-BE49-F238E27FC236}">
+                <a16:creationId xmlns:a16="http://schemas.microsoft.com/office/drawing/2014/main" id="{4A122A42-6C4B-4FDD-8FF3-3FCB64CAD05B}"/>
               </a:ext>
             </a:extLst>
           </p:cNvPr>
@@ -4462,8 +4553,8 @@
         </p:nvSpPr>
         <p:spPr>
           <a:xfrm>
-            <a:off x="8305128" y="4616032"/>
-            <a:ext cx="3140784" cy="553998"/>
+            <a:off x="336841" y="4886736"/>
+            <a:ext cx="3140784" cy="246221"/>
           </a:xfrm>
           <a:prstGeom prst="rect">
             <a:avLst/>
@@ -4479,49 +4570,22 @@
             <a:pPr algn="ctr"/>
             <a:r>
               <a:rPr lang="ko-KR" altLang="en-US" sz="1000" dirty="0"/>
-              <a:t>상품명 비율 분석 결과를 연동하여</a:t>
-            </a:r>
-            <a:endParaRPr lang="en-US" altLang="ko-KR" sz="1000" dirty="0"/>
-          </a:p>
-          <a:p>
-            <a:pPr algn="ctr"/>
-            <a:r>
-              <a:rPr lang="ko-KR" altLang="en-US" sz="1000" dirty="0"/>
-              <a:t>상표권 검색 하기 위한 버튼</a:t>
-            </a:r>
-            <a:endParaRPr lang="en-US" altLang="ko-KR" sz="1000" dirty="0"/>
-          </a:p>
-          <a:p>
-            <a:pPr algn="ctr"/>
-            <a:r>
-              <a:rPr lang="en-US" altLang="ko-KR" sz="1000" dirty="0"/>
-              <a:t>: </a:t>
-            </a:r>
-            <a:r>
-              <a:rPr lang="ko-KR" altLang="en-US" sz="1000" dirty="0"/>
-              <a:t>버튼 활성화 시</a:t>
-            </a:r>
-            <a:r>
-              <a:rPr lang="en-US" altLang="ko-KR" sz="1000" dirty="0"/>
-              <a:t>, </a:t>
-            </a:r>
-            <a:r>
-              <a:rPr lang="ko-KR" altLang="en-US" sz="1000" b="1" dirty="0">
-                <a:solidFill>
-                  <a:srgbClr val="FF0000"/>
-                </a:solidFill>
-              </a:rPr>
-              <a:t>상품명 비율 분석 파일 선택 필수</a:t>
-            </a:r>
-          </a:p>
-        </p:txBody>
-      </p:sp>
-      <p:sp>
-        <p:nvSpPr>
-          <p:cNvPr id="37" name="직사각형 36">
-            <a:extLst>
-              <a:ext uri="{FF2B5EF4-FFF2-40B4-BE49-F238E27FC236}">
-                <a16:creationId xmlns:a16="http://schemas.microsoft.com/office/drawing/2014/main" id="{5F981C54-8228-D9C6-555F-29A8C1D7173C}"/>
+              <a:t>네이버 카테고리 분석 버튼</a:t>
+            </a:r>
+            <a:endParaRPr lang="ko-KR" altLang="en-US" sz="1000" b="1" dirty="0">
+              <a:solidFill>
+                <a:srgbClr val="FF0000"/>
+              </a:solidFill>
+            </a:endParaRPr>
+          </a:p>
+        </p:txBody>
+      </p:sp>
+      <p:sp>
+        <p:nvSpPr>
+          <p:cNvPr id="35" name="직사각형 34">
+            <a:extLst>
+              <a:ext uri="{FF2B5EF4-FFF2-40B4-BE49-F238E27FC236}">
+                <a16:creationId xmlns:a16="http://schemas.microsoft.com/office/drawing/2014/main" id="{BE1D1AE9-ACD2-2589-D0DB-856E70B7E7AB}"/>
               </a:ext>
             </a:extLst>
           </p:cNvPr>
@@ -4530,8 +4594,8 @@
         </p:nvSpPr>
         <p:spPr>
           <a:xfrm>
-            <a:off x="4411017" y="3401661"/>
-            <a:ext cx="1327933" cy="234982"/>
+            <a:off x="5125811" y="3441090"/>
+            <a:ext cx="825016" cy="234982"/>
           </a:xfrm>
           <a:prstGeom prst="rect">
             <a:avLst/>
@@ -4568,211 +4632,12 @@
           </a:p>
         </p:txBody>
       </p:sp>
-      <p:cxnSp>
-        <p:nvCxnSpPr>
-          <p:cNvPr id="38" name="직선 화살표 연결선 37">
-            <a:extLst>
-              <a:ext uri="{FF2B5EF4-FFF2-40B4-BE49-F238E27FC236}">
-                <a16:creationId xmlns:a16="http://schemas.microsoft.com/office/drawing/2014/main" id="{C11298BB-4CC5-7537-BFD6-47BF275FBD68}"/>
-              </a:ext>
-            </a:extLst>
-          </p:cNvPr>
-          <p:cNvCxnSpPr>
-            <a:cxnSpLocks/>
-            <a:stCxn id="37" idx="1"/>
-          </p:cNvCxnSpPr>
-          <p:nvPr/>
-        </p:nvCxnSpPr>
-        <p:spPr>
-          <a:xfrm flipH="1">
-            <a:off x="3060730" y="3519152"/>
-            <a:ext cx="1350287" cy="1415188"/>
-          </a:xfrm>
-          <a:prstGeom prst="straightConnector1">
-            <a:avLst/>
-          </a:prstGeom>
-          <a:ln>
-            <a:solidFill>
-              <a:schemeClr val="tx1"/>
-            </a:solidFill>
-            <a:tailEnd type="triangle"/>
-          </a:ln>
-        </p:spPr>
-        <p:style>
-          <a:lnRef idx="1">
-            <a:schemeClr val="accent1"/>
-          </a:lnRef>
-          <a:fillRef idx="0">
-            <a:schemeClr val="accent1"/>
-          </a:fillRef>
-          <a:effectRef idx="0">
-            <a:schemeClr val="accent1"/>
-          </a:effectRef>
-          <a:fontRef idx="minor">
-            <a:schemeClr val="tx1"/>
-          </a:fontRef>
-        </p:style>
-      </p:cxnSp>
-      <p:sp>
-        <p:nvSpPr>
-          <p:cNvPr id="41" name="TextBox 40">
-            <a:extLst>
-              <a:ext uri="{FF2B5EF4-FFF2-40B4-BE49-F238E27FC236}">
-                <a16:creationId xmlns:a16="http://schemas.microsoft.com/office/drawing/2014/main" id="{9079973A-496F-CA9A-CD70-1A15ABCD6912}"/>
-              </a:ext>
-            </a:extLst>
-          </p:cNvPr>
-          <p:cNvSpPr txBox="1"/>
-          <p:nvPr/>
-        </p:nvSpPr>
-        <p:spPr>
-          <a:xfrm>
-            <a:off x="8305128" y="3433273"/>
-            <a:ext cx="3477680" cy="1015663"/>
-          </a:xfrm>
-          <a:prstGeom prst="rect">
-            <a:avLst/>
-          </a:prstGeom>
-          <a:noFill/>
-        </p:spPr>
-        <p:txBody>
-          <a:bodyPr wrap="square" rtlCol="0">
-            <a:spAutoFit/>
-          </a:bodyPr>
-          <a:lstStyle/>
-          <a:p>
-            <a:pPr algn="ctr"/>
-            <a:r>
-              <a:rPr lang="ko-KR" altLang="en-US" sz="1000" dirty="0"/>
-              <a:t>지정상품 분류 방법 선택</a:t>
-            </a:r>
-            <a:endParaRPr lang="en-US" altLang="ko-KR" sz="1000" dirty="0"/>
-          </a:p>
-          <a:p>
-            <a:pPr algn="ctr"/>
-            <a:endParaRPr lang="en-US" altLang="ko-KR" sz="1000" dirty="0"/>
-          </a:p>
-          <a:p>
-            <a:pPr marL="228600" indent="-228600">
-              <a:buAutoNum type="arabicParenR"/>
-            </a:pPr>
-            <a:r>
-              <a:rPr lang="ko-KR" altLang="en-US" sz="1000" b="1" dirty="0"/>
-              <a:t>네이버 </a:t>
-            </a:r>
-            <a:r>
-              <a:rPr lang="en-US" altLang="ko-KR" sz="1000" b="1" dirty="0"/>
-              <a:t>API</a:t>
-            </a:r>
-            <a:r>
-              <a:rPr lang="en-US" altLang="ko-KR" sz="1000" dirty="0"/>
-              <a:t> : </a:t>
-            </a:r>
-            <a:r>
-              <a:rPr lang="ko-KR" altLang="en-US" sz="1000" dirty="0"/>
-              <a:t>하루 최대 </a:t>
-            </a:r>
-            <a:r>
-              <a:rPr lang="en-US" altLang="ko-KR" sz="1000" dirty="0"/>
-              <a:t>25,000</a:t>
-            </a:r>
-            <a:r>
-              <a:rPr lang="ko-KR" altLang="en-US" sz="1000" dirty="0"/>
-              <a:t>개의 키워드만 </a:t>
-            </a:r>
-            <a:br>
-              <a:rPr lang="en-US" altLang="ko-KR" sz="1000" dirty="0"/>
-            </a:br>
-            <a:r>
-              <a:rPr lang="en-US" altLang="ko-KR" sz="1000" dirty="0"/>
-              <a:t>                </a:t>
-            </a:r>
-            <a:r>
-              <a:rPr lang="ko-KR" altLang="en-US" sz="1000" dirty="0"/>
-              <a:t>분석 가능</a:t>
-            </a:r>
-            <a:r>
-              <a:rPr lang="en-US" altLang="ko-KR" sz="1000" dirty="0"/>
-              <a:t>, </a:t>
-            </a:r>
-            <a:r>
-              <a:rPr lang="ko-KR" altLang="en-US" sz="1000" dirty="0"/>
-              <a:t>약 </a:t>
-            </a:r>
-            <a:r>
-              <a:rPr lang="en-US" altLang="ko-KR" sz="1000" dirty="0"/>
-              <a:t>3~5</a:t>
-            </a:r>
-            <a:r>
-              <a:rPr lang="ko-KR" altLang="en-US" sz="1000" dirty="0"/>
-              <a:t>천개 사이의 상품명</a:t>
-            </a:r>
-            <a:endParaRPr lang="en-US" altLang="ko-KR" sz="1000" dirty="0"/>
-          </a:p>
-          <a:p>
-            <a:pPr marL="228600" indent="-228600">
-              <a:buAutoNum type="arabicParenR"/>
-            </a:pPr>
-            <a:r>
-              <a:rPr lang="ko-KR" altLang="en-US" sz="1000" b="1" dirty="0"/>
-              <a:t>파일 </a:t>
-            </a:r>
-            <a:r>
-              <a:rPr lang="en-US" altLang="ko-KR" sz="1000" b="1" dirty="0"/>
-              <a:t>A</a:t>
-            </a:r>
-            <a:r>
-              <a:rPr lang="ko-KR" altLang="en-US" sz="1000" b="1" dirty="0"/>
-              <a:t>열</a:t>
-            </a:r>
-            <a:r>
-              <a:rPr lang="ko-KR" altLang="en-US" sz="1000" dirty="0"/>
-              <a:t> </a:t>
-            </a:r>
-            <a:r>
-              <a:rPr lang="en-US" altLang="ko-KR" sz="1000" dirty="0"/>
-              <a:t>: </a:t>
-            </a:r>
-            <a:r>
-              <a:rPr lang="ko-KR" altLang="en-US" sz="1000" dirty="0" err="1"/>
-              <a:t>알리익스프레스</a:t>
-            </a:r>
-            <a:r>
-              <a:rPr lang="ko-KR" altLang="en-US" sz="1000" dirty="0"/>
-              <a:t> 수집 데이터의 </a:t>
-            </a:r>
-            <a:r>
-              <a:rPr lang="en-US" altLang="ko-KR" sz="1000" dirty="0"/>
-              <a:t>A</a:t>
-            </a:r>
-            <a:r>
-              <a:rPr lang="ko-KR" altLang="en-US" sz="1000" dirty="0"/>
-              <a:t>열을 </a:t>
-            </a:r>
-            <a:br>
-              <a:rPr lang="en-US" altLang="ko-KR" sz="1000" dirty="0"/>
-            </a:br>
-            <a:r>
-              <a:rPr lang="en-US" altLang="ko-KR" sz="1000" dirty="0"/>
-              <a:t>              </a:t>
-            </a:r>
-            <a:r>
-              <a:rPr lang="ko-KR" altLang="en-US" sz="1000" dirty="0" err="1"/>
-              <a:t>파싱하여</a:t>
-            </a:r>
-            <a:r>
-              <a:rPr lang="ko-KR" altLang="en-US" sz="1000" dirty="0"/>
-              <a:t> 지정상품으로 지정</a:t>
-            </a:r>
-          </a:p>
-        </p:txBody>
-      </p:sp>
-      <p:sp>
-        <p:nvSpPr>
-          <p:cNvPr id="49" name="직사각형 48">
-            <a:extLst>
-              <a:ext uri="{FF2B5EF4-FFF2-40B4-BE49-F238E27FC236}">
-                <a16:creationId xmlns:a16="http://schemas.microsoft.com/office/drawing/2014/main" id="{0724869A-D0F8-17AB-8F0C-30E434EEA968}"/>
+      <p:sp>
+        <p:nvSpPr>
+          <p:cNvPr id="47" name="직사각형 46">
+            <a:extLst>
+              <a:ext uri="{FF2B5EF4-FFF2-40B4-BE49-F238E27FC236}">
+                <a16:creationId xmlns:a16="http://schemas.microsoft.com/office/drawing/2014/main" id="{2DC93574-95D0-D1B6-769B-438F2C8A3E84}"/>
               </a:ext>
             </a:extLst>
           </p:cNvPr>
@@ -4781,8 +4646,8 @@
         </p:nvSpPr>
         <p:spPr>
           <a:xfrm>
-            <a:off x="6024394" y="3189875"/>
-            <a:ext cx="1640174" cy="413788"/>
+            <a:off x="6024394" y="3424857"/>
+            <a:ext cx="2414212" cy="246353"/>
           </a:xfrm>
           <a:prstGeom prst="rect">
             <a:avLst/>
@@ -4821,23 +4686,23 @@
       </p:sp>
       <p:cxnSp>
         <p:nvCxnSpPr>
-          <p:cNvPr id="50" name="직선 화살표 연결선 49">
-            <a:extLst>
-              <a:ext uri="{FF2B5EF4-FFF2-40B4-BE49-F238E27FC236}">
-                <a16:creationId xmlns:a16="http://schemas.microsoft.com/office/drawing/2014/main" id="{A573A666-D036-0627-E1FE-D71E153F9EB9}"/>
+          <p:cNvPr id="48" name="직선 화살표 연결선 47">
+            <a:extLst>
+              <a:ext uri="{FF2B5EF4-FFF2-40B4-BE49-F238E27FC236}">
+                <a16:creationId xmlns:a16="http://schemas.microsoft.com/office/drawing/2014/main" id="{DD4E48E3-7DCF-5524-949D-AC6F8171BBF4}"/>
               </a:ext>
             </a:extLst>
           </p:cNvPr>
           <p:cNvCxnSpPr>
             <a:cxnSpLocks/>
-            <a:stCxn id="49" idx="3"/>
+            <a:stCxn id="47" idx="3"/>
           </p:cNvCxnSpPr>
           <p:nvPr/>
         </p:nvCxnSpPr>
         <p:spPr>
           <a:xfrm>
-            <a:off x="7664568" y="3396769"/>
-            <a:ext cx="663565" cy="104583"/>
+            <a:off x="8438606" y="3548034"/>
+            <a:ext cx="595551" cy="504399"/>
           </a:xfrm>
           <a:prstGeom prst="straightConnector1">
             <a:avLst/>
@@ -4866,10 +4731,10 @@
       </p:cxnSp>
       <p:sp>
         <p:nvSpPr>
-          <p:cNvPr id="54" name="TextBox 53">
-            <a:extLst>
-              <a:ext uri="{FF2B5EF4-FFF2-40B4-BE49-F238E27FC236}">
-                <a16:creationId xmlns:a16="http://schemas.microsoft.com/office/drawing/2014/main" id="{4A122A42-6C4B-4FDD-8FF3-3FCB64CAD05B}"/>
+          <p:cNvPr id="58" name="TextBox 57">
+            <a:extLst>
+              <a:ext uri="{FF2B5EF4-FFF2-40B4-BE49-F238E27FC236}">
+                <a16:creationId xmlns:a16="http://schemas.microsoft.com/office/drawing/2014/main" id="{DC276B82-7B91-D197-3EF2-646F9A39DFFE}"/>
               </a:ext>
             </a:extLst>
           </p:cNvPr>
@@ -4878,8 +4743,8 @@
         </p:nvSpPr>
         <p:spPr>
           <a:xfrm>
-            <a:off x="336841" y="4886736"/>
-            <a:ext cx="3140784" cy="246221"/>
+            <a:off x="8714320" y="4041970"/>
+            <a:ext cx="3477680" cy="400110"/>
           </a:xfrm>
           <a:prstGeom prst="rect">
             <a:avLst/>
@@ -4895,13 +4760,15 @@
             <a:pPr algn="ctr"/>
             <a:r>
               <a:rPr lang="ko-KR" altLang="en-US" sz="1000" dirty="0"/>
-              <a:t>상품명 비율 분석 시작 버튼</a:t>
-            </a:r>
-            <a:endParaRPr lang="ko-KR" altLang="en-US" sz="1000" b="1" dirty="0">
-              <a:solidFill>
-                <a:srgbClr val="FF0000"/>
-              </a:solidFill>
-            </a:endParaRPr>
+              <a:t>상품명 비율 분석 결과를 연동하여</a:t>
+            </a:r>
+          </a:p>
+          <a:p>
+            <a:pPr algn="ctr"/>
+            <a:r>
+              <a:rPr lang="ko-KR" altLang="en-US" sz="1000" dirty="0"/>
+              <a:t>상표권 검색 하기 위한 버튼</a:t>
+            </a:r>
           </a:p>
         </p:txBody>
       </p:sp>
@@ -4935,12 +4802,200 @@
           <a:chExt cx="0" cy="0"/>
         </a:xfrm>
       </p:grpSpPr>
+      <p:sp>
+        <p:nvSpPr>
+          <p:cNvPr id="8" name="TextBox 7">
+            <a:extLst>
+              <a:ext uri="{FF2B5EF4-FFF2-40B4-BE49-F238E27FC236}">
+                <a16:creationId xmlns:a16="http://schemas.microsoft.com/office/drawing/2014/main" id="{7B1F6E08-A407-50EE-FE82-9E596BAF83D4}"/>
+              </a:ext>
+            </a:extLst>
+          </p:cNvPr>
+          <p:cNvSpPr txBox="1"/>
+          <p:nvPr/>
+        </p:nvSpPr>
+        <p:spPr>
+          <a:xfrm>
+            <a:off x="399010" y="1561150"/>
+            <a:ext cx="5148350" cy="2031325"/>
+          </a:xfrm>
+          <a:prstGeom prst="rect">
+            <a:avLst/>
+          </a:prstGeom>
+          <a:noFill/>
+        </p:spPr>
+        <p:txBody>
+          <a:bodyPr wrap="square" rtlCol="0">
+            <a:spAutoFit/>
+          </a:bodyPr>
+          <a:lstStyle/>
+          <a:p>
+            <a:r>
+              <a:rPr lang="en-US" altLang="ko-KR" b="1" dirty="0">
+                <a:solidFill>
+                  <a:srgbClr val="FF0000"/>
+                </a:solidFill>
+              </a:rPr>
+              <a:t>* </a:t>
+            </a:r>
+            <a:r>
+              <a:rPr lang="ko-KR" altLang="en-US" b="1" dirty="0">
+                <a:solidFill>
+                  <a:srgbClr val="FF0000"/>
+                </a:solidFill>
+              </a:rPr>
+              <a:t>상품명 분석을 끝낸 직후</a:t>
+            </a:r>
+            <a:endParaRPr lang="en-US" altLang="ko-KR" b="1" dirty="0">
+              <a:solidFill>
+                <a:srgbClr val="FF0000"/>
+              </a:solidFill>
+            </a:endParaRPr>
+          </a:p>
+          <a:p>
+            <a:endParaRPr lang="en-US" altLang="ko-KR" dirty="0"/>
+          </a:p>
+          <a:p>
+            <a:r>
+              <a:rPr lang="ko-KR" altLang="en-US" dirty="0"/>
+              <a:t> </a:t>
+            </a:r>
+            <a:r>
+              <a:rPr lang="en-US" altLang="ko-KR" dirty="0"/>
+              <a:t>1) </a:t>
+            </a:r>
+            <a:r>
+              <a:rPr lang="ko-KR" altLang="en-US" dirty="0"/>
+              <a:t>허용 분석 </a:t>
+            </a:r>
+            <a:r>
+              <a:rPr lang="ko-KR" altLang="en-US" dirty="0" err="1"/>
+              <a:t>비율란에</a:t>
+            </a:r>
+            <a:r>
+              <a:rPr lang="ko-KR" altLang="en-US" dirty="0"/>
+              <a:t> 원하는 상품명 비율 기입</a:t>
+            </a:r>
+            <a:endParaRPr lang="en-US" altLang="ko-KR" dirty="0"/>
+          </a:p>
+          <a:p>
+            <a:endParaRPr lang="en-US" altLang="ko-KR" dirty="0"/>
+          </a:p>
+          <a:p>
+            <a:r>
+              <a:rPr lang="en-US" altLang="ko-KR" dirty="0"/>
+              <a:t> 2) </a:t>
+            </a:r>
+            <a:r>
+              <a:rPr lang="ko-KR" altLang="en-US" dirty="0"/>
+              <a:t>분석 비율 연동 검색 활성화 버튼 클릭</a:t>
+            </a:r>
+            <a:endParaRPr lang="en-US" altLang="ko-KR" dirty="0"/>
+          </a:p>
+          <a:p>
+            <a:endParaRPr lang="en-US" altLang="ko-KR" dirty="0"/>
+          </a:p>
+          <a:p>
+            <a:r>
+              <a:rPr lang="en-US" altLang="ko-KR" dirty="0"/>
+              <a:t> 3) </a:t>
+            </a:r>
+            <a:r>
+              <a:rPr lang="ko-KR" altLang="en-US" dirty="0"/>
+              <a:t>시작 버튼 클릭</a:t>
+            </a:r>
+            <a:endParaRPr lang="en-US" altLang="ko-KR" dirty="0"/>
+          </a:p>
+        </p:txBody>
+      </p:sp>
+      <p:sp>
+        <p:nvSpPr>
+          <p:cNvPr id="6" name="TextBox 5">
+            <a:extLst>
+              <a:ext uri="{FF2B5EF4-FFF2-40B4-BE49-F238E27FC236}">
+                <a16:creationId xmlns:a16="http://schemas.microsoft.com/office/drawing/2014/main" id="{400036FB-1278-451F-BEEA-8CC055484AB0}"/>
+              </a:ext>
+            </a:extLst>
+          </p:cNvPr>
+          <p:cNvSpPr txBox="1"/>
+          <p:nvPr/>
+        </p:nvSpPr>
+        <p:spPr>
+          <a:xfrm>
+            <a:off x="399011" y="266007"/>
+            <a:ext cx="4630189" cy="369332"/>
+          </a:xfrm>
+          <a:prstGeom prst="rect">
+            <a:avLst/>
+          </a:prstGeom>
+          <a:noFill/>
+        </p:spPr>
+        <p:txBody>
+          <a:bodyPr wrap="square" rtlCol="0">
+            <a:spAutoFit/>
+          </a:bodyPr>
+          <a:lstStyle/>
+          <a:p>
+            <a:r>
+              <a:rPr lang="en-US" altLang="ko-KR" dirty="0" err="1"/>
+              <a:t>Kipris</a:t>
+            </a:r>
+            <a:r>
+              <a:rPr lang="en-US" altLang="ko-KR" dirty="0"/>
+              <a:t> </a:t>
+            </a:r>
+            <a:r>
+              <a:rPr lang="ko-KR" altLang="en-US" dirty="0"/>
+              <a:t>상표권 검색 프로그램 사용 매뉴얼</a:t>
+            </a:r>
+          </a:p>
+        </p:txBody>
+      </p:sp>
+      <p:sp>
+        <p:nvSpPr>
+          <p:cNvPr id="9" name="TextBox 8">
+            <a:extLst>
+              <a:ext uri="{FF2B5EF4-FFF2-40B4-BE49-F238E27FC236}">
+                <a16:creationId xmlns:a16="http://schemas.microsoft.com/office/drawing/2014/main" id="{7F1915D2-87C9-3124-275D-ACE7FB7972B1}"/>
+              </a:ext>
+            </a:extLst>
+          </p:cNvPr>
+          <p:cNvSpPr txBox="1"/>
+          <p:nvPr/>
+        </p:nvSpPr>
+        <p:spPr>
+          <a:xfrm>
+            <a:off x="399011" y="939139"/>
+            <a:ext cx="9476509" cy="369332"/>
+          </a:xfrm>
+          <a:prstGeom prst="rect">
+            <a:avLst/>
+          </a:prstGeom>
+          <a:noFill/>
+        </p:spPr>
+        <p:txBody>
+          <a:bodyPr wrap="square" rtlCol="0">
+            <a:spAutoFit/>
+          </a:bodyPr>
+          <a:lstStyle/>
+          <a:p>
+            <a:r>
+              <a:rPr lang="en-US" altLang="ko-KR" dirty="0"/>
+              <a:t>** </a:t>
+            </a:r>
+            <a:r>
+              <a:rPr lang="ko-KR" altLang="en-US" dirty="0"/>
+              <a:t>상품명 분석 기능</a:t>
+            </a:r>
+          </a:p>
+        </p:txBody>
+      </p:sp>
       <p:pic>
         <p:nvPicPr>
-          <p:cNvPr id="16" name="그림 15">
-            <a:extLst>
-              <a:ext uri="{FF2B5EF4-FFF2-40B4-BE49-F238E27FC236}">
-                <a16:creationId xmlns:a16="http://schemas.microsoft.com/office/drawing/2014/main" id="{6B406E46-6919-DDD4-9BA5-8335B8695EE8}"/>
+          <p:cNvPr id="10" name="그림 9">
+            <a:extLst>
+              <a:ext uri="{FF2B5EF4-FFF2-40B4-BE49-F238E27FC236}">
+                <a16:creationId xmlns:a16="http://schemas.microsoft.com/office/drawing/2014/main" id="{BDC7E3E2-0A81-A7EA-B5EF-2E669BE15F66}"/>
               </a:ext>
             </a:extLst>
           </p:cNvPr>
@@ -4957,202 +5012,14 @@
         </p:blipFill>
         <p:spPr>
           <a:xfrm>
-            <a:off x="6411835" y="1634231"/>
-            <a:ext cx="3600694" cy="4228161"/>
+            <a:off x="6096000" y="1036320"/>
+            <a:ext cx="4816412" cy="4583709"/>
           </a:xfrm>
           <a:prstGeom prst="rect">
             <a:avLst/>
           </a:prstGeom>
         </p:spPr>
       </p:pic>
-      <p:sp>
-        <p:nvSpPr>
-          <p:cNvPr id="8" name="TextBox 7">
-            <a:extLst>
-              <a:ext uri="{FF2B5EF4-FFF2-40B4-BE49-F238E27FC236}">
-                <a16:creationId xmlns:a16="http://schemas.microsoft.com/office/drawing/2014/main" id="{7B1F6E08-A407-50EE-FE82-9E596BAF83D4}"/>
-              </a:ext>
-            </a:extLst>
-          </p:cNvPr>
-          <p:cNvSpPr txBox="1"/>
-          <p:nvPr/>
-        </p:nvSpPr>
-        <p:spPr>
-          <a:xfrm>
-            <a:off x="399010" y="1561150"/>
-            <a:ext cx="5148350" cy="2031325"/>
-          </a:xfrm>
-          <a:prstGeom prst="rect">
-            <a:avLst/>
-          </a:prstGeom>
-          <a:noFill/>
-        </p:spPr>
-        <p:txBody>
-          <a:bodyPr wrap="square" rtlCol="0">
-            <a:spAutoFit/>
-          </a:bodyPr>
-          <a:lstStyle/>
-          <a:p>
-            <a:r>
-              <a:rPr lang="en-US" altLang="ko-KR" b="1" dirty="0">
-                <a:solidFill>
-                  <a:srgbClr val="FF0000"/>
-                </a:solidFill>
-              </a:rPr>
-              <a:t>* </a:t>
-            </a:r>
-            <a:r>
-              <a:rPr lang="ko-KR" altLang="en-US" b="1" dirty="0">
-                <a:solidFill>
-                  <a:srgbClr val="FF0000"/>
-                </a:solidFill>
-              </a:rPr>
-              <a:t>상품명 분석을 끝낸 직후</a:t>
-            </a:r>
-            <a:endParaRPr lang="en-US" altLang="ko-KR" b="1" dirty="0">
-              <a:solidFill>
-                <a:srgbClr val="FF0000"/>
-              </a:solidFill>
-            </a:endParaRPr>
-          </a:p>
-          <a:p>
-            <a:endParaRPr lang="en-US" altLang="ko-KR" dirty="0"/>
-          </a:p>
-          <a:p>
-            <a:r>
-              <a:rPr lang="ko-KR" altLang="en-US" dirty="0"/>
-              <a:t> </a:t>
-            </a:r>
-            <a:r>
-              <a:rPr lang="en-US" altLang="ko-KR" dirty="0"/>
-              <a:t>1) </a:t>
-            </a:r>
-            <a:r>
-              <a:rPr lang="ko-KR" altLang="en-US" dirty="0"/>
-              <a:t>허용 분석 </a:t>
-            </a:r>
-            <a:r>
-              <a:rPr lang="ko-KR" altLang="en-US" dirty="0" err="1"/>
-              <a:t>비율란에</a:t>
-            </a:r>
-            <a:r>
-              <a:rPr lang="ko-KR" altLang="en-US" dirty="0"/>
-              <a:t> 원하는 상품명 비율 기입</a:t>
-            </a:r>
-            <a:endParaRPr lang="en-US" altLang="ko-KR" dirty="0"/>
-          </a:p>
-          <a:p>
-            <a:endParaRPr lang="en-US" altLang="ko-KR" dirty="0"/>
-          </a:p>
-          <a:p>
-            <a:r>
-              <a:rPr lang="en-US" altLang="ko-KR" dirty="0"/>
-              <a:t> 2) </a:t>
-            </a:r>
-            <a:r>
-              <a:rPr lang="ko-KR" altLang="en-US" dirty="0"/>
-              <a:t>분석 비율 연동 검색 활성화 버튼 클릭</a:t>
-            </a:r>
-            <a:endParaRPr lang="en-US" altLang="ko-KR" dirty="0"/>
-          </a:p>
-          <a:p>
-            <a:endParaRPr lang="en-US" altLang="ko-KR" dirty="0"/>
-          </a:p>
-          <a:p>
-            <a:r>
-              <a:rPr lang="en-US" altLang="ko-KR" dirty="0"/>
-              <a:t> 3) </a:t>
-            </a:r>
-            <a:r>
-              <a:rPr lang="ko-KR" altLang="en-US" dirty="0"/>
-              <a:t>시작 버튼 클릭</a:t>
-            </a:r>
-            <a:endParaRPr lang="en-US" altLang="ko-KR" dirty="0"/>
-          </a:p>
-        </p:txBody>
-      </p:sp>
-      <p:sp>
-        <p:nvSpPr>
-          <p:cNvPr id="6" name="TextBox 5">
-            <a:extLst>
-              <a:ext uri="{FF2B5EF4-FFF2-40B4-BE49-F238E27FC236}">
-                <a16:creationId xmlns:a16="http://schemas.microsoft.com/office/drawing/2014/main" id="{400036FB-1278-451F-BEEA-8CC055484AB0}"/>
-              </a:ext>
-            </a:extLst>
-          </p:cNvPr>
-          <p:cNvSpPr txBox="1"/>
-          <p:nvPr/>
-        </p:nvSpPr>
-        <p:spPr>
-          <a:xfrm>
-            <a:off x="399011" y="266007"/>
-            <a:ext cx="4630189" cy="369332"/>
-          </a:xfrm>
-          <a:prstGeom prst="rect">
-            <a:avLst/>
-          </a:prstGeom>
-          <a:noFill/>
-        </p:spPr>
-        <p:txBody>
-          <a:bodyPr wrap="square" rtlCol="0">
-            <a:spAutoFit/>
-          </a:bodyPr>
-          <a:lstStyle/>
-          <a:p>
-            <a:r>
-              <a:rPr lang="en-US" altLang="ko-KR" dirty="0" err="1"/>
-              <a:t>Kipris</a:t>
-            </a:r>
-            <a:r>
-              <a:rPr lang="en-US" altLang="ko-KR" dirty="0"/>
-              <a:t> </a:t>
-            </a:r>
-            <a:r>
-              <a:rPr lang="ko-KR" altLang="en-US" dirty="0"/>
-              <a:t>상표권 검색 프로그램 사용 매뉴얼</a:t>
-            </a:r>
-          </a:p>
-        </p:txBody>
-      </p:sp>
-      <p:sp>
-        <p:nvSpPr>
-          <p:cNvPr id="9" name="TextBox 8">
-            <a:extLst>
-              <a:ext uri="{FF2B5EF4-FFF2-40B4-BE49-F238E27FC236}">
-                <a16:creationId xmlns:a16="http://schemas.microsoft.com/office/drawing/2014/main" id="{7F1915D2-87C9-3124-275D-ACE7FB7972B1}"/>
-              </a:ext>
-            </a:extLst>
-          </p:cNvPr>
-          <p:cNvSpPr txBox="1"/>
-          <p:nvPr/>
-        </p:nvSpPr>
-        <p:spPr>
-          <a:xfrm>
-            <a:off x="399011" y="939139"/>
-            <a:ext cx="9476509" cy="369332"/>
-          </a:xfrm>
-          <a:prstGeom prst="rect">
-            <a:avLst/>
-          </a:prstGeom>
-          <a:noFill/>
-        </p:spPr>
-        <p:txBody>
-          <a:bodyPr wrap="square" rtlCol="0">
-            <a:spAutoFit/>
-          </a:bodyPr>
-          <a:lstStyle/>
-          <a:p>
-            <a:r>
-              <a:rPr lang="en-US" altLang="ko-KR" dirty="0"/>
-              <a:t>** </a:t>
-            </a:r>
-            <a:r>
-              <a:rPr lang="ko-KR" altLang="en-US" dirty="0"/>
-              <a:t>상품명 분석 기능</a:t>
-            </a:r>
-          </a:p>
-        </p:txBody>
-      </p:sp>
     </p:spTree>
     <p:extLst>
       <p:ext uri="{BB962C8B-B14F-4D97-AF65-F5344CB8AC3E}">
@@ -5183,12 +5050,222 @@
           <a:chExt cx="0" cy="0"/>
         </a:xfrm>
       </p:grpSpPr>
+      <p:sp>
+        <p:nvSpPr>
+          <p:cNvPr id="8" name="TextBox 7">
+            <a:extLst>
+              <a:ext uri="{FF2B5EF4-FFF2-40B4-BE49-F238E27FC236}">
+                <a16:creationId xmlns:a16="http://schemas.microsoft.com/office/drawing/2014/main" id="{7B1F6E08-A407-50EE-FE82-9E596BAF83D4}"/>
+              </a:ext>
+            </a:extLst>
+          </p:cNvPr>
+          <p:cNvSpPr txBox="1"/>
+          <p:nvPr/>
+        </p:nvSpPr>
+        <p:spPr>
+          <a:xfrm>
+            <a:off x="399010" y="1561150"/>
+            <a:ext cx="5148350" cy="2308324"/>
+          </a:xfrm>
+          <a:prstGeom prst="rect">
+            <a:avLst/>
+          </a:prstGeom>
+          <a:noFill/>
+        </p:spPr>
+        <p:txBody>
+          <a:bodyPr wrap="square" rtlCol="0">
+            <a:spAutoFit/>
+          </a:bodyPr>
+          <a:lstStyle/>
+          <a:p>
+            <a:r>
+              <a:rPr lang="en-US" altLang="ko-KR" b="1" dirty="0">
+                <a:solidFill>
+                  <a:srgbClr val="FF0000"/>
+                </a:solidFill>
+              </a:rPr>
+              <a:t>* </a:t>
+            </a:r>
+            <a:r>
+              <a:rPr lang="ko-KR" altLang="en-US" b="1" dirty="0">
+                <a:solidFill>
+                  <a:srgbClr val="FF0000"/>
+                </a:solidFill>
+              </a:rPr>
+              <a:t>상품명 분석을 끝낸 직후</a:t>
+            </a:r>
+            <a:endParaRPr lang="en-US" altLang="ko-KR" b="1" dirty="0">
+              <a:solidFill>
+                <a:srgbClr val="FF0000"/>
+              </a:solidFill>
+            </a:endParaRPr>
+          </a:p>
+          <a:p>
+            <a:endParaRPr lang="en-US" altLang="ko-KR" dirty="0"/>
+          </a:p>
+          <a:p>
+            <a:r>
+              <a:rPr lang="ko-KR" altLang="en-US" dirty="0"/>
+              <a:t> </a:t>
+            </a:r>
+            <a:r>
+              <a:rPr lang="en-US" altLang="ko-KR" dirty="0"/>
+              <a:t>1) </a:t>
+            </a:r>
+            <a:r>
+              <a:rPr lang="ko-KR" altLang="en-US" dirty="0"/>
+              <a:t>원하는 상품명 허용 비율 입력</a:t>
+            </a:r>
+            <a:r>
+              <a:rPr lang="en-US" altLang="ko-KR" dirty="0"/>
+              <a:t> </a:t>
+            </a:r>
+            <a:br>
+              <a:rPr lang="en-US" altLang="ko-KR" dirty="0"/>
+            </a:br>
+            <a:r>
+              <a:rPr lang="en-US" altLang="ko-KR" dirty="0"/>
+              <a:t>    (</a:t>
+            </a:r>
+            <a:r>
+              <a:rPr lang="ko-KR" altLang="en-US" dirty="0" err="1"/>
+              <a:t>미입력</a:t>
+            </a:r>
+            <a:r>
+              <a:rPr lang="ko-KR" altLang="en-US" dirty="0"/>
+              <a:t> 시</a:t>
+            </a:r>
+            <a:r>
+              <a:rPr lang="en-US" altLang="ko-KR" dirty="0"/>
+              <a:t>, </a:t>
+            </a:r>
+            <a:r>
+              <a:rPr lang="ko-KR" altLang="en-US" dirty="0"/>
+              <a:t>모든 상품명 분석</a:t>
+            </a:r>
+            <a:r>
+              <a:rPr lang="en-US" altLang="ko-KR" dirty="0"/>
+              <a:t>)</a:t>
+            </a:r>
+          </a:p>
+          <a:p>
+            <a:endParaRPr lang="en-US" altLang="ko-KR" dirty="0"/>
+          </a:p>
+          <a:p>
+            <a:r>
+              <a:rPr lang="en-US" altLang="ko-KR" dirty="0"/>
+              <a:t> 2) </a:t>
+            </a:r>
+            <a:r>
+              <a:rPr lang="ko-KR" altLang="en-US" dirty="0"/>
+              <a:t>분석 비율 연동 검색 활성화 버튼 클릭</a:t>
+            </a:r>
+            <a:endParaRPr lang="en-US" altLang="ko-KR" dirty="0"/>
+          </a:p>
+          <a:p>
+            <a:endParaRPr lang="en-US" altLang="ko-KR" dirty="0"/>
+          </a:p>
+          <a:p>
+            <a:r>
+              <a:rPr lang="en-US" altLang="ko-KR" dirty="0"/>
+              <a:t> 3) </a:t>
+            </a:r>
+            <a:r>
+              <a:rPr lang="ko-KR" altLang="en-US" dirty="0"/>
+              <a:t>시작 버튼 클릭</a:t>
+            </a:r>
+            <a:endParaRPr lang="en-US" altLang="ko-KR" dirty="0"/>
+          </a:p>
+        </p:txBody>
+      </p:sp>
+      <p:sp>
+        <p:nvSpPr>
+          <p:cNvPr id="6" name="TextBox 5">
+            <a:extLst>
+              <a:ext uri="{FF2B5EF4-FFF2-40B4-BE49-F238E27FC236}">
+                <a16:creationId xmlns:a16="http://schemas.microsoft.com/office/drawing/2014/main" id="{400036FB-1278-451F-BEEA-8CC055484AB0}"/>
+              </a:ext>
+            </a:extLst>
+          </p:cNvPr>
+          <p:cNvSpPr txBox="1"/>
+          <p:nvPr/>
+        </p:nvSpPr>
+        <p:spPr>
+          <a:xfrm>
+            <a:off x="399011" y="266007"/>
+            <a:ext cx="4630189" cy="369332"/>
+          </a:xfrm>
+          <a:prstGeom prst="rect">
+            <a:avLst/>
+          </a:prstGeom>
+          <a:noFill/>
+        </p:spPr>
+        <p:txBody>
+          <a:bodyPr wrap="square" rtlCol="0">
+            <a:spAutoFit/>
+          </a:bodyPr>
+          <a:lstStyle/>
+          <a:p>
+            <a:r>
+              <a:rPr lang="en-US" altLang="ko-KR" dirty="0" err="1"/>
+              <a:t>Kipris</a:t>
+            </a:r>
+            <a:r>
+              <a:rPr lang="en-US" altLang="ko-KR" dirty="0"/>
+              <a:t> </a:t>
+            </a:r>
+            <a:r>
+              <a:rPr lang="ko-KR" altLang="en-US" dirty="0"/>
+              <a:t>상표권 검색 프로그램 사용 매뉴얼</a:t>
+            </a:r>
+          </a:p>
+        </p:txBody>
+      </p:sp>
+      <p:sp>
+        <p:nvSpPr>
+          <p:cNvPr id="9" name="TextBox 8">
+            <a:extLst>
+              <a:ext uri="{FF2B5EF4-FFF2-40B4-BE49-F238E27FC236}">
+                <a16:creationId xmlns:a16="http://schemas.microsoft.com/office/drawing/2014/main" id="{7F1915D2-87C9-3124-275D-ACE7FB7972B1}"/>
+              </a:ext>
+            </a:extLst>
+          </p:cNvPr>
+          <p:cNvSpPr txBox="1"/>
+          <p:nvPr/>
+        </p:nvSpPr>
+        <p:spPr>
+          <a:xfrm>
+            <a:off x="399011" y="939139"/>
+            <a:ext cx="9476509" cy="369332"/>
+          </a:xfrm>
+          <a:prstGeom prst="rect">
+            <a:avLst/>
+          </a:prstGeom>
+          <a:noFill/>
+        </p:spPr>
+        <p:txBody>
+          <a:bodyPr wrap="square" rtlCol="0">
+            <a:spAutoFit/>
+          </a:bodyPr>
+          <a:lstStyle/>
+          <a:p>
+            <a:r>
+              <a:rPr lang="en-US" altLang="ko-KR" dirty="0"/>
+              <a:t>** </a:t>
+            </a:r>
+            <a:r>
+              <a:rPr lang="ko-KR" altLang="en-US" dirty="0"/>
+              <a:t>상품명 분석 기능</a:t>
+            </a:r>
+          </a:p>
+        </p:txBody>
+      </p:sp>
       <p:pic>
         <p:nvPicPr>
-          <p:cNvPr id="4" name="그림 3">
-            <a:extLst>
-              <a:ext uri="{FF2B5EF4-FFF2-40B4-BE49-F238E27FC236}">
-                <a16:creationId xmlns:a16="http://schemas.microsoft.com/office/drawing/2014/main" id="{9BC9EE85-B457-780F-F6D2-630129C60BC2}"/>
+          <p:cNvPr id="3" name="그림 2">
+            <a:extLst>
+              <a:ext uri="{FF2B5EF4-FFF2-40B4-BE49-F238E27FC236}">
+                <a16:creationId xmlns:a16="http://schemas.microsoft.com/office/drawing/2014/main" id="{DD3661B7-0A5E-9980-CC4F-5DED1DA4DE04}"/>
               </a:ext>
             </a:extLst>
           </p:cNvPr>
@@ -5205,8 +5282,8 @@
         </p:blipFill>
         <p:spPr>
           <a:xfrm>
-            <a:off x="7005735" y="1612271"/>
-            <a:ext cx="3600693" cy="4228159"/>
+            <a:off x="6347380" y="1123805"/>
+            <a:ext cx="4889618" cy="4653378"/>
           </a:xfrm>
           <a:prstGeom prst="rect">
             <a:avLst/>
@@ -5215,217 +5292,10 @@
       </p:pic>
       <p:sp>
         <p:nvSpPr>
-          <p:cNvPr id="8" name="TextBox 7">
-            <a:extLst>
-              <a:ext uri="{FF2B5EF4-FFF2-40B4-BE49-F238E27FC236}">
-                <a16:creationId xmlns:a16="http://schemas.microsoft.com/office/drawing/2014/main" id="{7B1F6E08-A407-50EE-FE82-9E596BAF83D4}"/>
-              </a:ext>
-            </a:extLst>
-          </p:cNvPr>
-          <p:cNvSpPr txBox="1"/>
-          <p:nvPr/>
-        </p:nvSpPr>
-        <p:spPr>
-          <a:xfrm>
-            <a:off x="881148" y="5378765"/>
-            <a:ext cx="5415148" cy="1477328"/>
-          </a:xfrm>
-          <a:prstGeom prst="rect">
-            <a:avLst/>
-          </a:prstGeom>
-          <a:noFill/>
-        </p:spPr>
-        <p:txBody>
-          <a:bodyPr wrap="square" rtlCol="0">
-            <a:spAutoFit/>
-          </a:bodyPr>
-          <a:lstStyle/>
-          <a:p>
-            <a:pPr marL="342900" indent="-342900">
-              <a:buAutoNum type="arabicParenR"/>
-            </a:pPr>
-            <a:r>
-              <a:rPr lang="ko-KR" altLang="en-US" dirty="0"/>
-              <a:t>상품명 허용 비율 설정</a:t>
-            </a:r>
-            <a:endParaRPr lang="en-US" altLang="ko-KR" dirty="0"/>
-          </a:p>
-          <a:p>
-            <a:pPr marL="342900" indent="-342900">
-              <a:buAutoNum type="arabicParenR"/>
-            </a:pPr>
-            <a:r>
-              <a:rPr lang="ko-KR" altLang="en-US" dirty="0"/>
-              <a:t>분석 비율 연동 검색 활성화 버튼 클릭</a:t>
-            </a:r>
-            <a:endParaRPr lang="en-US" altLang="ko-KR" dirty="0"/>
-          </a:p>
-          <a:p>
-            <a:pPr marL="342900" indent="-342900">
-              <a:buAutoNum type="arabicParenR"/>
-            </a:pPr>
-            <a:r>
-              <a:rPr lang="ko-KR" altLang="en-US" dirty="0"/>
-              <a:t>시작 버튼 클릭</a:t>
-            </a:r>
-            <a:endParaRPr lang="en-US" altLang="ko-KR" dirty="0"/>
-          </a:p>
-          <a:p>
-            <a:pPr marL="342900" indent="-342900">
-              <a:buAutoNum type="arabicParenR"/>
-            </a:pPr>
-            <a:r>
-              <a:rPr lang="ko-KR" altLang="en-US" dirty="0"/>
-              <a:t>연동할 분석 데이터 파일 선택</a:t>
-            </a:r>
-            <a:endParaRPr lang="en-US" altLang="ko-KR" dirty="0"/>
-          </a:p>
-          <a:p>
-            <a:pPr marL="342900" indent="-342900">
-              <a:buAutoNum type="arabicParenR"/>
-            </a:pPr>
-            <a:endParaRPr lang="ko-KR" altLang="en-US" dirty="0"/>
-          </a:p>
-        </p:txBody>
-      </p:sp>
-      <p:sp>
-        <p:nvSpPr>
-          <p:cNvPr id="6" name="TextBox 5">
-            <a:extLst>
-              <a:ext uri="{FF2B5EF4-FFF2-40B4-BE49-F238E27FC236}">
-                <a16:creationId xmlns:a16="http://schemas.microsoft.com/office/drawing/2014/main" id="{400036FB-1278-451F-BEEA-8CC055484AB0}"/>
-              </a:ext>
-            </a:extLst>
-          </p:cNvPr>
-          <p:cNvSpPr txBox="1"/>
-          <p:nvPr/>
-        </p:nvSpPr>
-        <p:spPr>
-          <a:xfrm>
-            <a:off x="399011" y="266007"/>
-            <a:ext cx="4630189" cy="369332"/>
-          </a:xfrm>
-          <a:prstGeom prst="rect">
-            <a:avLst/>
-          </a:prstGeom>
-          <a:noFill/>
-        </p:spPr>
-        <p:txBody>
-          <a:bodyPr wrap="square" rtlCol="0">
-            <a:spAutoFit/>
-          </a:bodyPr>
-          <a:lstStyle/>
-          <a:p>
-            <a:r>
-              <a:rPr lang="en-US" altLang="ko-KR" dirty="0" err="1"/>
-              <a:t>Kipris</a:t>
-            </a:r>
-            <a:r>
-              <a:rPr lang="en-US" altLang="ko-KR" dirty="0"/>
-              <a:t> </a:t>
-            </a:r>
-            <a:r>
-              <a:rPr lang="ko-KR" altLang="en-US" dirty="0"/>
-              <a:t>상표권 검색 프로그램 사용 매뉴얼</a:t>
-            </a:r>
-          </a:p>
-        </p:txBody>
-      </p:sp>
-      <p:sp>
-        <p:nvSpPr>
-          <p:cNvPr id="9" name="TextBox 8">
-            <a:extLst>
-              <a:ext uri="{FF2B5EF4-FFF2-40B4-BE49-F238E27FC236}">
-                <a16:creationId xmlns:a16="http://schemas.microsoft.com/office/drawing/2014/main" id="{7F1915D2-87C9-3124-275D-ACE7FB7972B1}"/>
-              </a:ext>
-            </a:extLst>
-          </p:cNvPr>
-          <p:cNvSpPr txBox="1"/>
-          <p:nvPr/>
-        </p:nvSpPr>
-        <p:spPr>
-          <a:xfrm>
-            <a:off x="399011" y="939139"/>
-            <a:ext cx="9476509" cy="1200329"/>
-          </a:xfrm>
-          <a:prstGeom prst="rect">
-            <a:avLst/>
-          </a:prstGeom>
-          <a:noFill/>
-        </p:spPr>
-        <p:txBody>
-          <a:bodyPr wrap="square" rtlCol="0">
-            <a:spAutoFit/>
-          </a:bodyPr>
-          <a:lstStyle/>
-          <a:p>
-            <a:r>
-              <a:rPr lang="en-US" altLang="ko-KR" dirty="0"/>
-              <a:t>** </a:t>
-            </a:r>
-            <a:r>
-              <a:rPr lang="ko-KR" altLang="en-US" dirty="0"/>
-              <a:t>상품명 분석 기능</a:t>
-            </a:r>
-            <a:endParaRPr lang="en-US" altLang="ko-KR" dirty="0"/>
-          </a:p>
-          <a:p>
-            <a:endParaRPr lang="en-US" altLang="ko-KR" dirty="0"/>
-          </a:p>
-          <a:p>
-            <a:r>
-              <a:rPr lang="en-US" altLang="ko-KR" dirty="0">
-                <a:solidFill>
-                  <a:srgbClr val="FF0000"/>
-                </a:solidFill>
-              </a:rPr>
-              <a:t>*</a:t>
-            </a:r>
-            <a:r>
-              <a:rPr lang="en-US" altLang="ko-KR" dirty="0"/>
-              <a:t> </a:t>
-            </a:r>
-            <a:r>
-              <a:rPr lang="ko-KR" altLang="en-US" b="1" dirty="0">
-                <a:solidFill>
-                  <a:srgbClr val="FF0000"/>
-                </a:solidFill>
-              </a:rPr>
-              <a:t>상품명 분석 파일이 있고</a:t>
-            </a:r>
-            <a:r>
-              <a:rPr lang="en-US" altLang="ko-KR" b="1" dirty="0">
-                <a:solidFill>
-                  <a:srgbClr val="FF0000"/>
-                </a:solidFill>
-              </a:rPr>
-              <a:t>, </a:t>
-            </a:r>
-            <a:r>
-              <a:rPr lang="ko-KR" altLang="en-US" b="1" dirty="0">
-                <a:solidFill>
-                  <a:srgbClr val="FF0000"/>
-                </a:solidFill>
-              </a:rPr>
-              <a:t>상품명 분석을 돌릴 필요 없는 경우</a:t>
-            </a:r>
-            <a:endParaRPr lang="en-US" altLang="ko-KR" b="1" dirty="0">
-              <a:solidFill>
-                <a:srgbClr val="FF0000"/>
-              </a:solidFill>
-            </a:endParaRPr>
-          </a:p>
-          <a:p>
-            <a:endParaRPr lang="ko-KR" altLang="en-US" dirty="0"/>
-          </a:p>
-        </p:txBody>
-      </p:sp>
-      <p:sp>
-        <p:nvSpPr>
-          <p:cNvPr id="7" name="직사각형 6">
-            <a:extLst>
-              <a:ext uri="{FF2B5EF4-FFF2-40B4-BE49-F238E27FC236}">
-                <a16:creationId xmlns:a16="http://schemas.microsoft.com/office/drawing/2014/main" id="{1590BEBE-493B-68FF-F395-155DEA672278}"/>
+          <p:cNvPr id="4" name="직사각형 3">
+            <a:extLst>
+              <a:ext uri="{FF2B5EF4-FFF2-40B4-BE49-F238E27FC236}">
+                <a16:creationId xmlns:a16="http://schemas.microsoft.com/office/drawing/2014/main" id="{5948B265-E9B4-6543-6F28-ABEBB619856A}"/>
               </a:ext>
             </a:extLst>
           </p:cNvPr>
@@ -5434,8 +5304,8 @@
         </p:nvSpPr>
         <p:spPr>
           <a:xfrm>
-            <a:off x="7005735" y="2937304"/>
-            <a:ext cx="3600693" cy="491696"/>
+            <a:off x="8514042" y="2699657"/>
+            <a:ext cx="2722956" cy="409303"/>
           </a:xfrm>
           <a:prstGeom prst="rect">
             <a:avLst/>
@@ -5472,12 +5342,311 @@
           </a:p>
         </p:txBody>
       </p:sp>
+    </p:spTree>
+    <p:extLst>
+      <p:ext uri="{BB962C8B-B14F-4D97-AF65-F5344CB8AC3E}">
+        <p14:creationId xmlns:p14="http://schemas.microsoft.com/office/powerpoint/2010/main" val="1213447033"/>
+      </p:ext>
+    </p:extLst>
+  </p:cSld>
+  <p:clrMapOvr>
+    <a:masterClrMapping/>
+  </p:clrMapOvr>
+</p:sld>
+</file>
+
+<file path=ppt/slides/slide12.xml><?xml version="1.0" encoding="utf-8"?>
+<p:sld xmlns:a="http://schemas.openxmlformats.org/drawingml/2006/main" xmlns:r="http://schemas.openxmlformats.org/officeDocument/2006/relationships" xmlns:p="http://schemas.openxmlformats.org/presentationml/2006/main">
+  <p:cSld>
+    <p:spTree>
+      <p:nvGrpSpPr>
+        <p:cNvPr id="1" name=""/>
+        <p:cNvGrpSpPr/>
+        <p:nvPr/>
+      </p:nvGrpSpPr>
+      <p:grpSpPr>
+        <a:xfrm>
+          <a:off x="0" y="0"/>
+          <a:ext cx="0" cy="0"/>
+          <a:chOff x="0" y="0"/>
+          <a:chExt cx="0" cy="0"/>
+        </a:xfrm>
+      </p:grpSpPr>
       <p:pic>
         <p:nvPicPr>
-          <p:cNvPr id="11" name="그림 10">
-            <a:extLst>
-              <a:ext uri="{FF2B5EF4-FFF2-40B4-BE49-F238E27FC236}">
-                <a16:creationId xmlns:a16="http://schemas.microsoft.com/office/drawing/2014/main" id="{D393C503-7005-CCC9-BFDE-6F90E91D0446}"/>
+          <p:cNvPr id="2" name="그림 1">
+            <a:extLst>
+              <a:ext uri="{FF2B5EF4-FFF2-40B4-BE49-F238E27FC236}">
+                <a16:creationId xmlns:a16="http://schemas.microsoft.com/office/drawing/2014/main" id="{E11C6C9D-7AE9-E7C8-903C-D06C2868AC8E}"/>
+              </a:ext>
+            </a:extLst>
+          </p:cNvPr>
+          <p:cNvPicPr>
+            <a:picLocks noChangeAspect="1"/>
+          </p:cNvPicPr>
+          <p:nvPr/>
+        </p:nvPicPr>
+        <p:blipFill>
+          <a:blip r:embed="rId2"/>
+          <a:stretch>
+            <a:fillRect/>
+          </a:stretch>
+        </p:blipFill>
+        <p:spPr>
+          <a:xfrm>
+            <a:off x="7284956" y="1499262"/>
+            <a:ext cx="4643970" cy="4419599"/>
+          </a:xfrm>
+          <a:prstGeom prst="rect">
+            <a:avLst/>
+          </a:prstGeom>
+        </p:spPr>
+      </p:pic>
+      <p:sp>
+        <p:nvSpPr>
+          <p:cNvPr id="8" name="TextBox 7">
+            <a:extLst>
+              <a:ext uri="{FF2B5EF4-FFF2-40B4-BE49-F238E27FC236}">
+                <a16:creationId xmlns:a16="http://schemas.microsoft.com/office/drawing/2014/main" id="{7B1F6E08-A407-50EE-FE82-9E596BAF83D4}"/>
+              </a:ext>
+            </a:extLst>
+          </p:cNvPr>
+          <p:cNvSpPr txBox="1"/>
+          <p:nvPr/>
+        </p:nvSpPr>
+        <p:spPr>
+          <a:xfrm>
+            <a:off x="881148" y="5378765"/>
+            <a:ext cx="5415148" cy="923330"/>
+          </a:xfrm>
+          <a:prstGeom prst="rect">
+            <a:avLst/>
+          </a:prstGeom>
+          <a:noFill/>
+        </p:spPr>
+        <p:txBody>
+          <a:bodyPr wrap="square" rtlCol="0">
+            <a:spAutoFit/>
+          </a:bodyPr>
+          <a:lstStyle/>
+          <a:p>
+            <a:pPr marL="342900" indent="-342900">
+              <a:buAutoNum type="arabicParenR"/>
+            </a:pPr>
+            <a:r>
+              <a:rPr lang="ko-KR" altLang="en-US" dirty="0"/>
+              <a:t>상품명 비율 분석 클릭</a:t>
+            </a:r>
+            <a:endParaRPr lang="en-US" altLang="ko-KR" dirty="0"/>
+          </a:p>
+          <a:p>
+            <a:pPr marL="342900" indent="-342900">
+              <a:buAutoNum type="arabicParenR"/>
+            </a:pPr>
+            <a:r>
+              <a:rPr lang="ko-KR" altLang="en-US" dirty="0"/>
+              <a:t>연동할 네이버 카테고리 분석 파일 선택</a:t>
+            </a:r>
+            <a:endParaRPr lang="en-US" altLang="ko-KR" dirty="0"/>
+          </a:p>
+          <a:p>
+            <a:pPr marL="342900" indent="-342900">
+              <a:buAutoNum type="arabicParenR"/>
+            </a:pPr>
+            <a:endParaRPr lang="ko-KR" altLang="en-US" dirty="0"/>
+          </a:p>
+        </p:txBody>
+      </p:sp>
+      <p:sp>
+        <p:nvSpPr>
+          <p:cNvPr id="6" name="TextBox 5">
+            <a:extLst>
+              <a:ext uri="{FF2B5EF4-FFF2-40B4-BE49-F238E27FC236}">
+                <a16:creationId xmlns:a16="http://schemas.microsoft.com/office/drawing/2014/main" id="{400036FB-1278-451F-BEEA-8CC055484AB0}"/>
+              </a:ext>
+            </a:extLst>
+          </p:cNvPr>
+          <p:cNvSpPr txBox="1"/>
+          <p:nvPr/>
+        </p:nvSpPr>
+        <p:spPr>
+          <a:xfrm>
+            <a:off x="399011" y="266007"/>
+            <a:ext cx="4630189" cy="369332"/>
+          </a:xfrm>
+          <a:prstGeom prst="rect">
+            <a:avLst/>
+          </a:prstGeom>
+          <a:noFill/>
+        </p:spPr>
+        <p:txBody>
+          <a:bodyPr wrap="square" rtlCol="0">
+            <a:spAutoFit/>
+          </a:bodyPr>
+          <a:lstStyle/>
+          <a:p>
+            <a:r>
+              <a:rPr lang="en-US" altLang="ko-KR" dirty="0" err="1"/>
+              <a:t>Kipris</a:t>
+            </a:r>
+            <a:r>
+              <a:rPr lang="en-US" altLang="ko-KR" dirty="0"/>
+              <a:t> </a:t>
+            </a:r>
+            <a:r>
+              <a:rPr lang="ko-KR" altLang="en-US" dirty="0"/>
+              <a:t>상표권 검색 프로그램 사용 매뉴얼</a:t>
+            </a:r>
+          </a:p>
+        </p:txBody>
+      </p:sp>
+      <p:sp>
+        <p:nvSpPr>
+          <p:cNvPr id="9" name="TextBox 8">
+            <a:extLst>
+              <a:ext uri="{FF2B5EF4-FFF2-40B4-BE49-F238E27FC236}">
+                <a16:creationId xmlns:a16="http://schemas.microsoft.com/office/drawing/2014/main" id="{7F1915D2-87C9-3124-275D-ACE7FB7972B1}"/>
+              </a:ext>
+            </a:extLst>
+          </p:cNvPr>
+          <p:cNvSpPr txBox="1"/>
+          <p:nvPr/>
+        </p:nvSpPr>
+        <p:spPr>
+          <a:xfrm>
+            <a:off x="399011" y="939139"/>
+            <a:ext cx="9476509" cy="1200329"/>
+          </a:xfrm>
+          <a:prstGeom prst="rect">
+            <a:avLst/>
+          </a:prstGeom>
+          <a:noFill/>
+        </p:spPr>
+        <p:txBody>
+          <a:bodyPr wrap="square" rtlCol="0">
+            <a:spAutoFit/>
+          </a:bodyPr>
+          <a:lstStyle/>
+          <a:p>
+            <a:r>
+              <a:rPr lang="en-US" altLang="ko-KR" dirty="0"/>
+              <a:t>** </a:t>
+            </a:r>
+            <a:r>
+              <a:rPr lang="ko-KR" altLang="en-US" dirty="0"/>
+              <a:t>상품명 분석 기능</a:t>
+            </a:r>
+            <a:endParaRPr lang="en-US" altLang="ko-KR" dirty="0"/>
+          </a:p>
+          <a:p>
+            <a:endParaRPr lang="en-US" altLang="ko-KR" dirty="0"/>
+          </a:p>
+          <a:p>
+            <a:r>
+              <a:rPr lang="en-US" altLang="ko-KR" dirty="0">
+                <a:solidFill>
+                  <a:srgbClr val="FF0000"/>
+                </a:solidFill>
+              </a:rPr>
+              <a:t>*</a:t>
+            </a:r>
+            <a:r>
+              <a:rPr lang="en-US" altLang="ko-KR" dirty="0"/>
+              <a:t> </a:t>
+            </a:r>
+            <a:r>
+              <a:rPr lang="ko-KR" altLang="en-US" b="1" dirty="0">
+                <a:solidFill>
+                  <a:srgbClr val="FF0000"/>
+                </a:solidFill>
+              </a:rPr>
+              <a:t>상품명 분석 파일이 있고</a:t>
+            </a:r>
+            <a:r>
+              <a:rPr lang="en-US" altLang="ko-KR" b="1" dirty="0">
+                <a:solidFill>
+                  <a:srgbClr val="FF0000"/>
+                </a:solidFill>
+              </a:rPr>
+              <a:t>, </a:t>
+            </a:r>
+            <a:r>
+              <a:rPr lang="ko-KR" altLang="en-US" b="1" dirty="0">
+                <a:solidFill>
+                  <a:srgbClr val="FF0000"/>
+                </a:solidFill>
+              </a:rPr>
+              <a:t>상품명 분석을 돌릴 필요 없는 경우</a:t>
+            </a:r>
+            <a:endParaRPr lang="en-US" altLang="ko-KR" b="1" dirty="0">
+              <a:solidFill>
+                <a:srgbClr val="FF0000"/>
+              </a:solidFill>
+            </a:endParaRPr>
+          </a:p>
+          <a:p>
+            <a:endParaRPr lang="ko-KR" altLang="en-US" dirty="0"/>
+          </a:p>
+        </p:txBody>
+      </p:sp>
+      <p:sp>
+        <p:nvSpPr>
+          <p:cNvPr id="7" name="직사각형 6">
+            <a:extLst>
+              <a:ext uri="{FF2B5EF4-FFF2-40B4-BE49-F238E27FC236}">
+                <a16:creationId xmlns:a16="http://schemas.microsoft.com/office/drawing/2014/main" id="{1590BEBE-493B-68FF-F395-155DEA672278}"/>
+              </a:ext>
+            </a:extLst>
+          </p:cNvPr>
+          <p:cNvSpPr/>
+          <p:nvPr/>
+        </p:nvSpPr>
+        <p:spPr>
+          <a:xfrm>
+            <a:off x="8499565" y="3230881"/>
+            <a:ext cx="827314" cy="198119"/>
+          </a:xfrm>
+          <a:prstGeom prst="rect">
+            <a:avLst/>
+          </a:prstGeom>
+          <a:noFill/>
+          <a:ln w="28575">
+            <a:solidFill>
+              <a:srgbClr val="FF0000"/>
+            </a:solidFill>
+          </a:ln>
+        </p:spPr>
+        <p:style>
+          <a:lnRef idx="2">
+            <a:schemeClr val="accent1">
+              <a:shade val="15000"/>
+            </a:schemeClr>
+          </a:lnRef>
+          <a:fillRef idx="1">
+            <a:schemeClr val="accent1"/>
+          </a:fillRef>
+          <a:effectRef idx="0">
+            <a:schemeClr val="accent1"/>
+          </a:effectRef>
+          <a:fontRef idx="minor">
+            <a:schemeClr val="lt1"/>
+          </a:fontRef>
+        </p:style>
+        <p:txBody>
+          <a:bodyPr rtlCol="0" anchor="ctr"/>
+          <a:lstStyle/>
+          <a:p>
+            <a:pPr algn="ctr"/>
+            <a:endParaRPr lang="ko-KR" altLang="en-US" dirty="0"/>
+          </a:p>
+        </p:txBody>
+      </p:sp>
+      <p:pic>
+        <p:nvPicPr>
+          <p:cNvPr id="5" name="그림 4">
+            <a:extLst>
+              <a:ext uri="{FF2B5EF4-FFF2-40B4-BE49-F238E27FC236}">
+                <a16:creationId xmlns:a16="http://schemas.microsoft.com/office/drawing/2014/main" id="{78D7E4A2-1C75-BA35-CDDD-486F2A7FFB8B}"/>
               </a:ext>
             </a:extLst>
           </p:cNvPr>
@@ -5494,8 +5663,8 @@
         </p:blipFill>
         <p:spPr>
           <a:xfrm>
-            <a:off x="618307" y="1868833"/>
-            <a:ext cx="5890617" cy="3318921"/>
+            <a:off x="733306" y="2006904"/>
+            <a:ext cx="5712853" cy="3212725"/>
           </a:xfrm>
           <a:prstGeom prst="rect">
             <a:avLst/>
@@ -5506,6 +5675,322 @@
     <p:extLst>
       <p:ext uri="{BB962C8B-B14F-4D97-AF65-F5344CB8AC3E}">
         <p14:creationId xmlns:p14="http://schemas.microsoft.com/office/powerpoint/2010/main" val="1037398916"/>
+      </p:ext>
+    </p:extLst>
+  </p:cSld>
+  <p:clrMapOvr>
+    <a:masterClrMapping/>
+  </p:clrMapOvr>
+</p:sld>
+</file>
+
+<file path=ppt/slides/slide13.xml><?xml version="1.0" encoding="utf-8"?>
+<p:sld xmlns:a="http://schemas.openxmlformats.org/drawingml/2006/main" xmlns:r="http://schemas.openxmlformats.org/officeDocument/2006/relationships" xmlns:p="http://schemas.openxmlformats.org/presentationml/2006/main">
+  <p:cSld>
+    <p:spTree>
+      <p:nvGrpSpPr>
+        <p:cNvPr id="1" name=""/>
+        <p:cNvGrpSpPr/>
+        <p:nvPr/>
+      </p:nvGrpSpPr>
+      <p:grpSpPr>
+        <a:xfrm>
+          <a:off x="0" y="0"/>
+          <a:ext cx="0" cy="0"/>
+          <a:chOff x="0" y="0"/>
+          <a:chExt cx="0" cy="0"/>
+        </a:xfrm>
+      </p:grpSpPr>
+      <p:pic>
+        <p:nvPicPr>
+          <p:cNvPr id="4" name="그림 3">
+            <a:extLst>
+              <a:ext uri="{FF2B5EF4-FFF2-40B4-BE49-F238E27FC236}">
+                <a16:creationId xmlns:a16="http://schemas.microsoft.com/office/drawing/2014/main" id="{441372E1-4CE0-F261-4A65-277EEAF36CC9}"/>
+              </a:ext>
+            </a:extLst>
+          </p:cNvPr>
+          <p:cNvPicPr>
+            <a:picLocks noChangeAspect="1"/>
+          </p:cNvPicPr>
+          <p:nvPr/>
+        </p:nvPicPr>
+        <p:blipFill>
+          <a:blip r:embed="rId2"/>
+          <a:stretch>
+            <a:fillRect/>
+          </a:stretch>
+        </p:blipFill>
+        <p:spPr>
+          <a:xfrm>
+            <a:off x="6908307" y="1785256"/>
+            <a:ext cx="5008577" cy="4766589"/>
+          </a:xfrm>
+          <a:prstGeom prst="rect">
+            <a:avLst/>
+          </a:prstGeom>
+        </p:spPr>
+      </p:pic>
+      <p:sp>
+        <p:nvSpPr>
+          <p:cNvPr id="6" name="TextBox 5">
+            <a:extLst>
+              <a:ext uri="{FF2B5EF4-FFF2-40B4-BE49-F238E27FC236}">
+                <a16:creationId xmlns:a16="http://schemas.microsoft.com/office/drawing/2014/main" id="{400036FB-1278-451F-BEEA-8CC055484AB0}"/>
+              </a:ext>
+            </a:extLst>
+          </p:cNvPr>
+          <p:cNvSpPr txBox="1"/>
+          <p:nvPr/>
+        </p:nvSpPr>
+        <p:spPr>
+          <a:xfrm>
+            <a:off x="399011" y="266007"/>
+            <a:ext cx="4630189" cy="369332"/>
+          </a:xfrm>
+          <a:prstGeom prst="rect">
+            <a:avLst/>
+          </a:prstGeom>
+          <a:noFill/>
+        </p:spPr>
+        <p:txBody>
+          <a:bodyPr wrap="square" rtlCol="0">
+            <a:spAutoFit/>
+          </a:bodyPr>
+          <a:lstStyle/>
+          <a:p>
+            <a:r>
+              <a:rPr lang="en-US" altLang="ko-KR" dirty="0" err="1"/>
+              <a:t>Kipris</a:t>
+            </a:r>
+            <a:r>
+              <a:rPr lang="en-US" altLang="ko-KR" dirty="0"/>
+              <a:t> </a:t>
+            </a:r>
+            <a:r>
+              <a:rPr lang="ko-KR" altLang="en-US" dirty="0"/>
+              <a:t>상표권 검색 프로그램 사용 매뉴얼</a:t>
+            </a:r>
+          </a:p>
+        </p:txBody>
+      </p:sp>
+      <p:sp>
+        <p:nvSpPr>
+          <p:cNvPr id="9" name="TextBox 8">
+            <a:extLst>
+              <a:ext uri="{FF2B5EF4-FFF2-40B4-BE49-F238E27FC236}">
+                <a16:creationId xmlns:a16="http://schemas.microsoft.com/office/drawing/2014/main" id="{7F1915D2-87C9-3124-275D-ACE7FB7972B1}"/>
+              </a:ext>
+            </a:extLst>
+          </p:cNvPr>
+          <p:cNvSpPr txBox="1"/>
+          <p:nvPr/>
+        </p:nvSpPr>
+        <p:spPr>
+          <a:xfrm>
+            <a:off x="399011" y="939139"/>
+            <a:ext cx="9476509" cy="3139321"/>
+          </a:xfrm>
+          <a:prstGeom prst="rect">
+            <a:avLst/>
+          </a:prstGeom>
+          <a:noFill/>
+        </p:spPr>
+        <p:txBody>
+          <a:bodyPr wrap="square" rtlCol="0">
+            <a:spAutoFit/>
+          </a:bodyPr>
+          <a:lstStyle/>
+          <a:p>
+            <a:r>
+              <a:rPr lang="en-US" altLang="ko-KR" dirty="0"/>
+              <a:t>** </a:t>
+            </a:r>
+            <a:r>
+              <a:rPr lang="ko-KR" altLang="en-US" dirty="0"/>
+              <a:t>상품명 분석 기능</a:t>
+            </a:r>
+            <a:endParaRPr lang="en-US" altLang="ko-KR" dirty="0"/>
+          </a:p>
+          <a:p>
+            <a:endParaRPr lang="en-US" altLang="ko-KR" dirty="0"/>
+          </a:p>
+          <a:p>
+            <a:r>
+              <a:rPr lang="en-US" altLang="ko-KR" dirty="0">
+                <a:solidFill>
+                  <a:srgbClr val="FF0000"/>
+                </a:solidFill>
+              </a:rPr>
+              <a:t>*</a:t>
+            </a:r>
+            <a:r>
+              <a:rPr lang="en-US" altLang="ko-KR" dirty="0"/>
+              <a:t> </a:t>
+            </a:r>
+            <a:r>
+              <a:rPr lang="ko-KR" altLang="en-US" b="1" dirty="0">
+                <a:solidFill>
+                  <a:srgbClr val="FF0000"/>
+                </a:solidFill>
+              </a:rPr>
+              <a:t>상품명 분석 파일이 있고</a:t>
+            </a:r>
+            <a:r>
+              <a:rPr lang="en-US" altLang="ko-KR" b="1" dirty="0">
+                <a:solidFill>
+                  <a:srgbClr val="FF0000"/>
+                </a:solidFill>
+              </a:rPr>
+              <a:t>, </a:t>
+            </a:r>
+            <a:r>
+              <a:rPr lang="ko-KR" altLang="en-US" b="1" dirty="0">
+                <a:solidFill>
+                  <a:srgbClr val="FF0000"/>
+                </a:solidFill>
+              </a:rPr>
+              <a:t>상품명 분석을 돌릴 필요 없는 경우</a:t>
+            </a:r>
+            <a:endParaRPr lang="en-US" altLang="ko-KR" b="1" dirty="0">
+              <a:solidFill>
+                <a:srgbClr val="FF0000"/>
+              </a:solidFill>
+            </a:endParaRPr>
+          </a:p>
+          <a:p>
+            <a:endParaRPr lang="en-US" altLang="ko-KR" dirty="0"/>
+          </a:p>
+          <a:p>
+            <a:r>
+              <a:rPr lang="ko-KR" altLang="en-US" dirty="0"/>
+              <a:t> </a:t>
+            </a:r>
+            <a:r>
+              <a:rPr lang="en-US" altLang="ko-KR" dirty="0"/>
+              <a:t>1) </a:t>
+            </a:r>
+            <a:r>
+              <a:rPr lang="ko-KR" altLang="en-US" dirty="0"/>
+              <a:t>원하는 상품명 허용 비율 입력</a:t>
+            </a:r>
+            <a:br>
+              <a:rPr lang="en-US" altLang="ko-KR" dirty="0"/>
+            </a:br>
+            <a:r>
+              <a:rPr lang="en-US" altLang="ko-KR" dirty="0"/>
+              <a:t>    (</a:t>
+            </a:r>
+            <a:r>
+              <a:rPr lang="ko-KR" altLang="en-US" dirty="0" err="1"/>
+              <a:t>미입력</a:t>
+            </a:r>
+            <a:r>
+              <a:rPr lang="ko-KR" altLang="en-US" dirty="0"/>
+              <a:t> 시</a:t>
+            </a:r>
+            <a:r>
+              <a:rPr lang="en-US" altLang="ko-KR" dirty="0"/>
+              <a:t>, </a:t>
+            </a:r>
+            <a:r>
+              <a:rPr lang="ko-KR" altLang="en-US" dirty="0"/>
+              <a:t>모든 상품명 분석</a:t>
+            </a:r>
+            <a:r>
+              <a:rPr lang="en-US" altLang="ko-KR" dirty="0"/>
+              <a:t>)</a:t>
+            </a:r>
+          </a:p>
+          <a:p>
+            <a:endParaRPr lang="en-US" altLang="ko-KR" dirty="0"/>
+          </a:p>
+          <a:p>
+            <a:r>
+              <a:rPr lang="en-US" altLang="ko-KR" dirty="0"/>
+              <a:t> 2) </a:t>
+            </a:r>
+            <a:r>
+              <a:rPr lang="ko-KR" altLang="en-US" dirty="0"/>
+              <a:t>분석 비율 연동 검색 활성화 버튼 클릭</a:t>
+            </a:r>
+            <a:endParaRPr lang="en-US" altLang="ko-KR" dirty="0"/>
+          </a:p>
+          <a:p>
+            <a:endParaRPr lang="en-US" altLang="ko-KR" dirty="0"/>
+          </a:p>
+          <a:p>
+            <a:r>
+              <a:rPr lang="en-US" altLang="ko-KR" dirty="0"/>
+              <a:t> 3) </a:t>
+            </a:r>
+            <a:r>
+              <a:rPr lang="ko-KR" altLang="en-US" dirty="0"/>
+              <a:t>시작 버튼 클릭</a:t>
+            </a:r>
+            <a:endParaRPr lang="en-US" altLang="ko-KR" dirty="0"/>
+          </a:p>
+          <a:p>
+            <a:endParaRPr lang="ko-KR" altLang="en-US" dirty="0"/>
+          </a:p>
+        </p:txBody>
+      </p:sp>
+      <p:sp>
+        <p:nvSpPr>
+          <p:cNvPr id="7" name="직사각형 6">
+            <a:extLst>
+              <a:ext uri="{FF2B5EF4-FFF2-40B4-BE49-F238E27FC236}">
+                <a16:creationId xmlns:a16="http://schemas.microsoft.com/office/drawing/2014/main" id="{1590BEBE-493B-68FF-F395-155DEA672278}"/>
+              </a:ext>
+            </a:extLst>
+          </p:cNvPr>
+          <p:cNvSpPr/>
+          <p:nvPr/>
+        </p:nvSpPr>
+        <p:spPr>
+          <a:xfrm>
+            <a:off x="9196250" y="3361509"/>
+            <a:ext cx="2629990" cy="496388"/>
+          </a:xfrm>
+          <a:prstGeom prst="rect">
+            <a:avLst/>
+          </a:prstGeom>
+          <a:noFill/>
+          <a:ln w="28575">
+            <a:solidFill>
+              <a:srgbClr val="FF0000"/>
+            </a:solidFill>
+          </a:ln>
+        </p:spPr>
+        <p:style>
+          <a:lnRef idx="2">
+            <a:schemeClr val="accent1">
+              <a:shade val="15000"/>
+            </a:schemeClr>
+          </a:lnRef>
+          <a:fillRef idx="1">
+            <a:schemeClr val="accent1"/>
+          </a:fillRef>
+          <a:effectRef idx="0">
+            <a:schemeClr val="accent1"/>
+          </a:effectRef>
+          <a:fontRef idx="minor">
+            <a:schemeClr val="lt1"/>
+          </a:fontRef>
+        </p:style>
+        <p:txBody>
+          <a:bodyPr rtlCol="0" anchor="ctr"/>
+          <a:lstStyle/>
+          <a:p>
+            <a:pPr algn="ctr"/>
+            <a:endParaRPr lang="ko-KR" altLang="en-US" dirty="0"/>
+          </a:p>
+        </p:txBody>
+      </p:sp>
+    </p:spTree>
+    <p:extLst>
+      <p:ext uri="{BB962C8B-B14F-4D97-AF65-F5344CB8AC3E}">
+        <p14:creationId xmlns:p14="http://schemas.microsoft.com/office/powerpoint/2010/main" val="3488871855"/>
       </p:ext>
     </p:extLst>
   </p:cSld>
@@ -5811,10 +6296,10 @@
       </p:grpSpPr>
       <p:pic>
         <p:nvPicPr>
-          <p:cNvPr id="19" name="그림 18">
-            <a:extLst>
-              <a:ext uri="{FF2B5EF4-FFF2-40B4-BE49-F238E27FC236}">
-                <a16:creationId xmlns:a16="http://schemas.microsoft.com/office/drawing/2014/main" id="{522EA263-178F-867A-AC15-78CF098F12FA}"/>
+          <p:cNvPr id="3" name="그림 2">
+            <a:extLst>
+              <a:ext uri="{FF2B5EF4-FFF2-40B4-BE49-F238E27FC236}">
+                <a16:creationId xmlns:a16="http://schemas.microsoft.com/office/drawing/2014/main" id="{EB0C4966-5172-ABB9-543F-2C2EE8628FDB}"/>
               </a:ext>
             </a:extLst>
           </p:cNvPr>
@@ -5831,8 +6316,8 @@
         </p:blipFill>
         <p:spPr>
           <a:xfrm>
-            <a:off x="4053534" y="1823617"/>
-            <a:ext cx="3604867" cy="4233061"/>
+            <a:off x="4037642" y="1788598"/>
+            <a:ext cx="4503199" cy="4285629"/>
           </a:xfrm>
           <a:prstGeom prst="rect">
             <a:avLst/>
@@ -6109,7 +6594,7 @@
         </p:nvSpPr>
         <p:spPr>
           <a:xfrm>
-            <a:off x="7813964" y="1745673"/>
+            <a:off x="8551026" y="1788598"/>
             <a:ext cx="3640974" cy="369332"/>
           </a:xfrm>
           <a:prstGeom prst="rect">
@@ -6231,10 +6716,10 @@
       </p:sp>
       <p:pic>
         <p:nvPicPr>
-          <p:cNvPr id="5" name="그림 4">
-            <a:extLst>
-              <a:ext uri="{FF2B5EF4-FFF2-40B4-BE49-F238E27FC236}">
-                <a16:creationId xmlns:a16="http://schemas.microsoft.com/office/drawing/2014/main" id="{F0AA2BBD-21C2-383E-890C-B343C510A6A7}"/>
+          <p:cNvPr id="4" name="그림 3">
+            <a:extLst>
+              <a:ext uri="{FF2B5EF4-FFF2-40B4-BE49-F238E27FC236}">
+                <a16:creationId xmlns:a16="http://schemas.microsoft.com/office/drawing/2014/main" id="{E3495CEA-AC92-47BE-E3D7-1B3518552117}"/>
               </a:ext>
             </a:extLst>
           </p:cNvPr>
@@ -6251,8 +6736,8 @@
         </p:blipFill>
         <p:spPr>
           <a:xfrm>
-            <a:off x="4039823" y="1813470"/>
-            <a:ext cx="3624745" cy="4256403"/>
+            <a:off x="3774015" y="1788598"/>
+            <a:ext cx="4643970" cy="4419599"/>
           </a:xfrm>
           <a:prstGeom prst="rect">
             <a:avLst/>
@@ -6289,12 +6774,183 @@
           <a:chExt cx="0" cy="0"/>
         </a:xfrm>
       </p:grpSpPr>
+      <p:sp>
+        <p:nvSpPr>
+          <p:cNvPr id="8" name="TextBox 7">
+            <a:extLst>
+              <a:ext uri="{FF2B5EF4-FFF2-40B4-BE49-F238E27FC236}">
+                <a16:creationId xmlns:a16="http://schemas.microsoft.com/office/drawing/2014/main" id="{7B1F6E08-A407-50EE-FE82-9E596BAF83D4}"/>
+              </a:ext>
+            </a:extLst>
+          </p:cNvPr>
+          <p:cNvSpPr txBox="1"/>
+          <p:nvPr/>
+        </p:nvSpPr>
+        <p:spPr>
+          <a:xfrm>
+            <a:off x="8075221" y="1788598"/>
+            <a:ext cx="4256116" cy="646331"/>
+          </a:xfrm>
+          <a:prstGeom prst="rect">
+            <a:avLst/>
+          </a:prstGeom>
+          <a:noFill/>
+        </p:spPr>
+        <p:txBody>
+          <a:bodyPr wrap="square" rtlCol="0">
+            <a:spAutoFit/>
+          </a:bodyPr>
+          <a:lstStyle/>
+          <a:p>
+            <a:r>
+              <a:rPr lang="en-US" altLang="ko-KR" dirty="0"/>
+              <a:t>* </a:t>
+            </a:r>
+            <a:r>
+              <a:rPr lang="ko-KR" altLang="en-US" dirty="0"/>
+              <a:t>다중 검색 활성화 버튼 클릭 시</a:t>
+            </a:r>
+            <a:r>
+              <a:rPr lang="en-US" altLang="ko-KR" dirty="0"/>
+              <a:t>,</a:t>
+            </a:r>
+          </a:p>
+          <a:p>
+            <a:r>
+              <a:rPr lang="ko-KR" altLang="en-US" dirty="0"/>
+              <a:t>  상표명칭 </a:t>
+            </a:r>
+            <a:r>
+              <a:rPr lang="en-US" altLang="ko-KR" dirty="0"/>
+              <a:t>/ </a:t>
+            </a:r>
+            <a:r>
+              <a:rPr lang="ko-KR" altLang="en-US" dirty="0"/>
+              <a:t>지정상품 입력 </a:t>
+            </a:r>
+            <a:r>
+              <a:rPr lang="ko-KR" altLang="en-US" dirty="0" err="1"/>
+              <a:t>안해도</a:t>
+            </a:r>
+            <a:r>
+              <a:rPr lang="ko-KR" altLang="en-US" dirty="0"/>
+              <a:t> 됨</a:t>
+            </a:r>
+          </a:p>
+        </p:txBody>
+      </p:sp>
+      <p:sp>
+        <p:nvSpPr>
+          <p:cNvPr id="6" name="TextBox 5">
+            <a:extLst>
+              <a:ext uri="{FF2B5EF4-FFF2-40B4-BE49-F238E27FC236}">
+                <a16:creationId xmlns:a16="http://schemas.microsoft.com/office/drawing/2014/main" id="{400036FB-1278-451F-BEEA-8CC055484AB0}"/>
+              </a:ext>
+            </a:extLst>
+          </p:cNvPr>
+          <p:cNvSpPr txBox="1"/>
+          <p:nvPr/>
+        </p:nvSpPr>
+        <p:spPr>
+          <a:xfrm>
+            <a:off x="399011" y="266007"/>
+            <a:ext cx="4630189" cy="369332"/>
+          </a:xfrm>
+          <a:prstGeom prst="rect">
+            <a:avLst/>
+          </a:prstGeom>
+          <a:noFill/>
+        </p:spPr>
+        <p:txBody>
+          <a:bodyPr wrap="square" rtlCol="0">
+            <a:spAutoFit/>
+          </a:bodyPr>
+          <a:lstStyle/>
+          <a:p>
+            <a:r>
+              <a:rPr lang="en-US" altLang="ko-KR" dirty="0" err="1"/>
+              <a:t>Kipris</a:t>
+            </a:r>
+            <a:r>
+              <a:rPr lang="en-US" altLang="ko-KR" dirty="0"/>
+              <a:t> </a:t>
+            </a:r>
+            <a:r>
+              <a:rPr lang="ko-KR" altLang="en-US" dirty="0"/>
+              <a:t>상표권 검색 프로그램 사용 매뉴얼</a:t>
+            </a:r>
+          </a:p>
+        </p:txBody>
+      </p:sp>
+      <p:sp>
+        <p:nvSpPr>
+          <p:cNvPr id="9" name="TextBox 8">
+            <a:extLst>
+              <a:ext uri="{FF2B5EF4-FFF2-40B4-BE49-F238E27FC236}">
+                <a16:creationId xmlns:a16="http://schemas.microsoft.com/office/drawing/2014/main" id="{7F1915D2-87C9-3124-275D-ACE7FB7972B1}"/>
+              </a:ext>
+            </a:extLst>
+          </p:cNvPr>
+          <p:cNvSpPr txBox="1"/>
+          <p:nvPr/>
+        </p:nvSpPr>
+        <p:spPr>
+          <a:xfrm>
+            <a:off x="399011" y="939139"/>
+            <a:ext cx="9476509" cy="369332"/>
+          </a:xfrm>
+          <a:prstGeom prst="rect">
+            <a:avLst/>
+          </a:prstGeom>
+          <a:noFill/>
+        </p:spPr>
+        <p:txBody>
+          <a:bodyPr wrap="square" rtlCol="0">
+            <a:spAutoFit/>
+          </a:bodyPr>
+          <a:lstStyle/>
+          <a:p>
+            <a:r>
+              <a:rPr lang="en-US" altLang="ko-KR" dirty="0"/>
+              <a:t>2) </a:t>
+            </a:r>
+            <a:r>
+              <a:rPr lang="ko-KR" altLang="en-US" dirty="0"/>
+              <a:t>원하는 상표명칭 </a:t>
+            </a:r>
+            <a:r>
+              <a:rPr lang="en-US" altLang="ko-KR" dirty="0"/>
+              <a:t>/ </a:t>
+            </a:r>
+            <a:r>
+              <a:rPr lang="ko-KR" altLang="en-US" dirty="0"/>
+              <a:t>지정상품 입력 및 </a:t>
+            </a:r>
+            <a:r>
+              <a:rPr lang="en-US" altLang="ko-KR" dirty="0"/>
+              <a:t>‘</a:t>
+            </a:r>
+            <a:r>
+              <a:rPr lang="ko-KR" altLang="en-US" dirty="0"/>
+              <a:t>시작</a:t>
+            </a:r>
+            <a:r>
+              <a:rPr lang="en-US" altLang="ko-KR" dirty="0"/>
+              <a:t>’</a:t>
+            </a:r>
+            <a:r>
+              <a:rPr lang="ko-KR" altLang="en-US" dirty="0"/>
+              <a:t> 클릭</a:t>
+            </a:r>
+          </a:p>
+        </p:txBody>
+      </p:sp>
       <p:pic>
         <p:nvPicPr>
-          <p:cNvPr id="7" name="그림 6">
-            <a:extLst>
-              <a:ext uri="{FF2B5EF4-FFF2-40B4-BE49-F238E27FC236}">
-                <a16:creationId xmlns:a16="http://schemas.microsoft.com/office/drawing/2014/main" id="{DB575B73-3F87-2D61-6E4D-7D21ED58B09C}"/>
+          <p:cNvPr id="4" name="그림 3">
+            <a:extLst>
+              <a:ext uri="{FF2B5EF4-FFF2-40B4-BE49-F238E27FC236}">
+                <a16:creationId xmlns:a16="http://schemas.microsoft.com/office/drawing/2014/main" id="{F1F8797D-28CA-4391-F34F-E05C2FFCBF53}"/>
               </a:ext>
             </a:extLst>
           </p:cNvPr>
@@ -6311,185 +6967,14 @@
         </p:blipFill>
         <p:spPr>
           <a:xfrm>
-            <a:off x="4039823" y="1813470"/>
-            <a:ext cx="3624745" cy="4256403"/>
+            <a:off x="3421393" y="1725481"/>
+            <a:ext cx="4564366" cy="4343841"/>
           </a:xfrm>
           <a:prstGeom prst="rect">
             <a:avLst/>
           </a:prstGeom>
         </p:spPr>
       </p:pic>
-      <p:sp>
-        <p:nvSpPr>
-          <p:cNvPr id="8" name="TextBox 7">
-            <a:extLst>
-              <a:ext uri="{FF2B5EF4-FFF2-40B4-BE49-F238E27FC236}">
-                <a16:creationId xmlns:a16="http://schemas.microsoft.com/office/drawing/2014/main" id="{7B1F6E08-A407-50EE-FE82-9E596BAF83D4}"/>
-              </a:ext>
-            </a:extLst>
-          </p:cNvPr>
-          <p:cNvSpPr txBox="1"/>
-          <p:nvPr/>
-        </p:nvSpPr>
-        <p:spPr>
-          <a:xfrm>
-            <a:off x="7813964" y="1745673"/>
-            <a:ext cx="4256116" cy="646331"/>
-          </a:xfrm>
-          <a:prstGeom prst="rect">
-            <a:avLst/>
-          </a:prstGeom>
-          <a:noFill/>
-        </p:spPr>
-        <p:txBody>
-          <a:bodyPr wrap="square" rtlCol="0">
-            <a:spAutoFit/>
-          </a:bodyPr>
-          <a:lstStyle/>
-          <a:p>
-            <a:r>
-              <a:rPr lang="en-US" altLang="ko-KR" dirty="0"/>
-              <a:t>* </a:t>
-            </a:r>
-            <a:r>
-              <a:rPr lang="ko-KR" altLang="en-US" dirty="0"/>
-              <a:t>다중 검색 활성화 버튼 클릭 시</a:t>
-            </a:r>
-            <a:r>
-              <a:rPr lang="en-US" altLang="ko-KR" dirty="0"/>
-              <a:t>,</a:t>
-            </a:r>
-          </a:p>
-          <a:p>
-            <a:r>
-              <a:rPr lang="ko-KR" altLang="en-US" dirty="0"/>
-              <a:t>  상표명칭 </a:t>
-            </a:r>
-            <a:r>
-              <a:rPr lang="en-US" altLang="ko-KR" dirty="0"/>
-              <a:t>/ </a:t>
-            </a:r>
-            <a:r>
-              <a:rPr lang="ko-KR" altLang="en-US" dirty="0"/>
-              <a:t>지정상품 입력 </a:t>
-            </a:r>
-            <a:r>
-              <a:rPr lang="ko-KR" altLang="en-US" dirty="0" err="1"/>
-              <a:t>안해도</a:t>
-            </a:r>
-            <a:r>
-              <a:rPr lang="ko-KR" altLang="en-US" dirty="0"/>
-              <a:t> 됨</a:t>
-            </a:r>
-          </a:p>
-        </p:txBody>
-      </p:sp>
-      <p:sp>
-        <p:nvSpPr>
-          <p:cNvPr id="6" name="TextBox 5">
-            <a:extLst>
-              <a:ext uri="{FF2B5EF4-FFF2-40B4-BE49-F238E27FC236}">
-                <a16:creationId xmlns:a16="http://schemas.microsoft.com/office/drawing/2014/main" id="{400036FB-1278-451F-BEEA-8CC055484AB0}"/>
-              </a:ext>
-            </a:extLst>
-          </p:cNvPr>
-          <p:cNvSpPr txBox="1"/>
-          <p:nvPr/>
-        </p:nvSpPr>
-        <p:spPr>
-          <a:xfrm>
-            <a:off x="399011" y="266007"/>
-            <a:ext cx="4630189" cy="369332"/>
-          </a:xfrm>
-          <a:prstGeom prst="rect">
-            <a:avLst/>
-          </a:prstGeom>
-          <a:noFill/>
-        </p:spPr>
-        <p:txBody>
-          <a:bodyPr wrap="square" rtlCol="0">
-            <a:spAutoFit/>
-          </a:bodyPr>
-          <a:lstStyle/>
-          <a:p>
-            <a:r>
-              <a:rPr lang="en-US" altLang="ko-KR" dirty="0" err="1"/>
-              <a:t>Kipris</a:t>
-            </a:r>
-            <a:r>
-              <a:rPr lang="en-US" altLang="ko-KR" dirty="0"/>
-              <a:t> </a:t>
-            </a:r>
-            <a:r>
-              <a:rPr lang="ko-KR" altLang="en-US" dirty="0"/>
-              <a:t>상표권 검색 프로그램 사용 매뉴얼</a:t>
-            </a:r>
-          </a:p>
-        </p:txBody>
-      </p:sp>
-      <p:sp>
-        <p:nvSpPr>
-          <p:cNvPr id="9" name="TextBox 8">
-            <a:extLst>
-              <a:ext uri="{FF2B5EF4-FFF2-40B4-BE49-F238E27FC236}">
-                <a16:creationId xmlns:a16="http://schemas.microsoft.com/office/drawing/2014/main" id="{7F1915D2-87C9-3124-275D-ACE7FB7972B1}"/>
-              </a:ext>
-            </a:extLst>
-          </p:cNvPr>
-          <p:cNvSpPr txBox="1"/>
-          <p:nvPr/>
-        </p:nvSpPr>
-        <p:spPr>
-          <a:xfrm>
-            <a:off x="399011" y="939139"/>
-            <a:ext cx="9476509" cy="369332"/>
-          </a:xfrm>
-          <a:prstGeom prst="rect">
-            <a:avLst/>
-          </a:prstGeom>
-          <a:noFill/>
-        </p:spPr>
-        <p:txBody>
-          <a:bodyPr wrap="square" rtlCol="0">
-            <a:spAutoFit/>
-          </a:bodyPr>
-          <a:lstStyle/>
-          <a:p>
-            <a:r>
-              <a:rPr lang="en-US" altLang="ko-KR" dirty="0"/>
-              <a:t>2) </a:t>
-            </a:r>
-            <a:r>
-              <a:rPr lang="ko-KR" altLang="en-US" dirty="0"/>
-              <a:t>원하는 상표명칭 </a:t>
-            </a:r>
-            <a:r>
-              <a:rPr lang="en-US" altLang="ko-KR" dirty="0"/>
-              <a:t>/ </a:t>
-            </a:r>
-            <a:r>
-              <a:rPr lang="ko-KR" altLang="en-US" dirty="0"/>
-              <a:t>지정상품 입력 및 </a:t>
-            </a:r>
-            <a:r>
-              <a:rPr lang="en-US" altLang="ko-KR" dirty="0"/>
-              <a:t>‘</a:t>
-            </a:r>
-            <a:r>
-              <a:rPr lang="ko-KR" altLang="en-US" dirty="0"/>
-              <a:t>시작</a:t>
-            </a:r>
-            <a:r>
-              <a:rPr lang="en-US" altLang="ko-KR" dirty="0"/>
-              <a:t>’</a:t>
-            </a:r>
-            <a:r>
-              <a:rPr lang="ko-KR" altLang="en-US" dirty="0"/>
-              <a:t> 클릭</a:t>
-            </a:r>
-          </a:p>
-        </p:txBody>
-      </p:sp>
     </p:spTree>
     <p:extLst>
       <p:ext uri="{BB962C8B-B14F-4D97-AF65-F5344CB8AC3E}">
@@ -6848,12 +7333,94 @@
           <a:chExt cx="0" cy="0"/>
         </a:xfrm>
       </p:grpSpPr>
+      <p:sp>
+        <p:nvSpPr>
+          <p:cNvPr id="6" name="TextBox 5">
+            <a:extLst>
+              <a:ext uri="{FF2B5EF4-FFF2-40B4-BE49-F238E27FC236}">
+                <a16:creationId xmlns:a16="http://schemas.microsoft.com/office/drawing/2014/main" id="{400036FB-1278-451F-BEEA-8CC055484AB0}"/>
+              </a:ext>
+            </a:extLst>
+          </p:cNvPr>
+          <p:cNvSpPr txBox="1"/>
+          <p:nvPr/>
+        </p:nvSpPr>
+        <p:spPr>
+          <a:xfrm>
+            <a:off x="399011" y="266007"/>
+            <a:ext cx="4630189" cy="369332"/>
+          </a:xfrm>
+          <a:prstGeom prst="rect">
+            <a:avLst/>
+          </a:prstGeom>
+          <a:noFill/>
+        </p:spPr>
+        <p:txBody>
+          <a:bodyPr wrap="square" rtlCol="0">
+            <a:spAutoFit/>
+          </a:bodyPr>
+          <a:lstStyle/>
+          <a:p>
+            <a:r>
+              <a:rPr lang="en-US" altLang="ko-KR" dirty="0" err="1"/>
+              <a:t>Kipris</a:t>
+            </a:r>
+            <a:r>
+              <a:rPr lang="en-US" altLang="ko-KR" dirty="0"/>
+              <a:t> </a:t>
+            </a:r>
+            <a:r>
+              <a:rPr lang="ko-KR" altLang="en-US" dirty="0"/>
+              <a:t>상표권 검색 프로그램 사용 매뉴얼</a:t>
+            </a:r>
+          </a:p>
+        </p:txBody>
+      </p:sp>
+      <p:sp>
+        <p:nvSpPr>
+          <p:cNvPr id="9" name="TextBox 8">
+            <a:extLst>
+              <a:ext uri="{FF2B5EF4-FFF2-40B4-BE49-F238E27FC236}">
+                <a16:creationId xmlns:a16="http://schemas.microsoft.com/office/drawing/2014/main" id="{7F1915D2-87C9-3124-275D-ACE7FB7972B1}"/>
+              </a:ext>
+            </a:extLst>
+          </p:cNvPr>
+          <p:cNvSpPr txBox="1"/>
+          <p:nvPr/>
+        </p:nvSpPr>
+        <p:spPr>
+          <a:xfrm>
+            <a:off x="399011" y="939139"/>
+            <a:ext cx="9476509" cy="369332"/>
+          </a:xfrm>
+          <a:prstGeom prst="rect">
+            <a:avLst/>
+          </a:prstGeom>
+          <a:noFill/>
+        </p:spPr>
+        <p:txBody>
+          <a:bodyPr wrap="square" rtlCol="0">
+            <a:spAutoFit/>
+          </a:bodyPr>
+          <a:lstStyle/>
+          <a:p>
+            <a:r>
+              <a:rPr lang="en-US" altLang="ko-KR" dirty="0"/>
+              <a:t>4) </a:t>
+            </a:r>
+            <a:r>
+              <a:rPr lang="ko-KR" altLang="en-US" dirty="0"/>
+              <a:t>상표권 유무 확인</a:t>
+            </a:r>
+          </a:p>
+        </p:txBody>
+      </p:sp>
       <p:pic>
         <p:nvPicPr>
-          <p:cNvPr id="5" name="그림 4">
-            <a:extLst>
-              <a:ext uri="{FF2B5EF4-FFF2-40B4-BE49-F238E27FC236}">
-                <a16:creationId xmlns:a16="http://schemas.microsoft.com/office/drawing/2014/main" id="{CFE10447-EA00-628E-DA2A-5B37AF0F223F}"/>
+          <p:cNvPr id="17" name="그림 16">
+            <a:extLst>
+              <a:ext uri="{FF2B5EF4-FFF2-40B4-BE49-F238E27FC236}">
+                <a16:creationId xmlns:a16="http://schemas.microsoft.com/office/drawing/2014/main" id="{F6245978-9725-5ED0-4A89-80F1145F9703}"/>
               </a:ext>
             </a:extLst>
           </p:cNvPr>
@@ -6870,102 +7437,20 @@
         </p:blipFill>
         <p:spPr>
           <a:xfrm>
-            <a:off x="8027682" y="1574692"/>
-            <a:ext cx="3765308" cy="4421461"/>
+            <a:off x="399011" y="1600595"/>
+            <a:ext cx="7305801" cy="4318266"/>
           </a:xfrm>
           <a:prstGeom prst="rect">
             <a:avLst/>
           </a:prstGeom>
         </p:spPr>
       </p:pic>
-      <p:sp>
-        <p:nvSpPr>
-          <p:cNvPr id="6" name="TextBox 5">
-            <a:extLst>
-              <a:ext uri="{FF2B5EF4-FFF2-40B4-BE49-F238E27FC236}">
-                <a16:creationId xmlns:a16="http://schemas.microsoft.com/office/drawing/2014/main" id="{400036FB-1278-451F-BEEA-8CC055484AB0}"/>
-              </a:ext>
-            </a:extLst>
-          </p:cNvPr>
-          <p:cNvSpPr txBox="1"/>
-          <p:nvPr/>
-        </p:nvSpPr>
-        <p:spPr>
-          <a:xfrm>
-            <a:off x="399011" y="266007"/>
-            <a:ext cx="4630189" cy="369332"/>
-          </a:xfrm>
-          <a:prstGeom prst="rect">
-            <a:avLst/>
-          </a:prstGeom>
-          <a:noFill/>
-        </p:spPr>
-        <p:txBody>
-          <a:bodyPr wrap="square" rtlCol="0">
-            <a:spAutoFit/>
-          </a:bodyPr>
-          <a:lstStyle/>
-          <a:p>
-            <a:r>
-              <a:rPr lang="en-US" altLang="ko-KR" dirty="0" err="1"/>
-              <a:t>Kipris</a:t>
-            </a:r>
-            <a:r>
-              <a:rPr lang="en-US" altLang="ko-KR" dirty="0"/>
-              <a:t> </a:t>
-            </a:r>
-            <a:r>
-              <a:rPr lang="ko-KR" altLang="en-US" dirty="0"/>
-              <a:t>상표권 검색 프로그램 사용 매뉴얼</a:t>
-            </a:r>
-          </a:p>
-        </p:txBody>
-      </p:sp>
-      <p:sp>
-        <p:nvSpPr>
-          <p:cNvPr id="9" name="TextBox 8">
-            <a:extLst>
-              <a:ext uri="{FF2B5EF4-FFF2-40B4-BE49-F238E27FC236}">
-                <a16:creationId xmlns:a16="http://schemas.microsoft.com/office/drawing/2014/main" id="{7F1915D2-87C9-3124-275D-ACE7FB7972B1}"/>
-              </a:ext>
-            </a:extLst>
-          </p:cNvPr>
-          <p:cNvSpPr txBox="1"/>
-          <p:nvPr/>
-        </p:nvSpPr>
-        <p:spPr>
-          <a:xfrm>
-            <a:off x="399011" y="939139"/>
-            <a:ext cx="9476509" cy="369332"/>
-          </a:xfrm>
-          <a:prstGeom prst="rect">
-            <a:avLst/>
-          </a:prstGeom>
-          <a:noFill/>
-        </p:spPr>
-        <p:txBody>
-          <a:bodyPr wrap="square" rtlCol="0">
-            <a:spAutoFit/>
-          </a:bodyPr>
-          <a:lstStyle/>
-          <a:p>
-            <a:r>
-              <a:rPr lang="en-US" altLang="ko-KR" dirty="0"/>
-              <a:t>4) </a:t>
-            </a:r>
-            <a:r>
-              <a:rPr lang="ko-KR" altLang="en-US" dirty="0"/>
-              <a:t>상표권 유무 확인</a:t>
-            </a:r>
-          </a:p>
-        </p:txBody>
-      </p:sp>
       <p:pic>
         <p:nvPicPr>
-          <p:cNvPr id="17" name="그림 16">
-            <a:extLst>
-              <a:ext uri="{FF2B5EF4-FFF2-40B4-BE49-F238E27FC236}">
-                <a16:creationId xmlns:a16="http://schemas.microsoft.com/office/drawing/2014/main" id="{F6245978-9725-5ED0-4A89-80F1145F9703}"/>
+          <p:cNvPr id="3" name="그림 2">
+            <a:extLst>
+              <a:ext uri="{FF2B5EF4-FFF2-40B4-BE49-F238E27FC236}">
+                <a16:creationId xmlns:a16="http://schemas.microsoft.com/office/drawing/2014/main" id="{A079D73B-AC3D-A7DE-629B-0E467E2CF1ED}"/>
               </a:ext>
             </a:extLst>
           </p:cNvPr>
@@ -6982,8 +7467,8 @@
         </p:blipFill>
         <p:spPr>
           <a:xfrm>
-            <a:off x="399011" y="1600595"/>
-            <a:ext cx="7305801" cy="4318266"/>
+            <a:off x="7768575" y="1612271"/>
+            <a:ext cx="4213889" cy="4010297"/>
           </a:xfrm>
           <a:prstGeom prst="rect">
             <a:avLst/>
@@ -7022,10 +7507,10 @@
       </p:grpSpPr>
       <p:pic>
         <p:nvPicPr>
-          <p:cNvPr id="11" name="그림 10">
-            <a:extLst>
-              <a:ext uri="{FF2B5EF4-FFF2-40B4-BE49-F238E27FC236}">
-                <a16:creationId xmlns:a16="http://schemas.microsoft.com/office/drawing/2014/main" id="{F81BBBD4-A656-BBCD-F5C0-6C71CD280D9E}"/>
+          <p:cNvPr id="10" name="그림 9">
+            <a:extLst>
+              <a:ext uri="{FF2B5EF4-FFF2-40B4-BE49-F238E27FC236}">
+                <a16:creationId xmlns:a16="http://schemas.microsoft.com/office/drawing/2014/main" id="{C8B84379-12F6-5647-7D3F-BF8F57D17222}"/>
               </a:ext>
             </a:extLst>
           </p:cNvPr>
@@ -7042,8 +7527,8 @@
         </p:blipFill>
         <p:spPr>
           <a:xfrm>
-            <a:off x="7005737" y="1123805"/>
-            <a:ext cx="3551369" cy="4170241"/>
+            <a:off x="6620885" y="1003671"/>
+            <a:ext cx="4680574" cy="4454434"/>
           </a:xfrm>
           <a:prstGeom prst="rect">
             <a:avLst/>
@@ -7184,36 +7669,6 @@
           </a:p>
         </p:txBody>
       </p:sp>
-      <p:pic>
-        <p:nvPicPr>
-          <p:cNvPr id="5" name="그림 4">
-            <a:extLst>
-              <a:ext uri="{FF2B5EF4-FFF2-40B4-BE49-F238E27FC236}">
-                <a16:creationId xmlns:a16="http://schemas.microsoft.com/office/drawing/2014/main" id="{25C3873F-6D8E-5F73-A8B8-A828CEB0EC35}"/>
-              </a:ext>
-            </a:extLst>
-          </p:cNvPr>
-          <p:cNvPicPr>
-            <a:picLocks noChangeAspect="1"/>
-          </p:cNvPicPr>
-          <p:nvPr/>
-        </p:nvPicPr>
-        <p:blipFill>
-          <a:blip r:embed="rId3"/>
-          <a:stretch>
-            <a:fillRect/>
-          </a:stretch>
-        </p:blipFill>
-        <p:spPr>
-          <a:xfrm>
-            <a:off x="1221575" y="1625150"/>
-            <a:ext cx="5160052" cy="2907302"/>
-          </a:xfrm>
-          <a:prstGeom prst="rect">
-            <a:avLst/>
-          </a:prstGeom>
-        </p:spPr>
-      </p:pic>
       <p:sp>
         <p:nvSpPr>
           <p:cNvPr id="7" name="직사각형 6">
@@ -7228,8 +7683,8 @@
         </p:nvSpPr>
         <p:spPr>
           <a:xfrm>
-            <a:off x="7005737" y="2484480"/>
-            <a:ext cx="685224" cy="205047"/>
+            <a:off x="6744480" y="2501897"/>
+            <a:ext cx="1032274" cy="206469"/>
           </a:xfrm>
           <a:prstGeom prst="rect">
             <a:avLst/>
@@ -7266,6 +7721,36 @@
           </a:p>
         </p:txBody>
       </p:sp>
+      <p:pic>
+        <p:nvPicPr>
+          <p:cNvPr id="3" name="그림 2">
+            <a:extLst>
+              <a:ext uri="{FF2B5EF4-FFF2-40B4-BE49-F238E27FC236}">
+                <a16:creationId xmlns:a16="http://schemas.microsoft.com/office/drawing/2014/main" id="{F55F81E0-5060-6050-EAEA-3FF81F13F2EB}"/>
+              </a:ext>
+            </a:extLst>
+          </p:cNvPr>
+          <p:cNvPicPr>
+            <a:picLocks noChangeAspect="1"/>
+          </p:cNvPicPr>
+          <p:nvPr/>
+        </p:nvPicPr>
+        <p:blipFill>
+          <a:blip r:embed="rId3"/>
+          <a:stretch>
+            <a:fillRect/>
+          </a:stretch>
+        </p:blipFill>
+        <p:spPr>
+          <a:xfrm>
+            <a:off x="625434" y="1465191"/>
+            <a:ext cx="5470566" cy="3082253"/>
+          </a:xfrm>
+          <a:prstGeom prst="rect">
+            <a:avLst/>
+          </a:prstGeom>
+        </p:spPr>
+      </p:pic>
     </p:spTree>
     <p:extLst>
       <p:ext uri="{BB962C8B-B14F-4D97-AF65-F5344CB8AC3E}">
@@ -7298,10 +7783,10 @@
       </p:grpSpPr>
       <p:pic>
         <p:nvPicPr>
-          <p:cNvPr id="15" name="그림 14">
-            <a:extLst>
-              <a:ext uri="{FF2B5EF4-FFF2-40B4-BE49-F238E27FC236}">
-                <a16:creationId xmlns:a16="http://schemas.microsoft.com/office/drawing/2014/main" id="{B0E12D0C-B2BA-2CBF-60E9-02ED65920D2E}"/>
+          <p:cNvPr id="2" name="그림 1">
+            <a:extLst>
+              <a:ext uri="{FF2B5EF4-FFF2-40B4-BE49-F238E27FC236}">
+                <a16:creationId xmlns:a16="http://schemas.microsoft.com/office/drawing/2014/main" id="{5AE13B0D-7067-CA67-FE1C-C13A669662F9}"/>
               </a:ext>
             </a:extLst>
           </p:cNvPr>
@@ -7318,8 +7803,8 @@
         </p:blipFill>
         <p:spPr>
           <a:xfrm>
-            <a:off x="1219501" y="2177863"/>
-            <a:ext cx="3551369" cy="4170241"/>
+            <a:off x="838850" y="2749439"/>
+            <a:ext cx="4201762" cy="3998756"/>
           </a:xfrm>
           <a:prstGeom prst="rect">
             <a:avLst/>
@@ -7462,8 +7947,8 @@
         </p:nvSpPr>
         <p:spPr>
           <a:xfrm>
-            <a:off x="1940421" y="3738050"/>
-            <a:ext cx="685224" cy="205047"/>
+            <a:off x="838850" y="4295399"/>
+            <a:ext cx="1046619" cy="198224"/>
           </a:xfrm>
           <a:prstGeom prst="rect">
             <a:avLst/>
@@ -7496,7 +7981,7 @@
           <a:lstStyle/>
           <a:p>
             <a:pPr algn="ctr"/>
-            <a:endParaRPr lang="ko-KR" altLang="en-US"/>
+            <a:endParaRPr lang="ko-KR" altLang="en-US" dirty="0"/>
           </a:p>
         </p:txBody>
       </p:sp>
@@ -7516,7 +8001,7 @@
         </p:nvCxnSpPr>
         <p:spPr>
           <a:xfrm>
-            <a:off x="4946468" y="4125977"/>
+            <a:off x="4833257" y="4822663"/>
             <a:ext cx="1578144" cy="0"/>
           </a:xfrm>
           <a:prstGeom prst="straightConnector1">
@@ -7546,10 +8031,10 @@
       </p:cxnSp>
       <p:pic>
         <p:nvPicPr>
-          <p:cNvPr id="14" name="그림 13">
-            <a:extLst>
-              <a:ext uri="{FF2B5EF4-FFF2-40B4-BE49-F238E27FC236}">
-                <a16:creationId xmlns:a16="http://schemas.microsoft.com/office/drawing/2014/main" id="{45E63BFF-EA6D-0710-0A91-E8072ED8BF06}"/>
+          <p:cNvPr id="4" name="그림 3">
+            <a:extLst>
+              <a:ext uri="{FF2B5EF4-FFF2-40B4-BE49-F238E27FC236}">
+                <a16:creationId xmlns:a16="http://schemas.microsoft.com/office/drawing/2014/main" id="{A88C79BF-086E-451E-E9A9-E902589355C6}"/>
               </a:ext>
             </a:extLst>
           </p:cNvPr>
@@ -7566,8 +8051,38 @@
         </p:blipFill>
         <p:spPr>
           <a:xfrm>
-            <a:off x="6650885" y="2177864"/>
-            <a:ext cx="3600694" cy="4228160"/>
+            <a:off x="5137265" y="69531"/>
+            <a:ext cx="4625348" cy="2499277"/>
+          </a:xfrm>
+          <a:prstGeom prst="rect">
+            <a:avLst/>
+          </a:prstGeom>
+        </p:spPr>
+      </p:pic>
+      <p:pic>
+        <p:nvPicPr>
+          <p:cNvPr id="10" name="그림 9">
+            <a:extLst>
+              <a:ext uri="{FF2B5EF4-FFF2-40B4-BE49-F238E27FC236}">
+                <a16:creationId xmlns:a16="http://schemas.microsoft.com/office/drawing/2014/main" id="{44A36151-06BF-9B3B-C490-10CBE8A464D3}"/>
+              </a:ext>
+            </a:extLst>
+          </p:cNvPr>
+          <p:cNvPicPr>
+            <a:picLocks noChangeAspect="1"/>
+          </p:cNvPicPr>
+          <p:nvPr/>
+        </p:nvPicPr>
+        <p:blipFill>
+          <a:blip r:embed="rId4"/>
+          <a:stretch>
+            <a:fillRect/>
+          </a:stretch>
+        </p:blipFill>
+        <p:spPr>
+          <a:xfrm>
+            <a:off x="6524612" y="2722036"/>
+            <a:ext cx="4201762" cy="3998755"/>
           </a:xfrm>
           <a:prstGeom prst="rect">
             <a:avLst/>
